--- a/Лекция 1.pptx
+++ b/Лекция 1.pptx
@@ -6,17 +6,16 @@
     <p:sldMasterId id="2147483698" r:id="rId2"/>
   </p:sldMasterIdLst>
   <p:notesMasterIdLst>
-    <p:notesMasterId r:id="rId8"/>
+    <p:notesMasterId r:id="rId7"/>
   </p:notesMasterIdLst>
   <p:handoutMasterIdLst>
-    <p:handoutMasterId r:id="rId9"/>
+    <p:handoutMasterId r:id="rId8"/>
   </p:handoutMasterIdLst>
   <p:sldIdLst>
     <p:sldId id="265" r:id="rId3"/>
-    <p:sldId id="257" r:id="rId4"/>
-    <p:sldId id="264" r:id="rId5"/>
-    <p:sldId id="268" r:id="rId6"/>
-    <p:sldId id="263" r:id="rId7"/>
+    <p:sldId id="272" r:id="rId4"/>
+    <p:sldId id="268" r:id="rId5"/>
+    <p:sldId id="263" r:id="rId6"/>
   </p:sldIdLst>
   <p:sldSz cx="9144000" cy="5143500" type="screen16x9"/>
   <p:notesSz cx="6858000" cy="9144000"/>
@@ -857,6 +856,522 @@
 
 <file path=ppt/slideLayouts/slideLayout10.xml><?xml version="1.0" encoding="utf-8"?>
 <p:sldLayout xmlns:a="http://schemas.openxmlformats.org/drawingml/2006/main" xmlns:r="http://schemas.openxmlformats.org/officeDocument/2006/relationships" xmlns:p="http://schemas.openxmlformats.org/presentationml/2006/main" preserve="1" userDrawn="1">
+  <p:cSld name="3_Custom Layout">
+    <p:spTree>
+      <p:nvGrpSpPr>
+        <p:cNvPr id="1" name=""/>
+        <p:cNvGrpSpPr/>
+        <p:nvPr/>
+      </p:nvGrpSpPr>
+      <p:grpSpPr>
+        <a:xfrm>
+          <a:off x="0" y="0"/>
+          <a:ext cx="0" cy="0"/>
+          <a:chOff x="0" y="0"/>
+          <a:chExt cx="0" cy="0"/>
+        </a:xfrm>
+      </p:grpSpPr>
+      <p:sp>
+        <p:nvSpPr>
+          <p:cNvPr id="7" name="Title 1"/>
+          <p:cNvSpPr>
+            <a:spLocks noGrp="1"/>
+          </p:cNvSpPr>
+          <p:nvPr>
+            <p:ph type="title" hasCustomPrompt="1"/>
+          </p:nvPr>
+        </p:nvSpPr>
+        <p:spPr>
+          <a:xfrm>
+            <a:off x="457200" y="927382"/>
+            <a:ext cx="8229600" cy="620483"/>
+          </a:xfrm>
+        </p:spPr>
+        <p:txBody>
+          <a:bodyPr>
+            <a:normAutofit/>
+          </a:bodyPr>
+          <a:lstStyle>
+            <a:lvl1pPr>
+              <a:defRPr sz="3200"/>
+            </a:lvl1pPr>
+          </a:lstStyle>
+          <a:p>
+            <a:r>
+              <a:rPr lang="ru-RU" dirty="0"/>
+              <a:t>Заголовок</a:t>
+            </a:r>
+            <a:endParaRPr lang="en-US" dirty="0"/>
+          </a:p>
+        </p:txBody>
+      </p:sp>
+      <p:sp>
+        <p:nvSpPr>
+          <p:cNvPr id="16" name="Picture Placeholder 10"/>
+          <p:cNvSpPr>
+            <a:spLocks noGrp="1"/>
+          </p:cNvSpPr>
+          <p:nvPr>
+            <p:ph type="pic" sz="quarter" idx="13"/>
+          </p:nvPr>
+        </p:nvSpPr>
+        <p:spPr>
+          <a:xfrm>
+            <a:off x="457201" y="1759744"/>
+            <a:ext cx="2588883" cy="1063056"/>
+          </a:xfrm>
+          <a:prstGeom prst="round1Rect">
+            <a:avLst>
+              <a:gd name="adj" fmla="val 37649"/>
+            </a:avLst>
+          </a:prstGeom>
+          <a:ln>
+            <a:noFill/>
+          </a:ln>
+        </p:spPr>
+        <p:txBody>
+          <a:bodyPr/>
+          <a:lstStyle/>
+          <a:p>
+            <a:endParaRPr lang="en-US"/>
+          </a:p>
+        </p:txBody>
+      </p:sp>
+      <p:sp>
+        <p:nvSpPr>
+          <p:cNvPr id="18" name="Picture Placeholder 10"/>
+          <p:cNvSpPr>
+            <a:spLocks noGrp="1"/>
+          </p:cNvSpPr>
+          <p:nvPr>
+            <p:ph type="pic" sz="quarter" idx="15"/>
+          </p:nvPr>
+        </p:nvSpPr>
+        <p:spPr>
+          <a:xfrm>
+            <a:off x="3276149" y="1759744"/>
+            <a:ext cx="2588883" cy="1063056"/>
+          </a:xfrm>
+          <a:prstGeom prst="round1Rect">
+            <a:avLst>
+              <a:gd name="adj" fmla="val 37649"/>
+            </a:avLst>
+          </a:prstGeom>
+          <a:ln>
+            <a:noFill/>
+          </a:ln>
+        </p:spPr>
+        <p:txBody>
+          <a:bodyPr/>
+          <a:lstStyle/>
+          <a:p>
+            <a:endParaRPr lang="en-US"/>
+          </a:p>
+        </p:txBody>
+      </p:sp>
+      <p:sp>
+        <p:nvSpPr>
+          <p:cNvPr id="19" name="Picture Placeholder 10"/>
+          <p:cNvSpPr>
+            <a:spLocks noGrp="1"/>
+          </p:cNvSpPr>
+          <p:nvPr>
+            <p:ph type="pic" sz="quarter" idx="16"/>
+          </p:nvPr>
+        </p:nvSpPr>
+        <p:spPr>
+          <a:xfrm>
+            <a:off x="6097917" y="1759744"/>
+            <a:ext cx="2588883" cy="1063056"/>
+          </a:xfrm>
+          <a:prstGeom prst="round1Rect">
+            <a:avLst>
+              <a:gd name="adj" fmla="val 37649"/>
+            </a:avLst>
+          </a:prstGeom>
+          <a:ln>
+            <a:noFill/>
+          </a:ln>
+        </p:spPr>
+        <p:txBody>
+          <a:bodyPr/>
+          <a:lstStyle/>
+          <a:p>
+            <a:endParaRPr lang="en-US"/>
+          </a:p>
+        </p:txBody>
+      </p:sp>
+      <p:sp>
+        <p:nvSpPr>
+          <p:cNvPr id="20" name="Picture Placeholder 10"/>
+          <p:cNvSpPr>
+            <a:spLocks noGrp="1"/>
+          </p:cNvSpPr>
+          <p:nvPr>
+            <p:ph type="pic" sz="quarter" idx="17"/>
+          </p:nvPr>
+        </p:nvSpPr>
+        <p:spPr>
+          <a:xfrm>
+            <a:off x="457201" y="3324086"/>
+            <a:ext cx="2588883" cy="1063056"/>
+          </a:xfrm>
+          <a:prstGeom prst="round1Rect">
+            <a:avLst>
+              <a:gd name="adj" fmla="val 37649"/>
+            </a:avLst>
+          </a:prstGeom>
+          <a:ln>
+            <a:noFill/>
+          </a:ln>
+        </p:spPr>
+        <p:txBody>
+          <a:bodyPr/>
+          <a:lstStyle/>
+          <a:p>
+            <a:endParaRPr lang="en-US"/>
+          </a:p>
+        </p:txBody>
+      </p:sp>
+      <p:sp>
+        <p:nvSpPr>
+          <p:cNvPr id="21" name="Picture Placeholder 10"/>
+          <p:cNvSpPr>
+            <a:spLocks noGrp="1"/>
+          </p:cNvSpPr>
+          <p:nvPr>
+            <p:ph type="pic" sz="quarter" idx="18"/>
+          </p:nvPr>
+        </p:nvSpPr>
+        <p:spPr>
+          <a:xfrm>
+            <a:off x="3276149" y="3324086"/>
+            <a:ext cx="2588883" cy="1063056"/>
+          </a:xfrm>
+          <a:prstGeom prst="round1Rect">
+            <a:avLst>
+              <a:gd name="adj" fmla="val 37649"/>
+            </a:avLst>
+          </a:prstGeom>
+          <a:ln>
+            <a:noFill/>
+          </a:ln>
+        </p:spPr>
+        <p:txBody>
+          <a:bodyPr/>
+          <a:lstStyle/>
+          <a:p>
+            <a:endParaRPr lang="en-US"/>
+          </a:p>
+        </p:txBody>
+      </p:sp>
+      <p:sp>
+        <p:nvSpPr>
+          <p:cNvPr id="22" name="Picture Placeholder 10"/>
+          <p:cNvSpPr>
+            <a:spLocks noGrp="1"/>
+          </p:cNvSpPr>
+          <p:nvPr>
+            <p:ph type="pic" sz="quarter" idx="19"/>
+          </p:nvPr>
+        </p:nvSpPr>
+        <p:spPr>
+          <a:xfrm>
+            <a:off x="6097917" y="3324086"/>
+            <a:ext cx="2588883" cy="1063056"/>
+          </a:xfrm>
+          <a:prstGeom prst="round1Rect">
+            <a:avLst>
+              <a:gd name="adj" fmla="val 37649"/>
+            </a:avLst>
+          </a:prstGeom>
+          <a:ln>
+            <a:noFill/>
+          </a:ln>
+        </p:spPr>
+        <p:txBody>
+          <a:bodyPr/>
+          <a:lstStyle/>
+          <a:p>
+            <a:endParaRPr lang="en-US"/>
+          </a:p>
+        </p:txBody>
+      </p:sp>
+      <p:sp>
+        <p:nvSpPr>
+          <p:cNvPr id="25" name="Text Placeholder 24"/>
+          <p:cNvSpPr>
+            <a:spLocks noGrp="1"/>
+          </p:cNvSpPr>
+          <p:nvPr>
+            <p:ph type="body" sz="quarter" idx="20" hasCustomPrompt="1"/>
+          </p:nvPr>
+        </p:nvSpPr>
+        <p:spPr>
+          <a:xfrm>
+            <a:off x="457201" y="2899173"/>
+            <a:ext cx="2589213" cy="269081"/>
+          </a:xfrm>
+        </p:spPr>
+        <p:txBody>
+          <a:bodyPr>
+            <a:normAutofit/>
+          </a:bodyPr>
+          <a:lstStyle>
+            <a:lvl1pPr marL="0" indent="0">
+              <a:buFont typeface="Arial"/>
+              <a:buNone/>
+              <a:defRPr sz="1200"/>
+            </a:lvl1pPr>
+          </a:lstStyle>
+          <a:p>
+            <a:pPr lvl="0"/>
+            <a:r>
+              <a:rPr lang="ru-RU" dirty="0"/>
+              <a:t>Подпись</a:t>
+            </a:r>
+            <a:endParaRPr lang="en-US" dirty="0"/>
+          </a:p>
+        </p:txBody>
+      </p:sp>
+      <p:sp>
+        <p:nvSpPr>
+          <p:cNvPr id="26" name="Text Placeholder 24"/>
+          <p:cNvSpPr>
+            <a:spLocks noGrp="1"/>
+          </p:cNvSpPr>
+          <p:nvPr>
+            <p:ph type="body" sz="quarter" idx="21" hasCustomPrompt="1"/>
+          </p:nvPr>
+        </p:nvSpPr>
+        <p:spPr>
+          <a:xfrm>
+            <a:off x="3275819" y="2899173"/>
+            <a:ext cx="2589213" cy="269081"/>
+          </a:xfrm>
+        </p:spPr>
+        <p:txBody>
+          <a:bodyPr>
+            <a:normAutofit/>
+          </a:bodyPr>
+          <a:lstStyle>
+            <a:lvl1pPr marL="0" indent="0">
+              <a:buFont typeface="Arial"/>
+              <a:buNone/>
+              <a:defRPr sz="1200"/>
+            </a:lvl1pPr>
+          </a:lstStyle>
+          <a:p>
+            <a:pPr lvl="0"/>
+            <a:r>
+              <a:rPr lang="ru-RU" dirty="0"/>
+              <a:t>Подпись</a:t>
+            </a:r>
+            <a:endParaRPr lang="en-US" dirty="0"/>
+          </a:p>
+        </p:txBody>
+      </p:sp>
+      <p:sp>
+        <p:nvSpPr>
+          <p:cNvPr id="27" name="Text Placeholder 24"/>
+          <p:cNvSpPr>
+            <a:spLocks noGrp="1"/>
+          </p:cNvSpPr>
+          <p:nvPr>
+            <p:ph type="body" sz="quarter" idx="22" hasCustomPrompt="1"/>
+          </p:nvPr>
+        </p:nvSpPr>
+        <p:spPr>
+          <a:xfrm>
+            <a:off x="6085706" y="2899173"/>
+            <a:ext cx="2589213" cy="269081"/>
+          </a:xfrm>
+        </p:spPr>
+        <p:txBody>
+          <a:bodyPr>
+            <a:normAutofit/>
+          </a:bodyPr>
+          <a:lstStyle>
+            <a:lvl1pPr marL="0" indent="0">
+              <a:buFont typeface="Arial"/>
+              <a:buNone/>
+              <a:defRPr sz="1200"/>
+            </a:lvl1pPr>
+          </a:lstStyle>
+          <a:p>
+            <a:pPr lvl="0"/>
+            <a:r>
+              <a:rPr lang="ru-RU" dirty="0"/>
+              <a:t>Подпись</a:t>
+            </a:r>
+            <a:endParaRPr lang="en-US" dirty="0"/>
+          </a:p>
+        </p:txBody>
+      </p:sp>
+      <p:sp>
+        <p:nvSpPr>
+          <p:cNvPr id="28" name="Text Placeholder 24"/>
+          <p:cNvSpPr>
+            <a:spLocks noGrp="1"/>
+          </p:cNvSpPr>
+          <p:nvPr>
+            <p:ph type="body" sz="quarter" idx="23" hasCustomPrompt="1"/>
+          </p:nvPr>
+        </p:nvSpPr>
+        <p:spPr>
+          <a:xfrm>
+            <a:off x="457201" y="4472763"/>
+            <a:ext cx="2589213" cy="269081"/>
+          </a:xfrm>
+        </p:spPr>
+        <p:txBody>
+          <a:bodyPr>
+            <a:normAutofit/>
+          </a:bodyPr>
+          <a:lstStyle>
+            <a:lvl1pPr marL="0" indent="0">
+              <a:buFont typeface="Arial"/>
+              <a:buNone/>
+              <a:defRPr sz="1200"/>
+            </a:lvl1pPr>
+          </a:lstStyle>
+          <a:p>
+            <a:pPr lvl="0"/>
+            <a:r>
+              <a:rPr lang="ru-RU" dirty="0"/>
+              <a:t>Подпись</a:t>
+            </a:r>
+            <a:endParaRPr lang="en-US" dirty="0"/>
+          </a:p>
+        </p:txBody>
+      </p:sp>
+      <p:sp>
+        <p:nvSpPr>
+          <p:cNvPr id="29" name="Text Placeholder 24"/>
+          <p:cNvSpPr>
+            <a:spLocks noGrp="1"/>
+          </p:cNvSpPr>
+          <p:nvPr>
+            <p:ph type="body" sz="quarter" idx="24" hasCustomPrompt="1"/>
+          </p:nvPr>
+        </p:nvSpPr>
+        <p:spPr>
+          <a:xfrm>
+            <a:off x="3275819" y="4472763"/>
+            <a:ext cx="2589213" cy="269081"/>
+          </a:xfrm>
+        </p:spPr>
+        <p:txBody>
+          <a:bodyPr>
+            <a:normAutofit/>
+          </a:bodyPr>
+          <a:lstStyle>
+            <a:lvl1pPr marL="0" indent="0">
+              <a:buFont typeface="Arial"/>
+              <a:buNone/>
+              <a:defRPr sz="1200"/>
+            </a:lvl1pPr>
+          </a:lstStyle>
+          <a:p>
+            <a:pPr lvl="0"/>
+            <a:r>
+              <a:rPr lang="ru-RU" dirty="0"/>
+              <a:t>Подпись</a:t>
+            </a:r>
+            <a:endParaRPr lang="en-US" dirty="0"/>
+          </a:p>
+        </p:txBody>
+      </p:sp>
+      <p:sp>
+        <p:nvSpPr>
+          <p:cNvPr id="30" name="Text Placeholder 24"/>
+          <p:cNvSpPr>
+            <a:spLocks noGrp="1"/>
+          </p:cNvSpPr>
+          <p:nvPr>
+            <p:ph type="body" sz="quarter" idx="25" hasCustomPrompt="1"/>
+          </p:nvPr>
+        </p:nvSpPr>
+        <p:spPr>
+          <a:xfrm>
+            <a:off x="6085706" y="4472763"/>
+            <a:ext cx="2589213" cy="269081"/>
+          </a:xfrm>
+        </p:spPr>
+        <p:txBody>
+          <a:bodyPr>
+            <a:normAutofit/>
+          </a:bodyPr>
+          <a:lstStyle>
+            <a:lvl1pPr marL="0" indent="0">
+              <a:buFont typeface="Arial"/>
+              <a:buNone/>
+              <a:defRPr sz="1200"/>
+            </a:lvl1pPr>
+          </a:lstStyle>
+          <a:p>
+            <a:pPr lvl="0"/>
+            <a:r>
+              <a:rPr lang="ru-RU" dirty="0"/>
+              <a:t>Подпись</a:t>
+            </a:r>
+            <a:endParaRPr lang="en-US" dirty="0"/>
+          </a:p>
+        </p:txBody>
+      </p:sp>
+      <p:sp>
+        <p:nvSpPr>
+          <p:cNvPr id="33" name="Footer Placeholder 3"/>
+          <p:cNvSpPr>
+            <a:spLocks noGrp="1"/>
+          </p:cNvSpPr>
+          <p:nvPr>
+            <p:ph type="ftr" sz="quarter" idx="3"/>
+          </p:nvPr>
+        </p:nvSpPr>
+        <p:spPr>
+          <a:xfrm>
+            <a:off x="4030768" y="185639"/>
+            <a:ext cx="4656032" cy="273844"/>
+          </a:xfrm>
+          <a:prstGeom prst="rect">
+            <a:avLst/>
+          </a:prstGeom>
+        </p:spPr>
+        <p:txBody>
+          <a:bodyPr vert="horz" lIns="91440" tIns="45720" rIns="91440" bIns="45720" rtlCol="0" anchor="ctr"/>
+          <a:lstStyle>
+            <a:lvl1pPr algn="r">
+              <a:defRPr sz="1400" b="0" i="0" cap="none">
+                <a:solidFill>
+                  <a:schemeClr val="bg1"/>
+                </a:solidFill>
+              </a:defRPr>
+            </a:lvl1pPr>
+          </a:lstStyle>
+          <a:p>
+            <a:r>
+              <a:rPr lang="en-US" dirty="0"/>
+              <a:t>International Students and Scholars Rock</a:t>
+            </a:r>
+          </a:p>
+        </p:txBody>
+      </p:sp>
+    </p:spTree>
+    <p:extLst>
+      <p:ext uri="{BB962C8B-B14F-4D97-AF65-F5344CB8AC3E}">
+        <p14:creationId xmlns:p14="http://schemas.microsoft.com/office/powerpoint/2010/main" val="7186394"/>
+      </p:ext>
+    </p:extLst>
+  </p:cSld>
+  <p:clrMapOvr>
+    <a:masterClrMapping/>
+  </p:clrMapOvr>
+</p:sldLayout>
+</file>
+
+<file path=ppt/slideLayouts/slideLayout11.xml><?xml version="1.0" encoding="utf-8"?>
+<p:sldLayout xmlns:a="http://schemas.openxmlformats.org/drawingml/2006/main" xmlns:r="http://schemas.openxmlformats.org/officeDocument/2006/relationships" xmlns:p="http://schemas.openxmlformats.org/presentationml/2006/main" preserve="1" userDrawn="1">
   <p:cSld name="4_Custom Layout">
     <p:spTree>
       <p:nvGrpSpPr>
@@ -1339,7 +1854,7 @@
 </p:sldLayout>
 </file>
 
-<file path=ppt/slideLayouts/slideLayout11.xml><?xml version="1.0" encoding="utf-8"?>
+<file path=ppt/slideLayouts/slideLayout12.xml><?xml version="1.0" encoding="utf-8"?>
 <p:sldLayout xmlns:a="http://schemas.openxmlformats.org/drawingml/2006/main" xmlns:r="http://schemas.openxmlformats.org/officeDocument/2006/relationships" xmlns:p="http://schemas.openxmlformats.org/presentationml/2006/main" preserve="1" userDrawn="1">
   <p:cSld name="2_Custom Layout">
     <p:spTree>
@@ -1646,7 +2161,7 @@
 </p:sldLayout>
 </file>
 
-<file path=ppt/slideLayouts/slideLayout12.xml><?xml version="1.0" encoding="utf-8"?>
+<file path=ppt/slideLayouts/slideLayout13.xml><?xml version="1.0" encoding="utf-8"?>
 <p:sldLayout xmlns:a="http://schemas.openxmlformats.org/drawingml/2006/main" xmlns:r="http://schemas.openxmlformats.org/officeDocument/2006/relationships" xmlns:p="http://schemas.openxmlformats.org/presentationml/2006/main" preserve="1" userDrawn="1">
   <p:cSld name="5_Custom Layout">
     <p:spTree>
@@ -2376,7 +2891,7 @@
 </file>
 
 <file path=ppt/slideLayouts/slideLayout6.xml><?xml version="1.0" encoding="utf-8"?>
-<p:sldLayout xmlns:a="http://schemas.openxmlformats.org/drawingml/2006/main" xmlns:r="http://schemas.openxmlformats.org/officeDocument/2006/relationships" xmlns:p="http://schemas.openxmlformats.org/presentationml/2006/main" preserve="1" userDrawn="1">
+<p:sldLayout xmlns:a="http://schemas.openxmlformats.org/drawingml/2006/main" xmlns:r="http://schemas.openxmlformats.org/officeDocument/2006/relationships" xmlns:p="http://schemas.openxmlformats.org/presentationml/2006/main" userDrawn="1">
   <p:cSld name="Section Header">
     <p:spTree>
       <p:nvGrpSpPr>
@@ -2552,7 +3067,7 @@
     </p:spTree>
     <p:extLst>
       <p:ext uri="{BB962C8B-B14F-4D97-AF65-F5344CB8AC3E}">
-        <p14:creationId xmlns:p14="http://schemas.microsoft.com/office/powerpoint/2010/main" val="3941284848"/>
+        <p14:creationId xmlns:p14="http://schemas.microsoft.com/office/powerpoint/2010/main" val="939166662"/>
       </p:ext>
     </p:extLst>
   </p:cSld>
@@ -2564,7 +3079,7 @@
 
 <file path=ppt/slideLayouts/slideLayout7.xml><?xml version="1.0" encoding="utf-8"?>
 <p:sldLayout xmlns:a="http://schemas.openxmlformats.org/drawingml/2006/main" xmlns:r="http://schemas.openxmlformats.org/officeDocument/2006/relationships" xmlns:p="http://schemas.openxmlformats.org/presentationml/2006/main" preserve="1" userDrawn="1">
-  <p:cSld name="Ckfql">
+  <p:cSld name="Section Header">
     <p:spTree>
       <p:nvGrpSpPr>
         <p:cNvPr id="1" name=""/>
@@ -2581,7 +3096,7 @@
       </p:grpSpPr>
       <p:sp>
         <p:nvSpPr>
-          <p:cNvPr id="3" name="Content Placeholder 2"/>
+          <p:cNvPr id="12" name="Content Placeholder 2"/>
           <p:cNvSpPr>
             <a:spLocks noGrp="1"/>
           </p:cNvSpPr>
@@ -2591,8 +3106,8 @@
         </p:nvSpPr>
         <p:spPr>
           <a:xfrm>
-            <a:off x="457200" y="1759937"/>
-            <a:ext cx="4038600" cy="2834686"/>
+            <a:off x="457200" y="1746133"/>
+            <a:ext cx="6273934" cy="2848490"/>
           </a:xfrm>
         </p:spPr>
         <p:txBody>
@@ -2666,17 +3181,119 @@
       </p:sp>
       <p:sp>
         <p:nvSpPr>
-          <p:cNvPr id="4" name="Content Placeholder 3"/>
-          <p:cNvSpPr>
-            <a:spLocks noGrp="1"/>
-          </p:cNvSpPr>
-          <p:nvPr>
-            <p:ph sz="half" idx="2" hasCustomPrompt="1"/>
-          </p:nvPr>
-        </p:nvSpPr>
-        <p:spPr>
-          <a:xfrm>
-            <a:off x="4648200" y="1759937"/>
+          <p:cNvPr id="14" name="Footer Placeholder 3"/>
+          <p:cNvSpPr>
+            <a:spLocks noGrp="1"/>
+          </p:cNvSpPr>
+          <p:nvPr>
+            <p:ph type="ftr" sz="quarter" idx="3"/>
+          </p:nvPr>
+        </p:nvSpPr>
+        <p:spPr>
+          <a:xfrm>
+            <a:off x="4030768" y="185639"/>
+            <a:ext cx="4656032" cy="273844"/>
+          </a:xfrm>
+          <a:prstGeom prst="rect">
+            <a:avLst/>
+          </a:prstGeom>
+        </p:spPr>
+        <p:txBody>
+          <a:bodyPr vert="horz" lIns="91440" tIns="45720" rIns="91440" bIns="45720" rtlCol="0" anchor="ctr"/>
+          <a:lstStyle>
+            <a:lvl1pPr algn="r">
+              <a:defRPr sz="1400" b="0" i="0" cap="none">
+                <a:solidFill>
+                  <a:schemeClr val="bg1"/>
+                </a:solidFill>
+              </a:defRPr>
+            </a:lvl1pPr>
+          </a:lstStyle>
+          <a:p>
+            <a:r>
+              <a:rPr lang="ru-RU" dirty="0"/>
+              <a:t>Колонтитул</a:t>
+            </a:r>
+            <a:endParaRPr lang="en-US" dirty="0"/>
+          </a:p>
+        </p:txBody>
+      </p:sp>
+      <p:sp>
+        <p:nvSpPr>
+          <p:cNvPr id="6" name="Title Placeholder 1"/>
+          <p:cNvSpPr>
+            <a:spLocks noGrp="1"/>
+          </p:cNvSpPr>
+          <p:nvPr>
+            <p:ph type="title"/>
+          </p:nvPr>
+        </p:nvSpPr>
+        <p:spPr>
+          <a:xfrm>
+            <a:off x="457200" y="927382"/>
+            <a:ext cx="8229600" cy="620483"/>
+          </a:xfrm>
+          <a:prstGeom prst="rect">
+            <a:avLst/>
+          </a:prstGeom>
+        </p:spPr>
+        <p:txBody>
+          <a:bodyPr vert="horz" lIns="91440" tIns="45720" rIns="91440" bIns="45720" rtlCol="0" anchor="ctr">
+            <a:normAutofit/>
+          </a:bodyPr>
+          <a:lstStyle/>
+          <a:p>
+            <a:r>
+              <a:rPr lang="ru-RU" dirty="0"/>
+              <a:t>Заголовок</a:t>
+            </a:r>
+            <a:endParaRPr lang="en-US" dirty="0"/>
+          </a:p>
+        </p:txBody>
+      </p:sp>
+    </p:spTree>
+    <p:extLst>
+      <p:ext uri="{BB962C8B-B14F-4D97-AF65-F5344CB8AC3E}">
+        <p14:creationId xmlns:p14="http://schemas.microsoft.com/office/powerpoint/2010/main" val="3941284848"/>
+      </p:ext>
+    </p:extLst>
+  </p:cSld>
+  <p:clrMapOvr>
+    <a:masterClrMapping/>
+  </p:clrMapOvr>
+</p:sldLayout>
+</file>
+
+<file path=ppt/slideLayouts/slideLayout8.xml><?xml version="1.0" encoding="utf-8"?>
+<p:sldLayout xmlns:a="http://schemas.openxmlformats.org/drawingml/2006/main" xmlns:r="http://schemas.openxmlformats.org/officeDocument/2006/relationships" xmlns:p="http://schemas.openxmlformats.org/presentationml/2006/main" preserve="1" userDrawn="1">
+  <p:cSld name="Ckfql">
+    <p:spTree>
+      <p:nvGrpSpPr>
+        <p:cNvPr id="1" name=""/>
+        <p:cNvGrpSpPr/>
+        <p:nvPr/>
+      </p:nvGrpSpPr>
+      <p:grpSpPr>
+        <a:xfrm>
+          <a:off x="0" y="0"/>
+          <a:ext cx="0" cy="0"/>
+          <a:chOff x="0" y="0"/>
+          <a:chExt cx="0" cy="0"/>
+        </a:xfrm>
+      </p:grpSpPr>
+      <p:sp>
+        <p:nvSpPr>
+          <p:cNvPr id="3" name="Content Placeholder 2"/>
+          <p:cNvSpPr>
+            <a:spLocks noGrp="1"/>
+          </p:cNvSpPr>
+          <p:nvPr>
+            <p:ph sz="half" idx="1" hasCustomPrompt="1"/>
+          </p:nvPr>
+        </p:nvSpPr>
+        <p:spPr>
+          <a:xfrm>
+            <a:off x="457200" y="1759937"/>
             <a:ext cx="4038600" cy="2834686"/>
           </a:xfrm>
         </p:spPr>
@@ -2751,6 +3368,91 @@
       </p:sp>
       <p:sp>
         <p:nvSpPr>
+          <p:cNvPr id="4" name="Content Placeholder 3"/>
+          <p:cNvSpPr>
+            <a:spLocks noGrp="1"/>
+          </p:cNvSpPr>
+          <p:nvPr>
+            <p:ph sz="half" idx="2" hasCustomPrompt="1"/>
+          </p:nvPr>
+        </p:nvSpPr>
+        <p:spPr>
+          <a:xfrm>
+            <a:off x="4648200" y="1759937"/>
+            <a:ext cx="4038600" cy="2834686"/>
+          </a:xfrm>
+        </p:spPr>
+        <p:txBody>
+          <a:bodyPr/>
+          <a:lstStyle>
+            <a:lvl1pPr>
+              <a:defRPr sz="2400"/>
+            </a:lvl1pPr>
+            <a:lvl2pPr>
+              <a:defRPr sz="2400"/>
+            </a:lvl2pPr>
+            <a:lvl3pPr>
+              <a:defRPr sz="2000"/>
+            </a:lvl3pPr>
+            <a:lvl4pPr>
+              <a:defRPr sz="1800"/>
+            </a:lvl4pPr>
+            <a:lvl5pPr>
+              <a:defRPr sz="1800"/>
+            </a:lvl5pPr>
+            <a:lvl6pPr>
+              <a:defRPr sz="1800"/>
+            </a:lvl6pPr>
+            <a:lvl7pPr>
+              <a:defRPr sz="1800"/>
+            </a:lvl7pPr>
+            <a:lvl8pPr>
+              <a:defRPr sz="1800"/>
+            </a:lvl8pPr>
+            <a:lvl9pPr>
+              <a:defRPr sz="1800"/>
+            </a:lvl9pPr>
+          </a:lstStyle>
+          <a:p>
+            <a:pPr lvl="0"/>
+            <a:r>
+              <a:rPr lang="ru-RU" dirty="0"/>
+              <a:t>Первый уровень</a:t>
+            </a:r>
+          </a:p>
+          <a:p>
+            <a:pPr lvl="1"/>
+            <a:r>
+              <a:rPr lang="ru-RU" dirty="0"/>
+              <a:t>Второй уровень</a:t>
+            </a:r>
+          </a:p>
+          <a:p>
+            <a:pPr lvl="2"/>
+            <a:r>
+              <a:rPr lang="ru-RU" dirty="0"/>
+              <a:t>Третий уровень</a:t>
+            </a:r>
+          </a:p>
+          <a:p>
+            <a:pPr lvl="3"/>
+            <a:r>
+              <a:rPr lang="ru-RU" dirty="0"/>
+              <a:t>Пятый уровень</a:t>
+            </a:r>
+          </a:p>
+          <a:p>
+            <a:pPr lvl="4"/>
+            <a:r>
+              <a:rPr lang="ru-RU" dirty="0"/>
+              <a:t>Шестой уровень</a:t>
+            </a:r>
+            <a:endParaRPr lang="en-US" dirty="0"/>
+          </a:p>
+        </p:txBody>
+      </p:sp>
+      <p:sp>
+        <p:nvSpPr>
           <p:cNvPr id="13" name="Footer Placeholder 3"/>
           <p:cNvSpPr>
             <a:spLocks noGrp="1"/>
@@ -2834,7 +3536,7 @@
 </p:sldLayout>
 </file>
 
-<file path=ppt/slideLayouts/slideLayout8.xml><?xml version="1.0" encoding="utf-8"?>
+<file path=ppt/slideLayouts/slideLayout9.xml><?xml version="1.0" encoding="utf-8"?>
 <p:sldLayout xmlns:a="http://schemas.openxmlformats.org/drawingml/2006/main" xmlns:r="http://schemas.openxmlformats.org/officeDocument/2006/relationships" xmlns:p="http://schemas.openxmlformats.org/presentationml/2006/main" preserve="1" userDrawn="1">
   <p:cSld name="1_Custom Layout">
     <p:spTree>
@@ -3151,529 +3853,13 @@
 </p:sldLayout>
 </file>
 
-<file path=ppt/slideLayouts/slideLayout9.xml><?xml version="1.0" encoding="utf-8"?>
-<p:sldLayout xmlns:a="http://schemas.openxmlformats.org/drawingml/2006/main" xmlns:r="http://schemas.openxmlformats.org/officeDocument/2006/relationships" xmlns:p="http://schemas.openxmlformats.org/presentationml/2006/main" preserve="1" userDrawn="1">
-  <p:cSld name="3_Custom Layout">
-    <p:spTree>
-      <p:nvGrpSpPr>
-        <p:cNvPr id="1" name=""/>
-        <p:cNvGrpSpPr/>
-        <p:nvPr/>
-      </p:nvGrpSpPr>
-      <p:grpSpPr>
-        <a:xfrm>
-          <a:off x="0" y="0"/>
-          <a:ext cx="0" cy="0"/>
-          <a:chOff x="0" y="0"/>
-          <a:chExt cx="0" cy="0"/>
-        </a:xfrm>
-      </p:grpSpPr>
-      <p:sp>
-        <p:nvSpPr>
-          <p:cNvPr id="7" name="Title 1"/>
-          <p:cNvSpPr>
-            <a:spLocks noGrp="1"/>
-          </p:cNvSpPr>
-          <p:nvPr>
-            <p:ph type="title" hasCustomPrompt="1"/>
-          </p:nvPr>
-        </p:nvSpPr>
-        <p:spPr>
-          <a:xfrm>
-            <a:off x="457200" y="927382"/>
-            <a:ext cx="8229600" cy="620483"/>
-          </a:xfrm>
-        </p:spPr>
-        <p:txBody>
-          <a:bodyPr>
-            <a:normAutofit/>
-          </a:bodyPr>
-          <a:lstStyle>
-            <a:lvl1pPr>
-              <a:defRPr sz="3200"/>
-            </a:lvl1pPr>
-          </a:lstStyle>
-          <a:p>
-            <a:r>
-              <a:rPr lang="ru-RU" dirty="0"/>
-              <a:t>Заголовок</a:t>
-            </a:r>
-            <a:endParaRPr lang="en-US" dirty="0"/>
-          </a:p>
-        </p:txBody>
-      </p:sp>
-      <p:sp>
-        <p:nvSpPr>
-          <p:cNvPr id="16" name="Picture Placeholder 10"/>
-          <p:cNvSpPr>
-            <a:spLocks noGrp="1"/>
-          </p:cNvSpPr>
-          <p:nvPr>
-            <p:ph type="pic" sz="quarter" idx="13"/>
-          </p:nvPr>
-        </p:nvSpPr>
-        <p:spPr>
-          <a:xfrm>
-            <a:off x="457201" y="1759744"/>
-            <a:ext cx="2588883" cy="1063056"/>
-          </a:xfrm>
-          <a:prstGeom prst="round1Rect">
-            <a:avLst>
-              <a:gd name="adj" fmla="val 37649"/>
-            </a:avLst>
-          </a:prstGeom>
-          <a:ln>
-            <a:noFill/>
-          </a:ln>
-        </p:spPr>
-        <p:txBody>
-          <a:bodyPr/>
-          <a:lstStyle/>
-          <a:p>
-            <a:endParaRPr lang="en-US"/>
-          </a:p>
-        </p:txBody>
-      </p:sp>
-      <p:sp>
-        <p:nvSpPr>
-          <p:cNvPr id="18" name="Picture Placeholder 10"/>
-          <p:cNvSpPr>
-            <a:spLocks noGrp="1"/>
-          </p:cNvSpPr>
-          <p:nvPr>
-            <p:ph type="pic" sz="quarter" idx="15"/>
-          </p:nvPr>
-        </p:nvSpPr>
-        <p:spPr>
-          <a:xfrm>
-            <a:off x="3276149" y="1759744"/>
-            <a:ext cx="2588883" cy="1063056"/>
-          </a:xfrm>
-          <a:prstGeom prst="round1Rect">
-            <a:avLst>
-              <a:gd name="adj" fmla="val 37649"/>
-            </a:avLst>
-          </a:prstGeom>
-          <a:ln>
-            <a:noFill/>
-          </a:ln>
-        </p:spPr>
-        <p:txBody>
-          <a:bodyPr/>
-          <a:lstStyle/>
-          <a:p>
-            <a:endParaRPr lang="en-US"/>
-          </a:p>
-        </p:txBody>
-      </p:sp>
-      <p:sp>
-        <p:nvSpPr>
-          <p:cNvPr id="19" name="Picture Placeholder 10"/>
-          <p:cNvSpPr>
-            <a:spLocks noGrp="1"/>
-          </p:cNvSpPr>
-          <p:nvPr>
-            <p:ph type="pic" sz="quarter" idx="16"/>
-          </p:nvPr>
-        </p:nvSpPr>
-        <p:spPr>
-          <a:xfrm>
-            <a:off x="6097917" y="1759744"/>
-            <a:ext cx="2588883" cy="1063056"/>
-          </a:xfrm>
-          <a:prstGeom prst="round1Rect">
-            <a:avLst>
-              <a:gd name="adj" fmla="val 37649"/>
-            </a:avLst>
-          </a:prstGeom>
-          <a:ln>
-            <a:noFill/>
-          </a:ln>
-        </p:spPr>
-        <p:txBody>
-          <a:bodyPr/>
-          <a:lstStyle/>
-          <a:p>
-            <a:endParaRPr lang="en-US"/>
-          </a:p>
-        </p:txBody>
-      </p:sp>
-      <p:sp>
-        <p:nvSpPr>
-          <p:cNvPr id="20" name="Picture Placeholder 10"/>
-          <p:cNvSpPr>
-            <a:spLocks noGrp="1"/>
-          </p:cNvSpPr>
-          <p:nvPr>
-            <p:ph type="pic" sz="quarter" idx="17"/>
-          </p:nvPr>
-        </p:nvSpPr>
-        <p:spPr>
-          <a:xfrm>
-            <a:off x="457201" y="3324086"/>
-            <a:ext cx="2588883" cy="1063056"/>
-          </a:xfrm>
-          <a:prstGeom prst="round1Rect">
-            <a:avLst>
-              <a:gd name="adj" fmla="val 37649"/>
-            </a:avLst>
-          </a:prstGeom>
-          <a:ln>
-            <a:noFill/>
-          </a:ln>
-        </p:spPr>
-        <p:txBody>
-          <a:bodyPr/>
-          <a:lstStyle/>
-          <a:p>
-            <a:endParaRPr lang="en-US"/>
-          </a:p>
-        </p:txBody>
-      </p:sp>
-      <p:sp>
-        <p:nvSpPr>
-          <p:cNvPr id="21" name="Picture Placeholder 10"/>
-          <p:cNvSpPr>
-            <a:spLocks noGrp="1"/>
-          </p:cNvSpPr>
-          <p:nvPr>
-            <p:ph type="pic" sz="quarter" idx="18"/>
-          </p:nvPr>
-        </p:nvSpPr>
-        <p:spPr>
-          <a:xfrm>
-            <a:off x="3276149" y="3324086"/>
-            <a:ext cx="2588883" cy="1063056"/>
-          </a:xfrm>
-          <a:prstGeom prst="round1Rect">
-            <a:avLst>
-              <a:gd name="adj" fmla="val 37649"/>
-            </a:avLst>
-          </a:prstGeom>
-          <a:ln>
-            <a:noFill/>
-          </a:ln>
-        </p:spPr>
-        <p:txBody>
-          <a:bodyPr/>
-          <a:lstStyle/>
-          <a:p>
-            <a:endParaRPr lang="en-US"/>
-          </a:p>
-        </p:txBody>
-      </p:sp>
-      <p:sp>
-        <p:nvSpPr>
-          <p:cNvPr id="22" name="Picture Placeholder 10"/>
-          <p:cNvSpPr>
-            <a:spLocks noGrp="1"/>
-          </p:cNvSpPr>
-          <p:nvPr>
-            <p:ph type="pic" sz="quarter" idx="19"/>
-          </p:nvPr>
-        </p:nvSpPr>
-        <p:spPr>
-          <a:xfrm>
-            <a:off x="6097917" y="3324086"/>
-            <a:ext cx="2588883" cy="1063056"/>
-          </a:xfrm>
-          <a:prstGeom prst="round1Rect">
-            <a:avLst>
-              <a:gd name="adj" fmla="val 37649"/>
-            </a:avLst>
-          </a:prstGeom>
-          <a:ln>
-            <a:noFill/>
-          </a:ln>
-        </p:spPr>
-        <p:txBody>
-          <a:bodyPr/>
-          <a:lstStyle/>
-          <a:p>
-            <a:endParaRPr lang="en-US"/>
-          </a:p>
-        </p:txBody>
-      </p:sp>
-      <p:sp>
-        <p:nvSpPr>
-          <p:cNvPr id="25" name="Text Placeholder 24"/>
-          <p:cNvSpPr>
-            <a:spLocks noGrp="1"/>
-          </p:cNvSpPr>
-          <p:nvPr>
-            <p:ph type="body" sz="quarter" idx="20" hasCustomPrompt="1"/>
-          </p:nvPr>
-        </p:nvSpPr>
-        <p:spPr>
-          <a:xfrm>
-            <a:off x="457201" y="2899173"/>
-            <a:ext cx="2589213" cy="269081"/>
-          </a:xfrm>
-        </p:spPr>
-        <p:txBody>
-          <a:bodyPr>
-            <a:normAutofit/>
-          </a:bodyPr>
-          <a:lstStyle>
-            <a:lvl1pPr marL="0" indent="0">
-              <a:buFont typeface="Arial"/>
-              <a:buNone/>
-              <a:defRPr sz="1200"/>
-            </a:lvl1pPr>
-          </a:lstStyle>
-          <a:p>
-            <a:pPr lvl="0"/>
-            <a:r>
-              <a:rPr lang="ru-RU" dirty="0"/>
-              <a:t>Подпись</a:t>
-            </a:r>
-            <a:endParaRPr lang="en-US" dirty="0"/>
-          </a:p>
-        </p:txBody>
-      </p:sp>
-      <p:sp>
-        <p:nvSpPr>
-          <p:cNvPr id="26" name="Text Placeholder 24"/>
-          <p:cNvSpPr>
-            <a:spLocks noGrp="1"/>
-          </p:cNvSpPr>
-          <p:nvPr>
-            <p:ph type="body" sz="quarter" idx="21" hasCustomPrompt="1"/>
-          </p:nvPr>
-        </p:nvSpPr>
-        <p:spPr>
-          <a:xfrm>
-            <a:off x="3275819" y="2899173"/>
-            <a:ext cx="2589213" cy="269081"/>
-          </a:xfrm>
-        </p:spPr>
-        <p:txBody>
-          <a:bodyPr>
-            <a:normAutofit/>
-          </a:bodyPr>
-          <a:lstStyle>
-            <a:lvl1pPr marL="0" indent="0">
-              <a:buFont typeface="Arial"/>
-              <a:buNone/>
-              <a:defRPr sz="1200"/>
-            </a:lvl1pPr>
-          </a:lstStyle>
-          <a:p>
-            <a:pPr lvl="0"/>
-            <a:r>
-              <a:rPr lang="ru-RU" dirty="0"/>
-              <a:t>Подпись</a:t>
-            </a:r>
-            <a:endParaRPr lang="en-US" dirty="0"/>
-          </a:p>
-        </p:txBody>
-      </p:sp>
-      <p:sp>
-        <p:nvSpPr>
-          <p:cNvPr id="27" name="Text Placeholder 24"/>
-          <p:cNvSpPr>
-            <a:spLocks noGrp="1"/>
-          </p:cNvSpPr>
-          <p:nvPr>
-            <p:ph type="body" sz="quarter" idx="22" hasCustomPrompt="1"/>
-          </p:nvPr>
-        </p:nvSpPr>
-        <p:spPr>
-          <a:xfrm>
-            <a:off x="6085706" y="2899173"/>
-            <a:ext cx="2589213" cy="269081"/>
-          </a:xfrm>
-        </p:spPr>
-        <p:txBody>
-          <a:bodyPr>
-            <a:normAutofit/>
-          </a:bodyPr>
-          <a:lstStyle>
-            <a:lvl1pPr marL="0" indent="0">
-              <a:buFont typeface="Arial"/>
-              <a:buNone/>
-              <a:defRPr sz="1200"/>
-            </a:lvl1pPr>
-          </a:lstStyle>
-          <a:p>
-            <a:pPr lvl="0"/>
-            <a:r>
-              <a:rPr lang="ru-RU" dirty="0"/>
-              <a:t>Подпись</a:t>
-            </a:r>
-            <a:endParaRPr lang="en-US" dirty="0"/>
-          </a:p>
-        </p:txBody>
-      </p:sp>
-      <p:sp>
-        <p:nvSpPr>
-          <p:cNvPr id="28" name="Text Placeholder 24"/>
-          <p:cNvSpPr>
-            <a:spLocks noGrp="1"/>
-          </p:cNvSpPr>
-          <p:nvPr>
-            <p:ph type="body" sz="quarter" idx="23" hasCustomPrompt="1"/>
-          </p:nvPr>
-        </p:nvSpPr>
-        <p:spPr>
-          <a:xfrm>
-            <a:off x="457201" y="4472763"/>
-            <a:ext cx="2589213" cy="269081"/>
-          </a:xfrm>
-        </p:spPr>
-        <p:txBody>
-          <a:bodyPr>
-            <a:normAutofit/>
-          </a:bodyPr>
-          <a:lstStyle>
-            <a:lvl1pPr marL="0" indent="0">
-              <a:buFont typeface="Arial"/>
-              <a:buNone/>
-              <a:defRPr sz="1200"/>
-            </a:lvl1pPr>
-          </a:lstStyle>
-          <a:p>
-            <a:pPr lvl="0"/>
-            <a:r>
-              <a:rPr lang="ru-RU" dirty="0"/>
-              <a:t>Подпись</a:t>
-            </a:r>
-            <a:endParaRPr lang="en-US" dirty="0"/>
-          </a:p>
-        </p:txBody>
-      </p:sp>
-      <p:sp>
-        <p:nvSpPr>
-          <p:cNvPr id="29" name="Text Placeholder 24"/>
-          <p:cNvSpPr>
-            <a:spLocks noGrp="1"/>
-          </p:cNvSpPr>
-          <p:nvPr>
-            <p:ph type="body" sz="quarter" idx="24" hasCustomPrompt="1"/>
-          </p:nvPr>
-        </p:nvSpPr>
-        <p:spPr>
-          <a:xfrm>
-            <a:off x="3275819" y="4472763"/>
-            <a:ext cx="2589213" cy="269081"/>
-          </a:xfrm>
-        </p:spPr>
-        <p:txBody>
-          <a:bodyPr>
-            <a:normAutofit/>
-          </a:bodyPr>
-          <a:lstStyle>
-            <a:lvl1pPr marL="0" indent="0">
-              <a:buFont typeface="Arial"/>
-              <a:buNone/>
-              <a:defRPr sz="1200"/>
-            </a:lvl1pPr>
-          </a:lstStyle>
-          <a:p>
-            <a:pPr lvl="0"/>
-            <a:r>
-              <a:rPr lang="ru-RU" dirty="0"/>
-              <a:t>Подпись</a:t>
-            </a:r>
-            <a:endParaRPr lang="en-US" dirty="0"/>
-          </a:p>
-        </p:txBody>
-      </p:sp>
-      <p:sp>
-        <p:nvSpPr>
-          <p:cNvPr id="30" name="Text Placeholder 24"/>
-          <p:cNvSpPr>
-            <a:spLocks noGrp="1"/>
-          </p:cNvSpPr>
-          <p:nvPr>
-            <p:ph type="body" sz="quarter" idx="25" hasCustomPrompt="1"/>
-          </p:nvPr>
-        </p:nvSpPr>
-        <p:spPr>
-          <a:xfrm>
-            <a:off x="6085706" y="4472763"/>
-            <a:ext cx="2589213" cy="269081"/>
-          </a:xfrm>
-        </p:spPr>
-        <p:txBody>
-          <a:bodyPr>
-            <a:normAutofit/>
-          </a:bodyPr>
-          <a:lstStyle>
-            <a:lvl1pPr marL="0" indent="0">
-              <a:buFont typeface="Arial"/>
-              <a:buNone/>
-              <a:defRPr sz="1200"/>
-            </a:lvl1pPr>
-          </a:lstStyle>
-          <a:p>
-            <a:pPr lvl="0"/>
-            <a:r>
-              <a:rPr lang="ru-RU" dirty="0"/>
-              <a:t>Подпись</a:t>
-            </a:r>
-            <a:endParaRPr lang="en-US" dirty="0"/>
-          </a:p>
-        </p:txBody>
-      </p:sp>
-      <p:sp>
-        <p:nvSpPr>
-          <p:cNvPr id="33" name="Footer Placeholder 3"/>
-          <p:cNvSpPr>
-            <a:spLocks noGrp="1"/>
-          </p:cNvSpPr>
-          <p:nvPr>
-            <p:ph type="ftr" sz="quarter" idx="3"/>
-          </p:nvPr>
-        </p:nvSpPr>
-        <p:spPr>
-          <a:xfrm>
-            <a:off x="4030768" y="185639"/>
-            <a:ext cx="4656032" cy="273844"/>
-          </a:xfrm>
-          <a:prstGeom prst="rect">
-            <a:avLst/>
-          </a:prstGeom>
-        </p:spPr>
-        <p:txBody>
-          <a:bodyPr vert="horz" lIns="91440" tIns="45720" rIns="91440" bIns="45720" rtlCol="0" anchor="ctr"/>
-          <a:lstStyle>
-            <a:lvl1pPr algn="r">
-              <a:defRPr sz="1400" b="0" i="0" cap="none">
-                <a:solidFill>
-                  <a:schemeClr val="bg1"/>
-                </a:solidFill>
-              </a:defRPr>
-            </a:lvl1pPr>
-          </a:lstStyle>
-          <a:p>
-            <a:r>
-              <a:rPr lang="en-US" dirty="0"/>
-              <a:t>International Students and Scholars Rock</a:t>
-            </a:r>
-          </a:p>
-        </p:txBody>
-      </p:sp>
-    </p:spTree>
-    <p:extLst>
-      <p:ext uri="{BB962C8B-B14F-4D97-AF65-F5344CB8AC3E}">
-        <p14:creationId xmlns:p14="http://schemas.microsoft.com/office/powerpoint/2010/main" val="7186394"/>
-      </p:ext>
-    </p:extLst>
-  </p:cSld>
-  <p:clrMapOvr>
-    <a:masterClrMapping/>
-  </p:clrMapOvr>
-</p:sldLayout>
-</file>
-
 <file path=ppt/slideMasters/slideMaster1.xml><?xml version="1.0" encoding="utf-8"?>
 <p:sldMaster xmlns:a="http://schemas.openxmlformats.org/drawingml/2006/main" xmlns:r="http://schemas.openxmlformats.org/officeDocument/2006/relationships" xmlns:p="http://schemas.openxmlformats.org/presentationml/2006/main">
   <p:cSld>
     <p:bg>
       <p:bgPr>
         <a:blipFill dpi="0" rotWithShape="1">
-          <a:blip r:embed="rId7"/>
+          <a:blip r:embed="rId8"/>
           <a:srcRect/>
           <a:stretch>
             <a:fillRect/>
@@ -3844,6 +4030,7 @@
     <p:sldLayoutId id="2147483692" r:id="rId3"/>
     <p:sldLayoutId id="2147483686" r:id="rId4"/>
     <p:sldLayoutId id="2147483689" r:id="rId5"/>
+    <p:sldLayoutId id="2147483710" r:id="rId6"/>
   </p:sldLayoutIdLst>
   <p:hf sldNum="0" hdr="0" dt="0"/>
   <p:txStyles>
@@ -3871,7 +4058,7 @@
         <a:buSzPct val="100000"/>
         <a:buFontTx/>
         <a:buBlip>
-          <a:blip r:embed="rId8"/>
+          <a:blip r:embed="rId9"/>
         </a:buBlip>
         <a:defRPr sz="2000" kern="1200">
           <a:solidFill>
@@ -4648,6 +4835,53 @@
           <a:chExt cx="0" cy="0"/>
         </a:xfrm>
       </p:grpSpPr>
+      <p:pic>
+        <p:nvPicPr>
+          <p:cNvPr id="3076" name="Picture 4" descr="ESP32 WROOM DevKit v1 / Купить в Москве и СПБ с доставкой по России /  Амперка">
+            <a:extLst>
+              <a:ext uri="{FF2B5EF4-FFF2-40B4-BE49-F238E27FC236}">
+                <a16:creationId xmlns:a16="http://schemas.microsoft.com/office/drawing/2014/main" id="{0AD6BDCA-9A86-48ED-AF5C-B12E84DD1A83}"/>
+              </a:ext>
+            </a:extLst>
+          </p:cNvPr>
+          <p:cNvPicPr>
+            <a:picLocks noChangeAspect="1" noChangeArrowheads="1"/>
+          </p:cNvPicPr>
+          <p:nvPr/>
+        </p:nvPicPr>
+        <p:blipFill>
+          <a:blip r:embed="rId2">
+            <a:extLst>
+              <a:ext uri="{28A0092B-C50C-407E-A947-70E740481C1C}">
+                <a14:useLocalDpi xmlns:a14="http://schemas.microsoft.com/office/drawing/2010/main" val="0"/>
+              </a:ext>
+            </a:extLst>
+          </a:blip>
+          <a:srcRect/>
+          <a:stretch>
+            <a:fillRect/>
+          </a:stretch>
+        </p:blipFill>
+        <p:spPr bwMode="auto">
+          <a:xfrm>
+            <a:off x="5486401" y="2227832"/>
+            <a:ext cx="3200400" cy="2390892"/>
+          </a:xfrm>
+          <a:prstGeom prst="rect">
+            <a:avLst/>
+          </a:prstGeom>
+          <a:noFill/>
+          <a:extLst>
+            <a:ext uri="{909E8E84-426E-40DD-AFC4-6F175D3DCCD1}">
+              <a14:hiddenFill xmlns:a14="http://schemas.microsoft.com/office/drawing/2010/main">
+                <a:solidFill>
+                  <a:srgbClr val="FFFFFF"/>
+                </a:solidFill>
+              </a14:hiddenFill>
+            </a:ext>
+          </a:extLst>
+        </p:spPr>
+      </p:pic>
       <p:sp>
         <p:nvSpPr>
           <p:cNvPr id="2" name="Title 1"/>
@@ -4658,77 +4892,155 @@
             <p:ph type="title"/>
           </p:nvPr>
         </p:nvSpPr>
-        <p:spPr/>
-        <p:txBody>
-          <a:bodyPr/>
+        <p:spPr>
+          <a:xfrm>
+            <a:off x="457200" y="683944"/>
+            <a:ext cx="6273934" cy="620483"/>
+          </a:xfrm>
+        </p:spPr>
+        <p:txBody>
+          <a:bodyPr>
+            <a:normAutofit fontScale="90000"/>
+          </a:bodyPr>
           <a:lstStyle/>
           <a:p>
             <a:r>
-              <a:rPr lang="ru-RU" dirty="0">
+              <a:rPr lang="ru-RU" dirty="0"/>
+              <a:t>Программирование С</a:t>
+            </a:r>
+            <a:r>
+              <a:rPr lang="en-US" dirty="0"/>
+              <a:t>/C++</a:t>
+            </a:r>
+          </a:p>
+        </p:txBody>
+      </p:sp>
+      <p:sp>
+        <p:nvSpPr>
+          <p:cNvPr id="3" name="Content Placeholder 2"/>
+          <p:cNvSpPr>
+            <a:spLocks noGrp="1"/>
+          </p:cNvSpPr>
+          <p:nvPr>
+            <p:ph sz="half" idx="1"/>
+          </p:nvPr>
+        </p:nvSpPr>
+        <p:spPr>
+          <a:xfrm>
+            <a:off x="457200" y="1571965"/>
+            <a:ext cx="6273934" cy="2848490"/>
+          </a:xfrm>
+        </p:spPr>
+        <p:txBody>
+          <a:bodyPr>
+            <a:normAutofit/>
+          </a:bodyPr>
+          <a:lstStyle/>
+          <a:p>
+            <a:pPr>
+              <a:buClr>
+                <a:srgbClr val="1946BA"/>
+              </a:buClr>
+              <a:buFont typeface="Arial" pitchFamily="34" charset="0"/>
+              <a:buChar char="•"/>
+            </a:pPr>
+            <a:r>
+              <a:rPr lang="en-US" dirty="0"/>
+              <a:t>Arduino</a:t>
+            </a:r>
+          </a:p>
+          <a:p>
+            <a:pPr>
+              <a:buClr>
+                <a:srgbClr val="1946BA"/>
+              </a:buClr>
+              <a:buFont typeface="Arial" pitchFamily="34" charset="0"/>
+              <a:buChar char="•"/>
+            </a:pPr>
+            <a:r>
+              <a:rPr lang="en-US" dirty="0"/>
+              <a:t>ESP32/8266</a:t>
+            </a:r>
+          </a:p>
+          <a:p>
+            <a:pPr lvl="1">
+              <a:buClr>
+                <a:srgbClr val="1946BA"/>
+              </a:buClr>
+              <a:buFont typeface="Arial" pitchFamily="34" charset="0"/>
+              <a:buChar char="•"/>
+            </a:pPr>
+            <a:r>
+              <a:rPr lang="en-US" dirty="0"/>
+              <a:t>Wi-fi</a:t>
+            </a:r>
+          </a:p>
+          <a:p>
+            <a:pPr lvl="1">
+              <a:buClr>
+                <a:srgbClr val="1946BA"/>
+              </a:buClr>
+              <a:buFont typeface="Arial" pitchFamily="34" charset="0"/>
+              <a:buChar char="•"/>
+            </a:pPr>
+            <a:r>
+              <a:rPr lang="en-US" dirty="0"/>
+              <a:t>Bluetooth</a:t>
+            </a:r>
+          </a:p>
+        </p:txBody>
+      </p:sp>
+      <p:pic>
+        <p:nvPicPr>
+          <p:cNvPr id="3074" name="Picture 2" descr="Arduino — Википедия">
+            <a:extLst>
+              <a:ext uri="{FF2B5EF4-FFF2-40B4-BE49-F238E27FC236}">
+                <a16:creationId xmlns:a16="http://schemas.microsoft.com/office/drawing/2014/main" id="{E1606385-C184-40FF-A9BA-5DA31303DD78}"/>
+              </a:ext>
+            </a:extLst>
+          </p:cNvPr>
+          <p:cNvPicPr>
+            <a:picLocks noChangeAspect="1" noChangeArrowheads="1"/>
+          </p:cNvPicPr>
+          <p:nvPr/>
+        </p:nvPicPr>
+        <p:blipFill>
+          <a:blip r:embed="rId3">
+            <a:extLst>
+              <a:ext uri="{28A0092B-C50C-407E-A947-70E740481C1C}">
+                <a14:useLocalDpi xmlns:a14="http://schemas.microsoft.com/office/drawing/2010/main" val="0"/>
+              </a:ext>
+            </a:extLst>
+          </a:blip>
+          <a:srcRect/>
+          <a:stretch>
+            <a:fillRect/>
+          </a:stretch>
+        </p:blipFill>
+        <p:spPr bwMode="auto">
+          <a:xfrm>
+            <a:off x="3594167" y="1657192"/>
+            <a:ext cx="2104211" cy="1432579"/>
+          </a:xfrm>
+          <a:prstGeom prst="rect">
+            <a:avLst/>
+          </a:prstGeom>
+          <a:noFill/>
+          <a:extLst>
+            <a:ext uri="{909E8E84-426E-40DD-AFC4-6F175D3DCCD1}">
+              <a14:hiddenFill xmlns:a14="http://schemas.microsoft.com/office/drawing/2010/main">
                 <a:solidFill>
-                  <a:srgbClr val="000000"/>
+                  <a:srgbClr val="FFFFFF"/>
                 </a:solidFill>
-              </a:rPr>
-              <a:t>ТЕКСТ</a:t>
-            </a:r>
-            <a:endParaRPr lang="en-US" dirty="0">
-              <a:solidFill>
-                <a:srgbClr val="000000"/>
-              </a:solidFill>
-            </a:endParaRPr>
-          </a:p>
-        </p:txBody>
-      </p:sp>
-      <p:sp>
-        <p:nvSpPr>
-          <p:cNvPr id="3" name="Text Placeholder 2"/>
-          <p:cNvSpPr>
-            <a:spLocks noGrp="1"/>
-          </p:cNvSpPr>
-          <p:nvPr>
-            <p:ph type="body" sz="quarter" idx="10"/>
-          </p:nvPr>
-        </p:nvSpPr>
-        <p:spPr/>
-        <p:txBody>
-          <a:bodyPr/>
-          <a:lstStyle/>
-          <a:p>
-            <a:r>
-              <a:rPr lang="ru-RU" sz="2000" dirty="0">
-                <a:solidFill>
-                  <a:srgbClr val="000000"/>
-                </a:solidFill>
-              </a:rPr>
-              <a:t>ТЕКСТ </a:t>
-            </a:r>
-            <a:endParaRPr lang="en-US" sz="2000" dirty="0">
-              <a:solidFill>
-                <a:srgbClr val="000000"/>
-              </a:solidFill>
-            </a:endParaRPr>
-          </a:p>
-          <a:p>
-            <a:r>
-              <a:rPr lang="ru-RU" dirty="0">
-                <a:solidFill>
-                  <a:srgbClr val="000000"/>
-                </a:solidFill>
-              </a:rPr>
-              <a:t>ТЕКСТ</a:t>
-            </a:r>
-            <a:endParaRPr lang="en-US" dirty="0">
-              <a:solidFill>
-                <a:srgbClr val="000000"/>
-              </a:solidFill>
-            </a:endParaRPr>
-          </a:p>
-        </p:txBody>
-      </p:sp>
+              </a14:hiddenFill>
+            </a:ext>
+          </a:extLst>
+        </p:spPr>
+      </p:pic>
     </p:spTree>
     <p:extLst>
       <p:ext uri="{BB962C8B-B14F-4D97-AF65-F5344CB8AC3E}">
-        <p14:creationId xmlns:p14="http://schemas.microsoft.com/office/powerpoint/2010/main" val="3472064595"/>
+        <p14:creationId xmlns:p14="http://schemas.microsoft.com/office/powerpoint/2010/main" val="1458455419"/>
       </p:ext>
     </p:extLst>
   </p:cSld>
@@ -4739,161 +5051,6 @@
 </file>
 
 <file path=ppt/slides/slide3.xml><?xml version="1.0" encoding="utf-8"?>
-<p:sld xmlns:a="http://schemas.openxmlformats.org/drawingml/2006/main" xmlns:r="http://schemas.openxmlformats.org/officeDocument/2006/relationships" xmlns:p="http://schemas.openxmlformats.org/presentationml/2006/main">
-  <p:cSld>
-    <p:spTree>
-      <p:nvGrpSpPr>
-        <p:cNvPr id="1" name=""/>
-        <p:cNvGrpSpPr/>
-        <p:nvPr/>
-      </p:nvGrpSpPr>
-      <p:grpSpPr>
-        <a:xfrm>
-          <a:off x="0" y="0"/>
-          <a:ext cx="0" cy="0"/>
-          <a:chOff x="0" y="0"/>
-          <a:chExt cx="0" cy="0"/>
-        </a:xfrm>
-      </p:grpSpPr>
-      <p:sp>
-        <p:nvSpPr>
-          <p:cNvPr id="2" name="Title 1"/>
-          <p:cNvSpPr>
-            <a:spLocks noGrp="1"/>
-          </p:cNvSpPr>
-          <p:nvPr>
-            <p:ph type="title"/>
-          </p:nvPr>
-        </p:nvSpPr>
-        <p:spPr>
-          <a:xfrm>
-            <a:off x="457200" y="753214"/>
-            <a:ext cx="6273934" cy="620483"/>
-          </a:xfrm>
-        </p:spPr>
-        <p:txBody>
-          <a:bodyPr/>
-          <a:lstStyle/>
-          <a:p>
-            <a:r>
-              <a:rPr lang="ru-RU" dirty="0"/>
-              <a:t>Заголовок</a:t>
-            </a:r>
-            <a:endParaRPr lang="en-US" dirty="0"/>
-          </a:p>
-        </p:txBody>
-      </p:sp>
-      <p:sp>
-        <p:nvSpPr>
-          <p:cNvPr id="3" name="Content Placeholder 2"/>
-          <p:cNvSpPr>
-            <a:spLocks noGrp="1"/>
-          </p:cNvSpPr>
-          <p:nvPr>
-            <p:ph sz="half" idx="1"/>
-          </p:nvPr>
-        </p:nvSpPr>
-        <p:spPr>
-          <a:xfrm>
-            <a:off x="457200" y="1571965"/>
-            <a:ext cx="6273934" cy="2848490"/>
-          </a:xfrm>
-        </p:spPr>
-        <p:txBody>
-          <a:bodyPr>
-            <a:normAutofit/>
-          </a:bodyPr>
-          <a:lstStyle/>
-          <a:p>
-            <a:pPr>
-              <a:buClr>
-                <a:srgbClr val="1946BA"/>
-              </a:buClr>
-              <a:buFont typeface="Arial" pitchFamily="34" charset="0"/>
-              <a:buChar char="•"/>
-            </a:pPr>
-            <a:r>
-              <a:rPr lang="ru-RU" dirty="0"/>
-              <a:t>Первый уровень списка</a:t>
-            </a:r>
-            <a:endParaRPr lang="en-US" dirty="0"/>
-          </a:p>
-          <a:p>
-            <a:pPr lvl="1">
-              <a:buClr>
-                <a:srgbClr val="1946BA"/>
-              </a:buClr>
-            </a:pPr>
-            <a:r>
-              <a:rPr lang="ru-RU" dirty="0"/>
-              <a:t>Второй уровень списка</a:t>
-            </a:r>
-            <a:endParaRPr lang="en-US" dirty="0"/>
-          </a:p>
-          <a:p>
-            <a:pPr lvl="2">
-              <a:buClr>
-                <a:srgbClr val="1946BA"/>
-              </a:buClr>
-            </a:pPr>
-            <a:r>
-              <a:rPr lang="ru-RU" dirty="0"/>
-              <a:t>Третий уровень списка</a:t>
-            </a:r>
-            <a:endParaRPr lang="en-US" dirty="0"/>
-          </a:p>
-          <a:p>
-            <a:pPr>
-              <a:buClr>
-                <a:srgbClr val="1946BA"/>
-              </a:buClr>
-            </a:pPr>
-            <a:endParaRPr lang="en-US" dirty="0"/>
-          </a:p>
-          <a:p>
-            <a:pPr>
-              <a:buClr>
-                <a:srgbClr val="1946BA"/>
-              </a:buClr>
-              <a:buFont typeface="Arial" pitchFamily="34" charset="0"/>
-              <a:buChar char="•"/>
-            </a:pPr>
-            <a:r>
-              <a:rPr lang="ru-RU" dirty="0"/>
-              <a:t>Первый уровень списка</a:t>
-            </a:r>
-            <a:endParaRPr lang="en-US" dirty="0"/>
-          </a:p>
-          <a:p>
-            <a:pPr>
-              <a:buClr>
-                <a:srgbClr val="1946BA"/>
-              </a:buClr>
-              <a:buFont typeface="Arial" pitchFamily="34" charset="0"/>
-              <a:buChar char="•"/>
-            </a:pPr>
-            <a:r>
-              <a:rPr lang="ru-RU" dirty="0"/>
-              <a:t>Первый уровень списка</a:t>
-            </a:r>
-            <a:endParaRPr lang="en-US" dirty="0"/>
-          </a:p>
-        </p:txBody>
-      </p:sp>
-    </p:spTree>
-    <p:extLst>
-      <p:ext uri="{BB962C8B-B14F-4D97-AF65-F5344CB8AC3E}">
-        <p14:creationId xmlns:p14="http://schemas.microsoft.com/office/powerpoint/2010/main" val="1803256121"/>
-      </p:ext>
-    </p:extLst>
-  </p:cSld>
-  <p:clrMapOvr>
-    <a:masterClrMapping/>
-  </p:clrMapOvr>
-</p:sld>
-</file>
-
-<file path=ppt/slides/slide4.xml><?xml version="1.0" encoding="utf-8"?>
 <p:sld xmlns:a="http://schemas.openxmlformats.org/drawingml/2006/main" xmlns:r="http://schemas.openxmlformats.org/officeDocument/2006/relationships" xmlns:p="http://schemas.openxmlformats.org/presentationml/2006/main">
   <p:cSld>
     <p:spTree>
@@ -5077,7 +5234,7 @@
 </p:sld>
 </file>
 
-<file path=ppt/slides/slide5.xml><?xml version="1.0" encoding="utf-8"?>
+<file path=ppt/slides/slide4.xml><?xml version="1.0" encoding="utf-8"?>
 <p:sld xmlns:a="http://schemas.openxmlformats.org/drawingml/2006/main" xmlns:r="http://schemas.openxmlformats.org/officeDocument/2006/relationships" xmlns:p="http://schemas.openxmlformats.org/presentationml/2006/main">
   <p:cSld>
     <p:bg>

--- a/Лекция 1.pptx
+++ b/Лекция 1.pptx
@@ -6,16 +6,20 @@
     <p:sldMasterId id="2147483698" r:id="rId2"/>
   </p:sldMasterIdLst>
   <p:notesMasterIdLst>
-    <p:notesMasterId r:id="rId7"/>
+    <p:notesMasterId r:id="rId11"/>
   </p:notesMasterIdLst>
   <p:handoutMasterIdLst>
-    <p:handoutMasterId r:id="rId8"/>
+    <p:handoutMasterId r:id="rId12"/>
   </p:handoutMasterIdLst>
   <p:sldIdLst>
     <p:sldId id="265" r:id="rId3"/>
     <p:sldId id="272" r:id="rId4"/>
-    <p:sldId id="268" r:id="rId5"/>
-    <p:sldId id="263" r:id="rId6"/>
+    <p:sldId id="274" r:id="rId5"/>
+    <p:sldId id="275" r:id="rId6"/>
+    <p:sldId id="276" r:id="rId7"/>
+    <p:sldId id="273" r:id="rId8"/>
+    <p:sldId id="268" r:id="rId9"/>
+    <p:sldId id="263" r:id="rId10"/>
   </p:sldIdLst>
   <p:sldSz cx="9144000" cy="5143500" type="screen16x9"/>
   <p:notesSz cx="6858000" cy="9144000"/>
@@ -216,7 +220,7 @@
             <a:fld id="{19412975-4CFD-C441-A244-B7FD9A9579C2}" type="datetimeFigureOut">
               <a:rPr lang="en-US" smtClean="0"/>
               <a:pPr/>
-              <a:t>9/29/2021</a:t>
+              <a:t>9/30/2021</a:t>
             </a:fld>
             <a:endParaRPr lang="en-US"/>
           </a:p>
@@ -384,7 +388,7 @@
             <a:fld id="{6DAFD1C8-470D-774F-8B40-381C3059BD4A}" type="datetimeFigureOut">
               <a:rPr lang="en-US" smtClean="0"/>
               <a:pPr/>
-              <a:t>9/29/2021</a:t>
+              <a:t>9/30/2021</a:t>
             </a:fld>
             <a:endParaRPr lang="en-US"/>
           </a:p>
@@ -5067,6 +5071,5698 @@
           <a:chExt cx="0" cy="0"/>
         </a:xfrm>
       </p:grpSpPr>
+      <p:sp>
+        <p:nvSpPr>
+          <p:cNvPr id="2" name="Title 1"/>
+          <p:cNvSpPr>
+            <a:spLocks noGrp="1"/>
+          </p:cNvSpPr>
+          <p:nvPr>
+            <p:ph type="title"/>
+          </p:nvPr>
+        </p:nvSpPr>
+        <p:spPr>
+          <a:xfrm>
+            <a:off x="457200" y="683944"/>
+            <a:ext cx="6273934" cy="620483"/>
+          </a:xfrm>
+        </p:spPr>
+        <p:txBody>
+          <a:bodyPr>
+            <a:normAutofit fontScale="90000"/>
+          </a:bodyPr>
+          <a:lstStyle/>
+          <a:p>
+            <a:r>
+              <a:rPr lang="ru-RU" dirty="0" err="1"/>
+              <a:t>Пины</a:t>
+            </a:r>
+            <a:endParaRPr lang="en-US" dirty="0"/>
+          </a:p>
+        </p:txBody>
+      </p:sp>
+      <p:pic>
+        <p:nvPicPr>
+          <p:cNvPr id="2050" name="Picture 2">
+            <a:extLst>
+              <a:ext uri="{FF2B5EF4-FFF2-40B4-BE49-F238E27FC236}">
+                <a16:creationId xmlns:a16="http://schemas.microsoft.com/office/drawing/2014/main" id="{F5FA16C6-62C8-4DD0-9D3B-6636DE426507}"/>
+              </a:ext>
+            </a:extLst>
+          </p:cNvPr>
+          <p:cNvPicPr>
+            <a:picLocks noChangeAspect="1" noChangeArrowheads="1"/>
+          </p:cNvPicPr>
+          <p:nvPr/>
+        </p:nvPicPr>
+        <p:blipFill>
+          <a:blip r:embed="rId2">
+            <a:extLst>
+              <a:ext uri="{28A0092B-C50C-407E-A947-70E740481C1C}">
+                <a14:useLocalDpi xmlns:a14="http://schemas.microsoft.com/office/drawing/2010/main" val="0"/>
+              </a:ext>
+            </a:extLst>
+          </a:blip>
+          <a:srcRect/>
+          <a:stretch>
+            <a:fillRect/>
+          </a:stretch>
+        </p:blipFill>
+        <p:spPr bwMode="auto">
+          <a:xfrm>
+            <a:off x="613775" y="1615858"/>
+            <a:ext cx="3775819" cy="2481972"/>
+          </a:xfrm>
+          <a:prstGeom prst="rect">
+            <a:avLst/>
+          </a:prstGeom>
+          <a:noFill/>
+          <a:extLst>
+            <a:ext uri="{909E8E84-426E-40DD-AFC4-6F175D3DCCD1}">
+              <a14:hiddenFill xmlns:a14="http://schemas.microsoft.com/office/drawing/2010/main">
+                <a:solidFill>
+                  <a:srgbClr val="FFFFFF"/>
+                </a:solidFill>
+              </a14:hiddenFill>
+            </a:ext>
+          </a:extLst>
+        </p:spPr>
+      </p:pic>
+      <p:pic>
+        <p:nvPicPr>
+          <p:cNvPr id="2052" name="Picture 4">
+            <a:extLst>
+              <a:ext uri="{FF2B5EF4-FFF2-40B4-BE49-F238E27FC236}">
+                <a16:creationId xmlns:a16="http://schemas.microsoft.com/office/drawing/2014/main" id="{6FA56D27-7CB6-49DE-ACFB-E1ED3834E4A8}"/>
+              </a:ext>
+            </a:extLst>
+          </p:cNvPr>
+          <p:cNvPicPr>
+            <a:picLocks noChangeAspect="1" noChangeArrowheads="1"/>
+          </p:cNvPicPr>
+          <p:nvPr/>
+        </p:nvPicPr>
+        <p:blipFill>
+          <a:blip r:embed="rId3">
+            <a:extLst>
+              <a:ext uri="{28A0092B-C50C-407E-A947-70E740481C1C}">
+                <a14:useLocalDpi xmlns:a14="http://schemas.microsoft.com/office/drawing/2010/main" val="0"/>
+              </a:ext>
+            </a:extLst>
+          </a:blip>
+          <a:srcRect/>
+          <a:stretch>
+            <a:fillRect/>
+          </a:stretch>
+        </p:blipFill>
+        <p:spPr bwMode="auto">
+          <a:xfrm>
+            <a:off x="4572000" y="1652316"/>
+            <a:ext cx="3860038" cy="1838868"/>
+          </a:xfrm>
+          <a:prstGeom prst="rect">
+            <a:avLst/>
+          </a:prstGeom>
+          <a:noFill/>
+          <a:extLst>
+            <a:ext uri="{909E8E84-426E-40DD-AFC4-6F175D3DCCD1}">
+              <a14:hiddenFill xmlns:a14="http://schemas.microsoft.com/office/drawing/2010/main">
+                <a:solidFill>
+                  <a:srgbClr val="FFFFFF"/>
+                </a:solidFill>
+              </a14:hiddenFill>
+            </a:ext>
+          </a:extLst>
+        </p:spPr>
+      </p:pic>
+    </p:spTree>
+    <p:extLst>
+      <p:ext uri="{BB962C8B-B14F-4D97-AF65-F5344CB8AC3E}">
+        <p14:creationId xmlns:p14="http://schemas.microsoft.com/office/powerpoint/2010/main" val="2505169502"/>
+      </p:ext>
+    </p:extLst>
+  </p:cSld>
+  <p:clrMapOvr>
+    <a:masterClrMapping/>
+  </p:clrMapOvr>
+</p:sld>
+</file>
+
+<file path=ppt/slides/slide4.xml><?xml version="1.0" encoding="utf-8"?>
+<p:sld xmlns:a="http://schemas.openxmlformats.org/drawingml/2006/main" xmlns:r="http://schemas.openxmlformats.org/officeDocument/2006/relationships" xmlns:p="http://schemas.openxmlformats.org/presentationml/2006/main">
+  <p:cSld>
+    <p:spTree>
+      <p:nvGrpSpPr>
+        <p:cNvPr id="1" name=""/>
+        <p:cNvGrpSpPr/>
+        <p:nvPr/>
+      </p:nvGrpSpPr>
+      <p:grpSpPr>
+        <a:xfrm>
+          <a:off x="0" y="0"/>
+          <a:ext cx="0" cy="0"/>
+          <a:chOff x="0" y="0"/>
+          <a:chExt cx="0" cy="0"/>
+        </a:xfrm>
+      </p:grpSpPr>
+      <p:sp>
+        <p:nvSpPr>
+          <p:cNvPr id="2" name="Title 1"/>
+          <p:cNvSpPr>
+            <a:spLocks noGrp="1"/>
+          </p:cNvSpPr>
+          <p:nvPr>
+            <p:ph type="title"/>
+          </p:nvPr>
+        </p:nvSpPr>
+        <p:spPr>
+          <a:xfrm>
+            <a:off x="457200" y="683944"/>
+            <a:ext cx="6273934" cy="620483"/>
+          </a:xfrm>
+        </p:spPr>
+        <p:txBody>
+          <a:bodyPr>
+            <a:normAutofit fontScale="90000"/>
+          </a:bodyPr>
+          <a:lstStyle/>
+          <a:p>
+            <a:r>
+              <a:rPr lang="ru-RU" dirty="0" err="1"/>
+              <a:t>Пины</a:t>
+            </a:r>
+            <a:endParaRPr lang="en-US" dirty="0"/>
+          </a:p>
+        </p:txBody>
+      </p:sp>
+      <p:pic>
+        <p:nvPicPr>
+          <p:cNvPr id="3074" name="Picture 2">
+            <a:extLst>
+              <a:ext uri="{FF2B5EF4-FFF2-40B4-BE49-F238E27FC236}">
+                <a16:creationId xmlns:a16="http://schemas.microsoft.com/office/drawing/2014/main" id="{F3D6CD47-1346-41B1-B64F-B963B47F4650}"/>
+              </a:ext>
+            </a:extLst>
+          </p:cNvPr>
+          <p:cNvPicPr>
+            <a:picLocks noChangeAspect="1" noChangeArrowheads="1"/>
+          </p:cNvPicPr>
+          <p:nvPr/>
+        </p:nvPicPr>
+        <p:blipFill>
+          <a:blip r:embed="rId2">
+            <a:extLst>
+              <a:ext uri="{28A0092B-C50C-407E-A947-70E740481C1C}">
+                <a14:useLocalDpi xmlns:a14="http://schemas.microsoft.com/office/drawing/2010/main" val="0"/>
+              </a:ext>
+            </a:extLst>
+          </a:blip>
+          <a:srcRect/>
+          <a:stretch>
+            <a:fillRect/>
+          </a:stretch>
+        </p:blipFill>
+        <p:spPr bwMode="auto">
+          <a:xfrm>
+            <a:off x="387315" y="1304427"/>
+            <a:ext cx="4184685" cy="2776081"/>
+          </a:xfrm>
+          <a:prstGeom prst="rect">
+            <a:avLst/>
+          </a:prstGeom>
+          <a:noFill/>
+          <a:extLst>
+            <a:ext uri="{909E8E84-426E-40DD-AFC4-6F175D3DCCD1}">
+              <a14:hiddenFill xmlns:a14="http://schemas.microsoft.com/office/drawing/2010/main">
+                <a:solidFill>
+                  <a:srgbClr val="FFFFFF"/>
+                </a:solidFill>
+              </a14:hiddenFill>
+            </a:ext>
+          </a:extLst>
+        </p:spPr>
+      </p:pic>
+      <p:pic>
+        <p:nvPicPr>
+          <p:cNvPr id="3076" name="Picture 4">
+            <a:extLst>
+              <a:ext uri="{FF2B5EF4-FFF2-40B4-BE49-F238E27FC236}">
+                <a16:creationId xmlns:a16="http://schemas.microsoft.com/office/drawing/2014/main" id="{7058C8AE-F38F-47B5-99AF-AB91A7AF3346}"/>
+              </a:ext>
+            </a:extLst>
+          </p:cNvPr>
+          <p:cNvPicPr>
+            <a:picLocks noChangeAspect="1" noChangeArrowheads="1"/>
+          </p:cNvPicPr>
+          <p:nvPr/>
+        </p:nvPicPr>
+        <p:blipFill>
+          <a:blip r:embed="rId3">
+            <a:extLst>
+              <a:ext uri="{28A0092B-C50C-407E-A947-70E740481C1C}">
+                <a14:useLocalDpi xmlns:a14="http://schemas.microsoft.com/office/drawing/2010/main" val="0"/>
+              </a:ext>
+            </a:extLst>
+          </a:blip>
+          <a:srcRect/>
+          <a:stretch>
+            <a:fillRect/>
+          </a:stretch>
+        </p:blipFill>
+        <p:spPr bwMode="auto">
+          <a:xfrm>
+            <a:off x="4600883" y="1493217"/>
+            <a:ext cx="4260501" cy="2157065"/>
+          </a:xfrm>
+          <a:prstGeom prst="rect">
+            <a:avLst/>
+          </a:prstGeom>
+          <a:noFill/>
+          <a:extLst>
+            <a:ext uri="{909E8E84-426E-40DD-AFC4-6F175D3DCCD1}">
+              <a14:hiddenFill xmlns:a14="http://schemas.microsoft.com/office/drawing/2010/main">
+                <a:solidFill>
+                  <a:srgbClr val="FFFFFF"/>
+                </a:solidFill>
+              </a14:hiddenFill>
+            </a:ext>
+          </a:extLst>
+        </p:spPr>
+      </p:pic>
+    </p:spTree>
+    <p:extLst>
+      <p:ext uri="{BB962C8B-B14F-4D97-AF65-F5344CB8AC3E}">
+        <p14:creationId xmlns:p14="http://schemas.microsoft.com/office/powerpoint/2010/main" val="1442156180"/>
+      </p:ext>
+    </p:extLst>
+  </p:cSld>
+  <p:clrMapOvr>
+    <a:masterClrMapping/>
+  </p:clrMapOvr>
+</p:sld>
+</file>
+
+<file path=ppt/slides/slide5.xml><?xml version="1.0" encoding="utf-8"?>
+<p:sld xmlns:a="http://schemas.openxmlformats.org/drawingml/2006/main" xmlns:r="http://schemas.openxmlformats.org/officeDocument/2006/relationships" xmlns:p="http://schemas.openxmlformats.org/presentationml/2006/main">
+  <p:cSld>
+    <p:bg>
+      <p:bgPr>
+        <a:solidFill>
+          <a:schemeClr val="bg1"/>
+        </a:solidFill>
+        <a:effectLst/>
+      </p:bgPr>
+    </p:bg>
+    <p:spTree>
+      <p:nvGrpSpPr>
+        <p:cNvPr id="1" name=""/>
+        <p:cNvGrpSpPr/>
+        <p:nvPr/>
+      </p:nvGrpSpPr>
+      <p:grpSpPr>
+        <a:xfrm>
+          <a:off x="0" y="0"/>
+          <a:ext cx="0" cy="0"/>
+          <a:chOff x="0" y="0"/>
+          <a:chExt cx="0" cy="0"/>
+        </a:xfrm>
+      </p:grpSpPr>
+      <p:graphicFrame>
+        <p:nvGraphicFramePr>
+          <p:cNvPr id="6" name="Таблица 5">
+            <a:extLst>
+              <a:ext uri="{FF2B5EF4-FFF2-40B4-BE49-F238E27FC236}">
+                <a16:creationId xmlns:a16="http://schemas.microsoft.com/office/drawing/2014/main" id="{F7D90F24-FAA6-424B-ADD1-9764DCB3644F}"/>
+              </a:ext>
+            </a:extLst>
+          </p:cNvPr>
+          <p:cNvGraphicFramePr>
+            <a:graphicFrameLocks noGrp="1"/>
+          </p:cNvGraphicFramePr>
+          <p:nvPr>
+            <p:extLst>
+              <p:ext uri="{D42A27DB-BD31-4B8C-83A1-F6EECF244321}">
+                <p14:modId xmlns:p14="http://schemas.microsoft.com/office/powerpoint/2010/main" val="3057749641"/>
+              </p:ext>
+            </p:extLst>
+          </p:nvPr>
+        </p:nvGraphicFramePr>
+        <p:xfrm>
+          <a:off x="177209" y="1"/>
+          <a:ext cx="8706596" cy="5167482"/>
+        </p:xfrm>
+        <a:graphic>
+          <a:graphicData uri="http://schemas.openxmlformats.org/drawingml/2006/table">
+            <a:tbl>
+              <a:tblPr/>
+              <a:tblGrid>
+                <a:gridCol w="588335">
+                  <a:extLst>
+                    <a:ext uri="{9D8B030D-6E8A-4147-A177-3AD203B41FA5}">
+                      <a16:colId xmlns:a16="http://schemas.microsoft.com/office/drawing/2014/main" val="1824858542"/>
+                    </a:ext>
+                  </a:extLst>
+                </a:gridCol>
+                <a:gridCol w="740637">
+                  <a:extLst>
+                    <a:ext uri="{9D8B030D-6E8A-4147-A177-3AD203B41FA5}">
+                      <a16:colId xmlns:a16="http://schemas.microsoft.com/office/drawing/2014/main" val="3701808769"/>
+                    </a:ext>
+                  </a:extLst>
+                </a:gridCol>
+                <a:gridCol w="1335679">
+                  <a:extLst>
+                    <a:ext uri="{9D8B030D-6E8A-4147-A177-3AD203B41FA5}">
+                      <a16:colId xmlns:a16="http://schemas.microsoft.com/office/drawing/2014/main" val="2778734781"/>
+                    </a:ext>
+                  </a:extLst>
+                </a:gridCol>
+                <a:gridCol w="1247119">
+                  <a:extLst>
+                    <a:ext uri="{9D8B030D-6E8A-4147-A177-3AD203B41FA5}">
+                      <a16:colId xmlns:a16="http://schemas.microsoft.com/office/drawing/2014/main" val="1560145506"/>
+                    </a:ext>
+                  </a:extLst>
+                </a:gridCol>
+                <a:gridCol w="4794826">
+                  <a:extLst>
+                    <a:ext uri="{9D8B030D-6E8A-4147-A177-3AD203B41FA5}">
+                      <a16:colId xmlns:a16="http://schemas.microsoft.com/office/drawing/2014/main" val="3801988144"/>
+                    </a:ext>
+                  </a:extLst>
+                </a:gridCol>
+              </a:tblGrid>
+              <a:tr h="505888">
+                <a:tc>
+                  <a:txBody>
+                    <a:bodyPr/>
+                    <a:lstStyle/>
+                    <a:p>
+                      <a:pPr rtl="0" fontAlgn="t">
+                        <a:spcBef>
+                          <a:spcPts val="0"/>
+                        </a:spcBef>
+                        <a:spcAft>
+                          <a:spcPts val="0"/>
+                        </a:spcAft>
+                      </a:pPr>
+                      <a:r>
+                        <a:rPr lang="en-US" sz="1400" b="1" i="0" u="none" strike="noStrike" dirty="0">
+                          <a:solidFill>
+                            <a:srgbClr val="000000"/>
+                          </a:solidFill>
+                          <a:effectLst/>
+                          <a:latin typeface="Arial" panose="020B0604020202020204" pitchFamily="34" charset="0"/>
+                        </a:rPr>
+                        <a:t>Label</a:t>
+                      </a:r>
+                      <a:endParaRPr lang="en-US" sz="2000" dirty="0">
+                        <a:solidFill>
+                          <a:srgbClr val="000000"/>
+                        </a:solidFill>
+                        <a:effectLst/>
+                      </a:endParaRPr>
+                    </a:p>
+                  </a:txBody>
+                  <a:tcPr marL="42318" marR="42318" marT="42318" marB="42318">
+                    <a:lnL w="12700" cap="flat" cmpd="sng" algn="ctr">
+                      <a:solidFill>
+                        <a:srgbClr val="000000"/>
+                      </a:solidFill>
+                      <a:prstDash val="solid"/>
+                      <a:round/>
+                      <a:headEnd type="none" w="med" len="med"/>
+                      <a:tailEnd type="none" w="med" len="med"/>
+                    </a:lnL>
+                    <a:lnR w="9525" cap="flat" cmpd="sng" algn="ctr">
+                      <a:solidFill>
+                        <a:srgbClr val="000000"/>
+                      </a:solidFill>
+                      <a:prstDash val="solid"/>
+                      <a:round/>
+                      <a:headEnd type="none" w="med" len="med"/>
+                      <a:tailEnd type="none" w="med" len="med"/>
+                    </a:lnR>
+                    <a:lnT w="12700" cap="flat" cmpd="sng" algn="ctr">
+                      <a:solidFill>
+                        <a:srgbClr val="000000"/>
+                      </a:solidFill>
+                      <a:prstDash val="solid"/>
+                      <a:round/>
+                      <a:headEnd type="none" w="med" len="med"/>
+                      <a:tailEnd type="none" w="med" len="med"/>
+                    </a:lnT>
+                    <a:lnB w="9525" cap="flat" cmpd="sng" algn="ctr">
+                      <a:solidFill>
+                        <a:srgbClr val="000000"/>
+                      </a:solidFill>
+                      <a:prstDash val="solid"/>
+                      <a:round/>
+                      <a:headEnd type="none" w="med" len="med"/>
+                      <a:tailEnd type="none" w="med" len="med"/>
+                    </a:lnB>
+                  </a:tcPr>
+                </a:tc>
+                <a:tc>
+                  <a:txBody>
+                    <a:bodyPr/>
+                    <a:lstStyle/>
+                    <a:p>
+                      <a:pPr rtl="0" fontAlgn="t">
+                        <a:spcBef>
+                          <a:spcPts val="0"/>
+                        </a:spcBef>
+                        <a:spcAft>
+                          <a:spcPts val="0"/>
+                        </a:spcAft>
+                      </a:pPr>
+                      <a:r>
+                        <a:rPr lang="en-US" sz="1400" b="1" i="0" u="none" strike="noStrike" dirty="0">
+                          <a:solidFill>
+                            <a:srgbClr val="000000"/>
+                          </a:solidFill>
+                          <a:effectLst/>
+                          <a:latin typeface="Arial" panose="020B0604020202020204" pitchFamily="34" charset="0"/>
+                        </a:rPr>
+                        <a:t>GPIO</a:t>
+                      </a:r>
+                      <a:endParaRPr lang="en-US" sz="2000" dirty="0">
+                        <a:solidFill>
+                          <a:srgbClr val="000000"/>
+                        </a:solidFill>
+                        <a:effectLst/>
+                      </a:endParaRPr>
+                    </a:p>
+                  </a:txBody>
+                  <a:tcPr marL="42318" marR="42318" marT="42318" marB="42318">
+                    <a:lnL w="9525" cap="flat" cmpd="sng" algn="ctr">
+                      <a:solidFill>
+                        <a:srgbClr val="000000"/>
+                      </a:solidFill>
+                      <a:prstDash val="solid"/>
+                      <a:round/>
+                      <a:headEnd type="none" w="med" len="med"/>
+                      <a:tailEnd type="none" w="med" len="med"/>
+                    </a:lnL>
+                    <a:lnR w="9525" cap="flat" cmpd="sng" algn="ctr">
+                      <a:solidFill>
+                        <a:srgbClr val="000000"/>
+                      </a:solidFill>
+                      <a:prstDash val="solid"/>
+                      <a:round/>
+                      <a:headEnd type="none" w="med" len="med"/>
+                      <a:tailEnd type="none" w="med" len="med"/>
+                    </a:lnR>
+                    <a:lnT w="12700" cap="flat" cmpd="sng" algn="ctr">
+                      <a:solidFill>
+                        <a:srgbClr val="000000"/>
+                      </a:solidFill>
+                      <a:prstDash val="solid"/>
+                      <a:round/>
+                      <a:headEnd type="none" w="med" len="med"/>
+                      <a:tailEnd type="none" w="med" len="med"/>
+                    </a:lnT>
+                    <a:lnB w="9525" cap="flat" cmpd="sng" algn="ctr">
+                      <a:solidFill>
+                        <a:srgbClr val="000000"/>
+                      </a:solidFill>
+                      <a:prstDash val="solid"/>
+                      <a:round/>
+                      <a:headEnd type="none" w="med" len="med"/>
+                      <a:tailEnd type="none" w="med" len="med"/>
+                    </a:lnB>
+                  </a:tcPr>
+                </a:tc>
+                <a:tc>
+                  <a:txBody>
+                    <a:bodyPr/>
+                    <a:lstStyle/>
+                    <a:p>
+                      <a:pPr rtl="0" fontAlgn="t">
+                        <a:spcBef>
+                          <a:spcPts val="0"/>
+                        </a:spcBef>
+                        <a:spcAft>
+                          <a:spcPts val="0"/>
+                        </a:spcAft>
+                      </a:pPr>
+                      <a:r>
+                        <a:rPr lang="en-US" sz="1400" b="1" i="0" u="none" strike="noStrike">
+                          <a:solidFill>
+                            <a:srgbClr val="000000"/>
+                          </a:solidFill>
+                          <a:effectLst/>
+                          <a:latin typeface="Arial" panose="020B0604020202020204" pitchFamily="34" charset="0"/>
+                        </a:rPr>
+                        <a:t>Input</a:t>
+                      </a:r>
+                      <a:endParaRPr lang="en-US" sz="2000">
+                        <a:solidFill>
+                          <a:srgbClr val="000000"/>
+                        </a:solidFill>
+                        <a:effectLst/>
+                      </a:endParaRPr>
+                    </a:p>
+                  </a:txBody>
+                  <a:tcPr marL="42318" marR="42318" marT="42318" marB="42318">
+                    <a:lnL w="9525" cap="flat" cmpd="sng" algn="ctr">
+                      <a:solidFill>
+                        <a:srgbClr val="000000"/>
+                      </a:solidFill>
+                      <a:prstDash val="solid"/>
+                      <a:round/>
+                      <a:headEnd type="none" w="med" len="med"/>
+                      <a:tailEnd type="none" w="med" len="med"/>
+                    </a:lnL>
+                    <a:lnR w="9525" cap="flat" cmpd="sng" algn="ctr">
+                      <a:solidFill>
+                        <a:srgbClr val="000000"/>
+                      </a:solidFill>
+                      <a:prstDash val="solid"/>
+                      <a:round/>
+                      <a:headEnd type="none" w="med" len="med"/>
+                      <a:tailEnd type="none" w="med" len="med"/>
+                    </a:lnR>
+                    <a:lnT w="12700" cap="flat" cmpd="sng" algn="ctr">
+                      <a:solidFill>
+                        <a:srgbClr val="000000"/>
+                      </a:solidFill>
+                      <a:prstDash val="solid"/>
+                      <a:round/>
+                      <a:headEnd type="none" w="med" len="med"/>
+                      <a:tailEnd type="none" w="med" len="med"/>
+                    </a:lnT>
+                    <a:lnB w="9525" cap="flat" cmpd="sng" algn="ctr">
+                      <a:solidFill>
+                        <a:srgbClr val="000000"/>
+                      </a:solidFill>
+                      <a:prstDash val="solid"/>
+                      <a:round/>
+                      <a:headEnd type="none" w="med" len="med"/>
+                      <a:tailEnd type="none" w="med" len="med"/>
+                    </a:lnB>
+                  </a:tcPr>
+                </a:tc>
+                <a:tc>
+                  <a:txBody>
+                    <a:bodyPr/>
+                    <a:lstStyle/>
+                    <a:p>
+                      <a:pPr rtl="0" fontAlgn="t">
+                        <a:spcBef>
+                          <a:spcPts val="0"/>
+                        </a:spcBef>
+                        <a:spcAft>
+                          <a:spcPts val="0"/>
+                        </a:spcAft>
+                      </a:pPr>
+                      <a:r>
+                        <a:rPr lang="en-US" sz="1400" b="1" i="0" u="none" strike="noStrike">
+                          <a:solidFill>
+                            <a:srgbClr val="000000"/>
+                          </a:solidFill>
+                          <a:effectLst/>
+                          <a:latin typeface="Arial" panose="020B0604020202020204" pitchFamily="34" charset="0"/>
+                        </a:rPr>
+                        <a:t>Output</a:t>
+                      </a:r>
+                      <a:endParaRPr lang="en-US" sz="2000">
+                        <a:solidFill>
+                          <a:srgbClr val="000000"/>
+                        </a:solidFill>
+                        <a:effectLst/>
+                      </a:endParaRPr>
+                    </a:p>
+                  </a:txBody>
+                  <a:tcPr marL="42318" marR="42318" marT="42318" marB="42318">
+                    <a:lnL w="9525" cap="flat" cmpd="sng" algn="ctr">
+                      <a:solidFill>
+                        <a:srgbClr val="000000"/>
+                      </a:solidFill>
+                      <a:prstDash val="solid"/>
+                      <a:round/>
+                      <a:headEnd type="none" w="med" len="med"/>
+                      <a:tailEnd type="none" w="med" len="med"/>
+                    </a:lnL>
+                    <a:lnR w="9525" cap="flat" cmpd="sng" algn="ctr">
+                      <a:solidFill>
+                        <a:srgbClr val="000000"/>
+                      </a:solidFill>
+                      <a:prstDash val="solid"/>
+                      <a:round/>
+                      <a:headEnd type="none" w="med" len="med"/>
+                      <a:tailEnd type="none" w="med" len="med"/>
+                    </a:lnR>
+                    <a:lnT w="12700" cap="flat" cmpd="sng" algn="ctr">
+                      <a:solidFill>
+                        <a:srgbClr val="000000"/>
+                      </a:solidFill>
+                      <a:prstDash val="solid"/>
+                      <a:round/>
+                      <a:headEnd type="none" w="med" len="med"/>
+                      <a:tailEnd type="none" w="med" len="med"/>
+                    </a:lnT>
+                    <a:lnB w="9525" cap="flat" cmpd="sng" algn="ctr">
+                      <a:solidFill>
+                        <a:srgbClr val="000000"/>
+                      </a:solidFill>
+                      <a:prstDash val="solid"/>
+                      <a:round/>
+                      <a:headEnd type="none" w="med" len="med"/>
+                      <a:tailEnd type="none" w="med" len="med"/>
+                    </a:lnB>
+                  </a:tcPr>
+                </a:tc>
+                <a:tc>
+                  <a:txBody>
+                    <a:bodyPr/>
+                    <a:lstStyle/>
+                    <a:p>
+                      <a:pPr rtl="0" fontAlgn="t">
+                        <a:spcBef>
+                          <a:spcPts val="0"/>
+                        </a:spcBef>
+                        <a:spcAft>
+                          <a:spcPts val="0"/>
+                        </a:spcAft>
+                      </a:pPr>
+                      <a:r>
+                        <a:rPr lang="en-US" sz="1400" b="1" i="0" u="none" strike="noStrike">
+                          <a:solidFill>
+                            <a:srgbClr val="000000"/>
+                          </a:solidFill>
+                          <a:effectLst/>
+                          <a:latin typeface="Arial" panose="020B0604020202020204" pitchFamily="34" charset="0"/>
+                        </a:rPr>
+                        <a:t>Notes</a:t>
+                      </a:r>
+                      <a:endParaRPr lang="en-US" sz="2000">
+                        <a:solidFill>
+                          <a:srgbClr val="000000"/>
+                        </a:solidFill>
+                        <a:effectLst/>
+                      </a:endParaRPr>
+                    </a:p>
+                  </a:txBody>
+                  <a:tcPr marL="42318" marR="42318" marT="42318" marB="42318">
+                    <a:lnL w="9525" cap="flat" cmpd="sng" algn="ctr">
+                      <a:solidFill>
+                        <a:srgbClr val="000000"/>
+                      </a:solidFill>
+                      <a:prstDash val="solid"/>
+                      <a:round/>
+                      <a:headEnd type="none" w="med" len="med"/>
+                      <a:tailEnd type="none" w="med" len="med"/>
+                    </a:lnL>
+                    <a:lnR w="9525" cap="flat" cmpd="sng" algn="ctr">
+                      <a:solidFill>
+                        <a:srgbClr val="000000"/>
+                      </a:solidFill>
+                      <a:prstDash val="solid"/>
+                      <a:round/>
+                      <a:headEnd type="none" w="med" len="med"/>
+                      <a:tailEnd type="none" w="med" len="med"/>
+                    </a:lnR>
+                    <a:lnT w="12700" cap="flat" cmpd="sng" algn="ctr">
+                      <a:solidFill>
+                        <a:srgbClr val="000000"/>
+                      </a:solidFill>
+                      <a:prstDash val="solid"/>
+                      <a:round/>
+                      <a:headEnd type="none" w="med" len="med"/>
+                      <a:tailEnd type="none" w="med" len="med"/>
+                    </a:lnT>
+                    <a:lnB w="9525" cap="flat" cmpd="sng" algn="ctr">
+                      <a:solidFill>
+                        <a:srgbClr val="000000"/>
+                      </a:solidFill>
+                      <a:prstDash val="solid"/>
+                      <a:round/>
+                      <a:headEnd type="none" w="med" len="med"/>
+                      <a:tailEnd type="none" w="med" len="med"/>
+                    </a:lnB>
+                  </a:tcPr>
+                </a:tc>
+                <a:extLst>
+                  <a:ext uri="{0D108BD9-81ED-4DB2-BD59-A6C34878D82A}">
+                    <a16:rowId xmlns:a16="http://schemas.microsoft.com/office/drawing/2014/main" val="524414549"/>
+                  </a:ext>
+                </a:extLst>
+              </a:tr>
+              <a:tr h="505888">
+                <a:tc>
+                  <a:txBody>
+                    <a:bodyPr/>
+                    <a:lstStyle/>
+                    <a:p>
+                      <a:pPr rtl="0" fontAlgn="t">
+                        <a:spcBef>
+                          <a:spcPts val="0"/>
+                        </a:spcBef>
+                        <a:spcAft>
+                          <a:spcPts val="0"/>
+                        </a:spcAft>
+                      </a:pPr>
+                      <a:r>
+                        <a:rPr lang="en-US" sz="1400" b="1" i="0" u="none" strike="noStrike" dirty="0">
+                          <a:solidFill>
+                            <a:srgbClr val="000000"/>
+                          </a:solidFill>
+                          <a:effectLst/>
+                          <a:latin typeface="Arial" panose="020B0604020202020204" pitchFamily="34" charset="0"/>
+                        </a:rPr>
+                        <a:t>D0</a:t>
+                      </a:r>
+                      <a:endParaRPr lang="en-US" sz="2000" dirty="0">
+                        <a:solidFill>
+                          <a:srgbClr val="000000"/>
+                        </a:solidFill>
+                        <a:effectLst/>
+                      </a:endParaRPr>
+                    </a:p>
+                  </a:txBody>
+                  <a:tcPr marL="42318" marR="42318" marT="42318" marB="42318">
+                    <a:lnL w="12700" cap="flat" cmpd="sng" algn="ctr">
+                      <a:solidFill>
+                        <a:srgbClr val="000000"/>
+                      </a:solidFill>
+                      <a:prstDash val="solid"/>
+                      <a:round/>
+                      <a:headEnd type="none" w="med" len="med"/>
+                      <a:tailEnd type="none" w="med" len="med"/>
+                    </a:lnL>
+                    <a:lnR w="9525" cap="flat" cmpd="sng" algn="ctr">
+                      <a:solidFill>
+                        <a:srgbClr val="000000"/>
+                      </a:solidFill>
+                      <a:prstDash val="solid"/>
+                      <a:round/>
+                      <a:headEnd type="none" w="med" len="med"/>
+                      <a:tailEnd type="none" w="med" len="med"/>
+                    </a:lnR>
+                    <a:lnT w="9525" cap="flat" cmpd="sng" algn="ctr">
+                      <a:solidFill>
+                        <a:srgbClr val="000000"/>
+                      </a:solidFill>
+                      <a:prstDash val="solid"/>
+                      <a:round/>
+                      <a:headEnd type="none" w="med" len="med"/>
+                      <a:tailEnd type="none" w="med" len="med"/>
+                    </a:lnT>
+                    <a:lnB w="9525" cap="flat" cmpd="sng" algn="ctr">
+                      <a:solidFill>
+                        <a:srgbClr val="000000"/>
+                      </a:solidFill>
+                      <a:prstDash val="solid"/>
+                      <a:round/>
+                      <a:headEnd type="none" w="med" len="med"/>
+                      <a:tailEnd type="none" w="med" len="med"/>
+                    </a:lnB>
+                  </a:tcPr>
+                </a:tc>
+                <a:tc>
+                  <a:txBody>
+                    <a:bodyPr/>
+                    <a:lstStyle/>
+                    <a:p>
+                      <a:pPr rtl="0" fontAlgn="t">
+                        <a:spcBef>
+                          <a:spcPts val="0"/>
+                        </a:spcBef>
+                        <a:spcAft>
+                          <a:spcPts val="0"/>
+                        </a:spcAft>
+                      </a:pPr>
+                      <a:r>
+                        <a:rPr lang="en-US" sz="1400" b="1" i="0" u="none" strike="noStrike" dirty="0">
+                          <a:solidFill>
+                            <a:srgbClr val="000000"/>
+                          </a:solidFill>
+                          <a:effectLst/>
+                          <a:latin typeface="Arial" panose="020B0604020202020204" pitchFamily="34" charset="0"/>
+                        </a:rPr>
+                        <a:t>GPIO16</a:t>
+                      </a:r>
+                      <a:endParaRPr lang="en-US" sz="2000" dirty="0">
+                        <a:solidFill>
+                          <a:srgbClr val="000000"/>
+                        </a:solidFill>
+                        <a:effectLst/>
+                      </a:endParaRPr>
+                    </a:p>
+                  </a:txBody>
+                  <a:tcPr marL="42318" marR="42318" marT="42318" marB="42318">
+                    <a:lnL w="9525" cap="flat" cmpd="sng" algn="ctr">
+                      <a:solidFill>
+                        <a:srgbClr val="000000"/>
+                      </a:solidFill>
+                      <a:prstDash val="solid"/>
+                      <a:round/>
+                      <a:headEnd type="none" w="med" len="med"/>
+                      <a:tailEnd type="none" w="med" len="med"/>
+                    </a:lnL>
+                    <a:lnR w="9525" cap="flat" cmpd="sng" algn="ctr">
+                      <a:solidFill>
+                        <a:srgbClr val="000000"/>
+                      </a:solidFill>
+                      <a:prstDash val="solid"/>
+                      <a:round/>
+                      <a:headEnd type="none" w="med" len="med"/>
+                      <a:tailEnd type="none" w="med" len="med"/>
+                    </a:lnR>
+                    <a:lnT w="9525" cap="flat" cmpd="sng" algn="ctr">
+                      <a:solidFill>
+                        <a:srgbClr val="000000"/>
+                      </a:solidFill>
+                      <a:prstDash val="solid"/>
+                      <a:round/>
+                      <a:headEnd type="none" w="med" len="med"/>
+                      <a:tailEnd type="none" w="med" len="med"/>
+                    </a:lnT>
+                    <a:lnB w="9525" cap="flat" cmpd="sng" algn="ctr">
+                      <a:solidFill>
+                        <a:srgbClr val="000000"/>
+                      </a:solidFill>
+                      <a:prstDash val="solid"/>
+                      <a:round/>
+                      <a:headEnd type="none" w="med" len="med"/>
+                      <a:tailEnd type="none" w="med" len="med"/>
+                    </a:lnB>
+                  </a:tcPr>
+                </a:tc>
+                <a:tc>
+                  <a:txBody>
+                    <a:bodyPr/>
+                    <a:lstStyle/>
+                    <a:p>
+                      <a:pPr rtl="0" fontAlgn="t">
+                        <a:spcBef>
+                          <a:spcPts val="0"/>
+                        </a:spcBef>
+                        <a:spcAft>
+                          <a:spcPts val="0"/>
+                        </a:spcAft>
+                      </a:pPr>
+                      <a:r>
+                        <a:rPr lang="en-US" sz="1400" b="0" i="0" u="none" strike="noStrike">
+                          <a:solidFill>
+                            <a:srgbClr val="000000"/>
+                          </a:solidFill>
+                          <a:effectLst/>
+                          <a:latin typeface="Arial" panose="020B0604020202020204" pitchFamily="34" charset="0"/>
+                        </a:rPr>
+                        <a:t>no interrupt</a:t>
+                      </a:r>
+                      <a:endParaRPr lang="en-US" sz="2000">
+                        <a:solidFill>
+                          <a:srgbClr val="000000"/>
+                        </a:solidFill>
+                        <a:effectLst/>
+                      </a:endParaRPr>
+                    </a:p>
+                  </a:txBody>
+                  <a:tcPr marL="42318" marR="42318" marT="42318" marB="42318">
+                    <a:lnL w="9525" cap="flat" cmpd="sng" algn="ctr">
+                      <a:solidFill>
+                        <a:srgbClr val="000000"/>
+                      </a:solidFill>
+                      <a:prstDash val="solid"/>
+                      <a:round/>
+                      <a:headEnd type="none" w="med" len="med"/>
+                      <a:tailEnd type="none" w="med" len="med"/>
+                    </a:lnL>
+                    <a:lnR w="9525" cap="flat" cmpd="sng" algn="ctr">
+                      <a:solidFill>
+                        <a:srgbClr val="000000"/>
+                      </a:solidFill>
+                      <a:prstDash val="solid"/>
+                      <a:round/>
+                      <a:headEnd type="none" w="med" len="med"/>
+                      <a:tailEnd type="none" w="med" len="med"/>
+                    </a:lnR>
+                    <a:lnT w="9525" cap="flat" cmpd="sng" algn="ctr">
+                      <a:solidFill>
+                        <a:srgbClr val="000000"/>
+                      </a:solidFill>
+                      <a:prstDash val="solid"/>
+                      <a:round/>
+                      <a:headEnd type="none" w="med" len="med"/>
+                      <a:tailEnd type="none" w="med" len="med"/>
+                    </a:lnT>
+                    <a:lnB w="9525" cap="flat" cmpd="sng" algn="ctr">
+                      <a:solidFill>
+                        <a:srgbClr val="000000"/>
+                      </a:solidFill>
+                      <a:prstDash val="solid"/>
+                      <a:round/>
+                      <a:headEnd type="none" w="med" len="med"/>
+                      <a:tailEnd type="none" w="med" len="med"/>
+                    </a:lnB>
+                  </a:tcPr>
+                </a:tc>
+                <a:tc>
+                  <a:txBody>
+                    <a:bodyPr/>
+                    <a:lstStyle/>
+                    <a:p>
+                      <a:pPr rtl="0" fontAlgn="t">
+                        <a:spcBef>
+                          <a:spcPts val="0"/>
+                        </a:spcBef>
+                        <a:spcAft>
+                          <a:spcPts val="0"/>
+                        </a:spcAft>
+                      </a:pPr>
+                      <a:r>
+                        <a:rPr lang="en-US" sz="1400" b="0" i="0" u="none" strike="noStrike">
+                          <a:solidFill>
+                            <a:srgbClr val="000000"/>
+                          </a:solidFill>
+                          <a:effectLst/>
+                          <a:latin typeface="Arial" panose="020B0604020202020204" pitchFamily="34" charset="0"/>
+                        </a:rPr>
+                        <a:t>no PWM or I2C support</a:t>
+                      </a:r>
+                      <a:endParaRPr lang="en-US" sz="2000">
+                        <a:solidFill>
+                          <a:srgbClr val="000000"/>
+                        </a:solidFill>
+                        <a:effectLst/>
+                      </a:endParaRPr>
+                    </a:p>
+                  </a:txBody>
+                  <a:tcPr marL="42318" marR="42318" marT="42318" marB="42318">
+                    <a:lnL w="9525" cap="flat" cmpd="sng" algn="ctr">
+                      <a:solidFill>
+                        <a:srgbClr val="000000"/>
+                      </a:solidFill>
+                      <a:prstDash val="solid"/>
+                      <a:round/>
+                      <a:headEnd type="none" w="med" len="med"/>
+                      <a:tailEnd type="none" w="med" len="med"/>
+                    </a:lnL>
+                    <a:lnR w="9525" cap="flat" cmpd="sng" algn="ctr">
+                      <a:solidFill>
+                        <a:srgbClr val="000000"/>
+                      </a:solidFill>
+                      <a:prstDash val="solid"/>
+                      <a:round/>
+                      <a:headEnd type="none" w="med" len="med"/>
+                      <a:tailEnd type="none" w="med" len="med"/>
+                    </a:lnR>
+                    <a:lnT w="9525" cap="flat" cmpd="sng" algn="ctr">
+                      <a:solidFill>
+                        <a:srgbClr val="000000"/>
+                      </a:solidFill>
+                      <a:prstDash val="solid"/>
+                      <a:round/>
+                      <a:headEnd type="none" w="med" len="med"/>
+                      <a:tailEnd type="none" w="med" len="med"/>
+                    </a:lnT>
+                    <a:lnB w="9525" cap="flat" cmpd="sng" algn="ctr">
+                      <a:solidFill>
+                        <a:srgbClr val="000000"/>
+                      </a:solidFill>
+                      <a:prstDash val="solid"/>
+                      <a:round/>
+                      <a:headEnd type="none" w="med" len="med"/>
+                      <a:tailEnd type="none" w="med" len="med"/>
+                    </a:lnB>
+                  </a:tcPr>
+                </a:tc>
+                <a:tc>
+                  <a:txBody>
+                    <a:bodyPr/>
+                    <a:lstStyle/>
+                    <a:p>
+                      <a:pPr rtl="0" fontAlgn="t">
+                        <a:spcBef>
+                          <a:spcPts val="0"/>
+                        </a:spcBef>
+                        <a:spcAft>
+                          <a:spcPts val="0"/>
+                        </a:spcAft>
+                      </a:pPr>
+                      <a:r>
+                        <a:rPr lang="en-US" sz="1400" b="0" i="0" u="none" strike="noStrike" dirty="0">
+                          <a:solidFill>
+                            <a:srgbClr val="000000"/>
+                          </a:solidFill>
+                          <a:effectLst/>
+                          <a:highlight>
+                            <a:srgbClr val="FFFF00"/>
+                          </a:highlight>
+                          <a:latin typeface="Arial" panose="020B0604020202020204" pitchFamily="34" charset="0"/>
+                        </a:rPr>
+                        <a:t>HIGH at boot</a:t>
+                      </a:r>
+                      <a:endParaRPr lang="en-US" sz="2000" dirty="0">
+                        <a:solidFill>
+                          <a:srgbClr val="000000"/>
+                        </a:solidFill>
+                        <a:effectLst/>
+                        <a:highlight>
+                          <a:srgbClr val="FFFF00"/>
+                        </a:highlight>
+                      </a:endParaRPr>
+                    </a:p>
+                    <a:p>
+                      <a:pPr rtl="0" fontAlgn="t">
+                        <a:spcBef>
+                          <a:spcPts val="0"/>
+                        </a:spcBef>
+                        <a:spcAft>
+                          <a:spcPts val="0"/>
+                        </a:spcAft>
+                      </a:pPr>
+                      <a:r>
+                        <a:rPr lang="en-US" sz="1400" b="0" i="0" u="none" strike="noStrike" dirty="0">
+                          <a:solidFill>
+                            <a:srgbClr val="000000"/>
+                          </a:solidFill>
+                          <a:effectLst/>
+                          <a:latin typeface="Arial" panose="020B0604020202020204" pitchFamily="34" charset="0"/>
+                        </a:rPr>
+                        <a:t>used to wake up from deep sleep</a:t>
+                      </a:r>
+                      <a:endParaRPr lang="en-US" sz="2000" dirty="0">
+                        <a:solidFill>
+                          <a:srgbClr val="000000"/>
+                        </a:solidFill>
+                        <a:effectLst/>
+                      </a:endParaRPr>
+                    </a:p>
+                  </a:txBody>
+                  <a:tcPr marL="42318" marR="42318" marT="42318" marB="42318">
+                    <a:lnL w="9525" cap="flat" cmpd="sng" algn="ctr">
+                      <a:solidFill>
+                        <a:srgbClr val="000000"/>
+                      </a:solidFill>
+                      <a:prstDash val="solid"/>
+                      <a:round/>
+                      <a:headEnd type="none" w="med" len="med"/>
+                      <a:tailEnd type="none" w="med" len="med"/>
+                    </a:lnL>
+                    <a:lnR w="9525" cap="flat" cmpd="sng" algn="ctr">
+                      <a:solidFill>
+                        <a:srgbClr val="000000"/>
+                      </a:solidFill>
+                      <a:prstDash val="solid"/>
+                      <a:round/>
+                      <a:headEnd type="none" w="med" len="med"/>
+                      <a:tailEnd type="none" w="med" len="med"/>
+                    </a:lnR>
+                    <a:lnT w="9525" cap="flat" cmpd="sng" algn="ctr">
+                      <a:solidFill>
+                        <a:srgbClr val="000000"/>
+                      </a:solidFill>
+                      <a:prstDash val="solid"/>
+                      <a:round/>
+                      <a:headEnd type="none" w="med" len="med"/>
+                      <a:tailEnd type="none" w="med" len="med"/>
+                    </a:lnT>
+                    <a:lnB w="9525" cap="flat" cmpd="sng" algn="ctr">
+                      <a:solidFill>
+                        <a:srgbClr val="000000"/>
+                      </a:solidFill>
+                      <a:prstDash val="solid"/>
+                      <a:round/>
+                      <a:headEnd type="none" w="med" len="med"/>
+                      <a:tailEnd type="none" w="med" len="med"/>
+                    </a:lnB>
+                  </a:tcPr>
+                </a:tc>
+                <a:extLst>
+                  <a:ext uri="{0D108BD9-81ED-4DB2-BD59-A6C34878D82A}">
+                    <a16:rowId xmlns:a16="http://schemas.microsoft.com/office/drawing/2014/main" val="3466914965"/>
+                  </a:ext>
+                </a:extLst>
+              </a:tr>
+              <a:tr h="298074">
+                <a:tc>
+                  <a:txBody>
+                    <a:bodyPr/>
+                    <a:lstStyle/>
+                    <a:p>
+                      <a:pPr rtl="0" fontAlgn="t">
+                        <a:spcBef>
+                          <a:spcPts val="0"/>
+                        </a:spcBef>
+                        <a:spcAft>
+                          <a:spcPts val="0"/>
+                        </a:spcAft>
+                      </a:pPr>
+                      <a:r>
+                        <a:rPr lang="en-US" sz="1400" b="1" i="0" u="none" strike="noStrike">
+                          <a:solidFill>
+                            <a:srgbClr val="000000"/>
+                          </a:solidFill>
+                          <a:effectLst/>
+                          <a:latin typeface="Arial" panose="020B0604020202020204" pitchFamily="34" charset="0"/>
+                        </a:rPr>
+                        <a:t>D1</a:t>
+                      </a:r>
+                      <a:endParaRPr lang="en-US" sz="2000">
+                        <a:solidFill>
+                          <a:srgbClr val="000000"/>
+                        </a:solidFill>
+                        <a:effectLst/>
+                      </a:endParaRPr>
+                    </a:p>
+                  </a:txBody>
+                  <a:tcPr marL="42318" marR="42318" marT="42318" marB="42318">
+                    <a:lnL w="12700" cap="flat" cmpd="sng" algn="ctr">
+                      <a:solidFill>
+                        <a:srgbClr val="000000"/>
+                      </a:solidFill>
+                      <a:prstDash val="solid"/>
+                      <a:round/>
+                      <a:headEnd type="none" w="med" len="med"/>
+                      <a:tailEnd type="none" w="med" len="med"/>
+                    </a:lnL>
+                    <a:lnR w="9525" cap="flat" cmpd="sng" algn="ctr">
+                      <a:solidFill>
+                        <a:srgbClr val="000000"/>
+                      </a:solidFill>
+                      <a:prstDash val="solid"/>
+                      <a:round/>
+                      <a:headEnd type="none" w="med" len="med"/>
+                      <a:tailEnd type="none" w="med" len="med"/>
+                    </a:lnR>
+                    <a:lnT w="9525" cap="flat" cmpd="sng" algn="ctr">
+                      <a:solidFill>
+                        <a:srgbClr val="000000"/>
+                      </a:solidFill>
+                      <a:prstDash val="solid"/>
+                      <a:round/>
+                      <a:headEnd type="none" w="med" len="med"/>
+                      <a:tailEnd type="none" w="med" len="med"/>
+                    </a:lnT>
+                    <a:lnB w="9525" cap="flat" cmpd="sng" algn="ctr">
+                      <a:solidFill>
+                        <a:srgbClr val="000000"/>
+                      </a:solidFill>
+                      <a:prstDash val="solid"/>
+                      <a:round/>
+                      <a:headEnd type="none" w="med" len="med"/>
+                      <a:tailEnd type="none" w="med" len="med"/>
+                    </a:lnB>
+                  </a:tcPr>
+                </a:tc>
+                <a:tc>
+                  <a:txBody>
+                    <a:bodyPr/>
+                    <a:lstStyle/>
+                    <a:p>
+                      <a:pPr rtl="0" fontAlgn="t">
+                        <a:spcBef>
+                          <a:spcPts val="0"/>
+                        </a:spcBef>
+                        <a:spcAft>
+                          <a:spcPts val="0"/>
+                        </a:spcAft>
+                      </a:pPr>
+                      <a:r>
+                        <a:rPr lang="en-US" sz="1400" b="1" i="0" u="none" strike="noStrike">
+                          <a:solidFill>
+                            <a:srgbClr val="000000"/>
+                          </a:solidFill>
+                          <a:effectLst/>
+                          <a:latin typeface="Arial" panose="020B0604020202020204" pitchFamily="34" charset="0"/>
+                        </a:rPr>
+                        <a:t>GPIO5</a:t>
+                      </a:r>
+                      <a:endParaRPr lang="en-US" sz="2000">
+                        <a:solidFill>
+                          <a:srgbClr val="000000"/>
+                        </a:solidFill>
+                        <a:effectLst/>
+                      </a:endParaRPr>
+                    </a:p>
+                  </a:txBody>
+                  <a:tcPr marL="42318" marR="42318" marT="42318" marB="42318">
+                    <a:lnL w="9525" cap="flat" cmpd="sng" algn="ctr">
+                      <a:solidFill>
+                        <a:srgbClr val="000000"/>
+                      </a:solidFill>
+                      <a:prstDash val="solid"/>
+                      <a:round/>
+                      <a:headEnd type="none" w="med" len="med"/>
+                      <a:tailEnd type="none" w="med" len="med"/>
+                    </a:lnL>
+                    <a:lnR w="9525" cap="flat" cmpd="sng" algn="ctr">
+                      <a:solidFill>
+                        <a:srgbClr val="000000"/>
+                      </a:solidFill>
+                      <a:prstDash val="solid"/>
+                      <a:round/>
+                      <a:headEnd type="none" w="med" len="med"/>
+                      <a:tailEnd type="none" w="med" len="med"/>
+                    </a:lnR>
+                    <a:lnT w="9525" cap="flat" cmpd="sng" algn="ctr">
+                      <a:solidFill>
+                        <a:srgbClr val="000000"/>
+                      </a:solidFill>
+                      <a:prstDash val="solid"/>
+                      <a:round/>
+                      <a:headEnd type="none" w="med" len="med"/>
+                      <a:tailEnd type="none" w="med" len="med"/>
+                    </a:lnT>
+                    <a:lnB w="9525" cap="flat" cmpd="sng" algn="ctr">
+                      <a:solidFill>
+                        <a:srgbClr val="000000"/>
+                      </a:solidFill>
+                      <a:prstDash val="solid"/>
+                      <a:round/>
+                      <a:headEnd type="none" w="med" len="med"/>
+                      <a:tailEnd type="none" w="med" len="med"/>
+                    </a:lnB>
+                  </a:tcPr>
+                </a:tc>
+                <a:tc>
+                  <a:txBody>
+                    <a:bodyPr/>
+                    <a:lstStyle/>
+                    <a:p>
+                      <a:pPr rtl="0" fontAlgn="t">
+                        <a:spcBef>
+                          <a:spcPts val="0"/>
+                        </a:spcBef>
+                        <a:spcAft>
+                          <a:spcPts val="0"/>
+                        </a:spcAft>
+                      </a:pPr>
+                      <a:r>
+                        <a:rPr lang="en-US" sz="1400" b="0" i="0" u="none" strike="noStrike" dirty="0">
+                          <a:solidFill>
+                            <a:srgbClr val="000000"/>
+                          </a:solidFill>
+                          <a:effectLst/>
+                          <a:highlight>
+                            <a:srgbClr val="00FF00"/>
+                          </a:highlight>
+                          <a:latin typeface="Arial" panose="020B0604020202020204" pitchFamily="34" charset="0"/>
+                        </a:rPr>
+                        <a:t>OK</a:t>
+                      </a:r>
+                      <a:endParaRPr lang="en-US" sz="2000" dirty="0">
+                        <a:solidFill>
+                          <a:srgbClr val="000000"/>
+                        </a:solidFill>
+                        <a:effectLst/>
+                        <a:highlight>
+                          <a:srgbClr val="00FF00"/>
+                        </a:highlight>
+                      </a:endParaRPr>
+                    </a:p>
+                  </a:txBody>
+                  <a:tcPr marL="42318" marR="42318" marT="42318" marB="42318">
+                    <a:lnL w="9525" cap="flat" cmpd="sng" algn="ctr">
+                      <a:solidFill>
+                        <a:srgbClr val="000000"/>
+                      </a:solidFill>
+                      <a:prstDash val="solid"/>
+                      <a:round/>
+                      <a:headEnd type="none" w="med" len="med"/>
+                      <a:tailEnd type="none" w="med" len="med"/>
+                    </a:lnL>
+                    <a:lnR w="9525" cap="flat" cmpd="sng" algn="ctr">
+                      <a:solidFill>
+                        <a:srgbClr val="000000"/>
+                      </a:solidFill>
+                      <a:prstDash val="solid"/>
+                      <a:round/>
+                      <a:headEnd type="none" w="med" len="med"/>
+                      <a:tailEnd type="none" w="med" len="med"/>
+                    </a:lnR>
+                    <a:lnT w="9525" cap="flat" cmpd="sng" algn="ctr">
+                      <a:solidFill>
+                        <a:srgbClr val="000000"/>
+                      </a:solidFill>
+                      <a:prstDash val="solid"/>
+                      <a:round/>
+                      <a:headEnd type="none" w="med" len="med"/>
+                      <a:tailEnd type="none" w="med" len="med"/>
+                    </a:lnT>
+                    <a:lnB w="9525" cap="flat" cmpd="sng" algn="ctr">
+                      <a:solidFill>
+                        <a:srgbClr val="000000"/>
+                      </a:solidFill>
+                      <a:prstDash val="solid"/>
+                      <a:round/>
+                      <a:headEnd type="none" w="med" len="med"/>
+                      <a:tailEnd type="none" w="med" len="med"/>
+                    </a:lnB>
+                  </a:tcPr>
+                </a:tc>
+                <a:tc>
+                  <a:txBody>
+                    <a:bodyPr/>
+                    <a:lstStyle/>
+                    <a:p>
+                      <a:pPr rtl="0" fontAlgn="t">
+                        <a:spcBef>
+                          <a:spcPts val="0"/>
+                        </a:spcBef>
+                        <a:spcAft>
+                          <a:spcPts val="0"/>
+                        </a:spcAft>
+                      </a:pPr>
+                      <a:r>
+                        <a:rPr lang="en-US" sz="1400" b="0" i="0" u="none" strike="noStrike" dirty="0">
+                          <a:solidFill>
+                            <a:srgbClr val="000000"/>
+                          </a:solidFill>
+                          <a:effectLst/>
+                          <a:highlight>
+                            <a:srgbClr val="00FF00"/>
+                          </a:highlight>
+                          <a:latin typeface="Arial" panose="020B0604020202020204" pitchFamily="34" charset="0"/>
+                        </a:rPr>
+                        <a:t>OK</a:t>
+                      </a:r>
+                      <a:endParaRPr lang="en-US" sz="2000" dirty="0">
+                        <a:solidFill>
+                          <a:srgbClr val="000000"/>
+                        </a:solidFill>
+                        <a:effectLst/>
+                      </a:endParaRPr>
+                    </a:p>
+                  </a:txBody>
+                  <a:tcPr marL="42318" marR="42318" marT="42318" marB="42318">
+                    <a:lnL w="9525" cap="flat" cmpd="sng" algn="ctr">
+                      <a:solidFill>
+                        <a:srgbClr val="000000"/>
+                      </a:solidFill>
+                      <a:prstDash val="solid"/>
+                      <a:round/>
+                      <a:headEnd type="none" w="med" len="med"/>
+                      <a:tailEnd type="none" w="med" len="med"/>
+                    </a:lnL>
+                    <a:lnR w="9525" cap="flat" cmpd="sng" algn="ctr">
+                      <a:solidFill>
+                        <a:srgbClr val="000000"/>
+                      </a:solidFill>
+                      <a:prstDash val="solid"/>
+                      <a:round/>
+                      <a:headEnd type="none" w="med" len="med"/>
+                      <a:tailEnd type="none" w="med" len="med"/>
+                    </a:lnR>
+                    <a:lnT w="9525" cap="flat" cmpd="sng" algn="ctr">
+                      <a:solidFill>
+                        <a:srgbClr val="000000"/>
+                      </a:solidFill>
+                      <a:prstDash val="solid"/>
+                      <a:round/>
+                      <a:headEnd type="none" w="med" len="med"/>
+                      <a:tailEnd type="none" w="med" len="med"/>
+                    </a:lnT>
+                    <a:lnB w="9525" cap="flat" cmpd="sng" algn="ctr">
+                      <a:solidFill>
+                        <a:srgbClr val="000000"/>
+                      </a:solidFill>
+                      <a:prstDash val="solid"/>
+                      <a:round/>
+                      <a:headEnd type="none" w="med" len="med"/>
+                      <a:tailEnd type="none" w="med" len="med"/>
+                    </a:lnB>
+                  </a:tcPr>
+                </a:tc>
+                <a:tc>
+                  <a:txBody>
+                    <a:bodyPr/>
+                    <a:lstStyle/>
+                    <a:p>
+                      <a:pPr rtl="0" fontAlgn="t">
+                        <a:spcBef>
+                          <a:spcPts val="0"/>
+                        </a:spcBef>
+                        <a:spcAft>
+                          <a:spcPts val="0"/>
+                        </a:spcAft>
+                      </a:pPr>
+                      <a:r>
+                        <a:rPr lang="en-US" sz="1400" b="0" i="0" u="none" strike="noStrike" dirty="0">
+                          <a:solidFill>
+                            <a:srgbClr val="000000"/>
+                          </a:solidFill>
+                          <a:effectLst/>
+                          <a:latin typeface="Arial" panose="020B0604020202020204" pitchFamily="34" charset="0"/>
+                        </a:rPr>
+                        <a:t>often used as </a:t>
+                      </a:r>
+                      <a:r>
+                        <a:rPr lang="en-US" sz="1400" b="0" i="0" u="none" strike="noStrike" dirty="0">
+                          <a:solidFill>
+                            <a:srgbClr val="000000"/>
+                          </a:solidFill>
+                          <a:effectLst/>
+                          <a:highlight>
+                            <a:srgbClr val="00FFFF"/>
+                          </a:highlight>
+                          <a:latin typeface="Arial" panose="020B0604020202020204" pitchFamily="34" charset="0"/>
+                        </a:rPr>
+                        <a:t>SCL</a:t>
+                      </a:r>
+                      <a:r>
+                        <a:rPr lang="en-US" sz="1400" b="0" i="0" u="none" strike="noStrike" dirty="0">
+                          <a:solidFill>
+                            <a:srgbClr val="000000"/>
+                          </a:solidFill>
+                          <a:effectLst/>
+                          <a:latin typeface="Arial" panose="020B0604020202020204" pitchFamily="34" charset="0"/>
+                        </a:rPr>
+                        <a:t> (I2C)</a:t>
+                      </a:r>
+                      <a:endParaRPr lang="en-US" sz="2000" dirty="0">
+                        <a:solidFill>
+                          <a:srgbClr val="000000"/>
+                        </a:solidFill>
+                        <a:effectLst/>
+                      </a:endParaRPr>
+                    </a:p>
+                  </a:txBody>
+                  <a:tcPr marL="42318" marR="42318" marT="42318" marB="42318">
+                    <a:lnL w="9525" cap="flat" cmpd="sng" algn="ctr">
+                      <a:solidFill>
+                        <a:srgbClr val="000000"/>
+                      </a:solidFill>
+                      <a:prstDash val="solid"/>
+                      <a:round/>
+                      <a:headEnd type="none" w="med" len="med"/>
+                      <a:tailEnd type="none" w="med" len="med"/>
+                    </a:lnL>
+                    <a:lnR w="9525" cap="flat" cmpd="sng" algn="ctr">
+                      <a:solidFill>
+                        <a:srgbClr val="000000"/>
+                      </a:solidFill>
+                      <a:prstDash val="solid"/>
+                      <a:round/>
+                      <a:headEnd type="none" w="med" len="med"/>
+                      <a:tailEnd type="none" w="med" len="med"/>
+                    </a:lnR>
+                    <a:lnT w="9525" cap="flat" cmpd="sng" algn="ctr">
+                      <a:solidFill>
+                        <a:srgbClr val="000000"/>
+                      </a:solidFill>
+                      <a:prstDash val="solid"/>
+                      <a:round/>
+                      <a:headEnd type="none" w="med" len="med"/>
+                      <a:tailEnd type="none" w="med" len="med"/>
+                    </a:lnT>
+                    <a:lnB w="9525" cap="flat" cmpd="sng" algn="ctr">
+                      <a:solidFill>
+                        <a:srgbClr val="1B212C"/>
+                      </a:solidFill>
+                      <a:prstDash val="solid"/>
+                      <a:round/>
+                      <a:headEnd type="none" w="med" len="med"/>
+                      <a:tailEnd type="none" w="med" len="med"/>
+                    </a:lnB>
+                  </a:tcPr>
+                </a:tc>
+                <a:extLst>
+                  <a:ext uri="{0D108BD9-81ED-4DB2-BD59-A6C34878D82A}">
+                    <a16:rowId xmlns:a16="http://schemas.microsoft.com/office/drawing/2014/main" val="227604358"/>
+                  </a:ext>
+                </a:extLst>
+              </a:tr>
+              <a:tr h="298074">
+                <a:tc>
+                  <a:txBody>
+                    <a:bodyPr/>
+                    <a:lstStyle/>
+                    <a:p>
+                      <a:pPr rtl="0" fontAlgn="t">
+                        <a:spcBef>
+                          <a:spcPts val="0"/>
+                        </a:spcBef>
+                        <a:spcAft>
+                          <a:spcPts val="0"/>
+                        </a:spcAft>
+                      </a:pPr>
+                      <a:r>
+                        <a:rPr lang="en-US" sz="1400" b="1" i="0" u="none" strike="noStrike">
+                          <a:solidFill>
+                            <a:srgbClr val="000000"/>
+                          </a:solidFill>
+                          <a:effectLst/>
+                          <a:latin typeface="Arial" panose="020B0604020202020204" pitchFamily="34" charset="0"/>
+                        </a:rPr>
+                        <a:t>D2</a:t>
+                      </a:r>
+                      <a:endParaRPr lang="en-US" sz="2000">
+                        <a:solidFill>
+                          <a:srgbClr val="000000"/>
+                        </a:solidFill>
+                        <a:effectLst/>
+                      </a:endParaRPr>
+                    </a:p>
+                  </a:txBody>
+                  <a:tcPr marL="42318" marR="42318" marT="42318" marB="42318">
+                    <a:lnL w="12700" cap="flat" cmpd="sng" algn="ctr">
+                      <a:solidFill>
+                        <a:srgbClr val="000000"/>
+                      </a:solidFill>
+                      <a:prstDash val="solid"/>
+                      <a:round/>
+                      <a:headEnd type="none" w="med" len="med"/>
+                      <a:tailEnd type="none" w="med" len="med"/>
+                    </a:lnL>
+                    <a:lnR w="9525" cap="flat" cmpd="sng" algn="ctr">
+                      <a:solidFill>
+                        <a:srgbClr val="000000"/>
+                      </a:solidFill>
+                      <a:prstDash val="solid"/>
+                      <a:round/>
+                      <a:headEnd type="none" w="med" len="med"/>
+                      <a:tailEnd type="none" w="med" len="med"/>
+                    </a:lnR>
+                    <a:lnT w="9525" cap="flat" cmpd="sng" algn="ctr">
+                      <a:solidFill>
+                        <a:srgbClr val="000000"/>
+                      </a:solidFill>
+                      <a:prstDash val="solid"/>
+                      <a:round/>
+                      <a:headEnd type="none" w="med" len="med"/>
+                      <a:tailEnd type="none" w="med" len="med"/>
+                    </a:lnT>
+                    <a:lnB w="9525" cap="flat" cmpd="sng" algn="ctr">
+                      <a:solidFill>
+                        <a:srgbClr val="000000"/>
+                      </a:solidFill>
+                      <a:prstDash val="solid"/>
+                      <a:round/>
+                      <a:headEnd type="none" w="med" len="med"/>
+                      <a:tailEnd type="none" w="med" len="med"/>
+                    </a:lnB>
+                  </a:tcPr>
+                </a:tc>
+                <a:tc>
+                  <a:txBody>
+                    <a:bodyPr/>
+                    <a:lstStyle/>
+                    <a:p>
+                      <a:pPr rtl="0" fontAlgn="t">
+                        <a:spcBef>
+                          <a:spcPts val="0"/>
+                        </a:spcBef>
+                        <a:spcAft>
+                          <a:spcPts val="0"/>
+                        </a:spcAft>
+                      </a:pPr>
+                      <a:r>
+                        <a:rPr lang="en-US" sz="1400" b="1" i="0" u="none" strike="noStrike">
+                          <a:solidFill>
+                            <a:srgbClr val="000000"/>
+                          </a:solidFill>
+                          <a:effectLst/>
+                          <a:latin typeface="Arial" panose="020B0604020202020204" pitchFamily="34" charset="0"/>
+                        </a:rPr>
+                        <a:t>GPIO4</a:t>
+                      </a:r>
+                      <a:endParaRPr lang="en-US" sz="2000">
+                        <a:solidFill>
+                          <a:srgbClr val="000000"/>
+                        </a:solidFill>
+                        <a:effectLst/>
+                      </a:endParaRPr>
+                    </a:p>
+                  </a:txBody>
+                  <a:tcPr marL="42318" marR="42318" marT="42318" marB="42318">
+                    <a:lnL w="9525" cap="flat" cmpd="sng" algn="ctr">
+                      <a:solidFill>
+                        <a:srgbClr val="000000"/>
+                      </a:solidFill>
+                      <a:prstDash val="solid"/>
+                      <a:round/>
+                      <a:headEnd type="none" w="med" len="med"/>
+                      <a:tailEnd type="none" w="med" len="med"/>
+                    </a:lnL>
+                    <a:lnR w="9525" cap="flat" cmpd="sng" algn="ctr">
+                      <a:solidFill>
+                        <a:srgbClr val="000000"/>
+                      </a:solidFill>
+                      <a:prstDash val="solid"/>
+                      <a:round/>
+                      <a:headEnd type="none" w="med" len="med"/>
+                      <a:tailEnd type="none" w="med" len="med"/>
+                    </a:lnR>
+                    <a:lnT w="9525" cap="flat" cmpd="sng" algn="ctr">
+                      <a:solidFill>
+                        <a:srgbClr val="000000"/>
+                      </a:solidFill>
+                      <a:prstDash val="solid"/>
+                      <a:round/>
+                      <a:headEnd type="none" w="med" len="med"/>
+                      <a:tailEnd type="none" w="med" len="med"/>
+                    </a:lnT>
+                    <a:lnB w="9525" cap="flat" cmpd="sng" algn="ctr">
+                      <a:solidFill>
+                        <a:srgbClr val="000000"/>
+                      </a:solidFill>
+                      <a:prstDash val="solid"/>
+                      <a:round/>
+                      <a:headEnd type="none" w="med" len="med"/>
+                      <a:tailEnd type="none" w="med" len="med"/>
+                    </a:lnB>
+                  </a:tcPr>
+                </a:tc>
+                <a:tc>
+                  <a:txBody>
+                    <a:bodyPr/>
+                    <a:lstStyle/>
+                    <a:p>
+                      <a:pPr rtl="0" fontAlgn="t">
+                        <a:spcBef>
+                          <a:spcPts val="0"/>
+                        </a:spcBef>
+                        <a:spcAft>
+                          <a:spcPts val="0"/>
+                        </a:spcAft>
+                      </a:pPr>
+                      <a:r>
+                        <a:rPr lang="en-US" sz="1400" b="0" i="0" u="none" strike="noStrike" dirty="0">
+                          <a:solidFill>
+                            <a:srgbClr val="000000"/>
+                          </a:solidFill>
+                          <a:effectLst/>
+                          <a:highlight>
+                            <a:srgbClr val="00FF00"/>
+                          </a:highlight>
+                          <a:latin typeface="Arial" panose="020B0604020202020204" pitchFamily="34" charset="0"/>
+                        </a:rPr>
+                        <a:t>OK</a:t>
+                      </a:r>
+                      <a:endParaRPr lang="en-US" sz="2000" dirty="0">
+                        <a:solidFill>
+                          <a:srgbClr val="000000"/>
+                        </a:solidFill>
+                        <a:effectLst/>
+                      </a:endParaRPr>
+                    </a:p>
+                  </a:txBody>
+                  <a:tcPr marL="42318" marR="42318" marT="42318" marB="42318">
+                    <a:lnL w="9525" cap="flat" cmpd="sng" algn="ctr">
+                      <a:solidFill>
+                        <a:srgbClr val="000000"/>
+                      </a:solidFill>
+                      <a:prstDash val="solid"/>
+                      <a:round/>
+                      <a:headEnd type="none" w="med" len="med"/>
+                      <a:tailEnd type="none" w="med" len="med"/>
+                    </a:lnL>
+                    <a:lnR w="9525" cap="flat" cmpd="sng" algn="ctr">
+                      <a:solidFill>
+                        <a:srgbClr val="000000"/>
+                      </a:solidFill>
+                      <a:prstDash val="solid"/>
+                      <a:round/>
+                      <a:headEnd type="none" w="med" len="med"/>
+                      <a:tailEnd type="none" w="med" len="med"/>
+                    </a:lnR>
+                    <a:lnT w="9525" cap="flat" cmpd="sng" algn="ctr">
+                      <a:solidFill>
+                        <a:srgbClr val="000000"/>
+                      </a:solidFill>
+                      <a:prstDash val="solid"/>
+                      <a:round/>
+                      <a:headEnd type="none" w="med" len="med"/>
+                      <a:tailEnd type="none" w="med" len="med"/>
+                    </a:lnT>
+                    <a:lnB w="9525" cap="flat" cmpd="sng" algn="ctr">
+                      <a:solidFill>
+                        <a:srgbClr val="000000"/>
+                      </a:solidFill>
+                      <a:prstDash val="solid"/>
+                      <a:round/>
+                      <a:headEnd type="none" w="med" len="med"/>
+                      <a:tailEnd type="none" w="med" len="med"/>
+                    </a:lnB>
+                  </a:tcPr>
+                </a:tc>
+                <a:tc>
+                  <a:txBody>
+                    <a:bodyPr/>
+                    <a:lstStyle/>
+                    <a:p>
+                      <a:pPr rtl="0" fontAlgn="t">
+                        <a:spcBef>
+                          <a:spcPts val="0"/>
+                        </a:spcBef>
+                        <a:spcAft>
+                          <a:spcPts val="0"/>
+                        </a:spcAft>
+                      </a:pPr>
+                      <a:r>
+                        <a:rPr lang="en-US" sz="1400" b="0" i="0" u="none" strike="noStrike" dirty="0">
+                          <a:solidFill>
+                            <a:srgbClr val="000000"/>
+                          </a:solidFill>
+                          <a:effectLst/>
+                          <a:highlight>
+                            <a:srgbClr val="00FF00"/>
+                          </a:highlight>
+                          <a:latin typeface="Arial" panose="020B0604020202020204" pitchFamily="34" charset="0"/>
+                        </a:rPr>
+                        <a:t>OK</a:t>
+                      </a:r>
+                      <a:endParaRPr lang="en-US" sz="2000" dirty="0">
+                        <a:solidFill>
+                          <a:srgbClr val="000000"/>
+                        </a:solidFill>
+                        <a:effectLst/>
+                      </a:endParaRPr>
+                    </a:p>
+                  </a:txBody>
+                  <a:tcPr marL="42318" marR="42318" marT="42318" marB="42318">
+                    <a:lnL w="9525" cap="flat" cmpd="sng" algn="ctr">
+                      <a:solidFill>
+                        <a:srgbClr val="000000"/>
+                      </a:solidFill>
+                      <a:prstDash val="solid"/>
+                      <a:round/>
+                      <a:headEnd type="none" w="med" len="med"/>
+                      <a:tailEnd type="none" w="med" len="med"/>
+                    </a:lnL>
+                    <a:lnR w="9525" cap="flat" cmpd="sng" algn="ctr">
+                      <a:solidFill>
+                        <a:srgbClr val="1B212C"/>
+                      </a:solidFill>
+                      <a:prstDash val="solid"/>
+                      <a:round/>
+                      <a:headEnd type="none" w="med" len="med"/>
+                      <a:tailEnd type="none" w="med" len="med"/>
+                    </a:lnR>
+                    <a:lnT w="9525" cap="flat" cmpd="sng" algn="ctr">
+                      <a:solidFill>
+                        <a:srgbClr val="000000"/>
+                      </a:solidFill>
+                      <a:prstDash val="solid"/>
+                      <a:round/>
+                      <a:headEnd type="none" w="med" len="med"/>
+                      <a:tailEnd type="none" w="med" len="med"/>
+                    </a:lnT>
+                    <a:lnB w="9525" cap="flat" cmpd="sng" algn="ctr">
+                      <a:solidFill>
+                        <a:srgbClr val="000000"/>
+                      </a:solidFill>
+                      <a:prstDash val="solid"/>
+                      <a:round/>
+                      <a:headEnd type="none" w="med" len="med"/>
+                      <a:tailEnd type="none" w="med" len="med"/>
+                    </a:lnB>
+                  </a:tcPr>
+                </a:tc>
+                <a:tc>
+                  <a:txBody>
+                    <a:bodyPr/>
+                    <a:lstStyle/>
+                    <a:p>
+                      <a:pPr rtl="0" fontAlgn="t">
+                        <a:spcBef>
+                          <a:spcPts val="0"/>
+                        </a:spcBef>
+                        <a:spcAft>
+                          <a:spcPts val="0"/>
+                        </a:spcAft>
+                      </a:pPr>
+                      <a:r>
+                        <a:rPr lang="en-US" sz="1400" b="0" i="0" u="none" strike="noStrike" dirty="0">
+                          <a:solidFill>
+                            <a:srgbClr val="000000"/>
+                          </a:solidFill>
+                          <a:effectLst/>
+                          <a:latin typeface="Arial" panose="020B0604020202020204" pitchFamily="34" charset="0"/>
+                        </a:rPr>
+                        <a:t>often used as </a:t>
+                      </a:r>
+                      <a:r>
+                        <a:rPr lang="en-US" sz="1400" b="0" i="0" u="none" strike="noStrike" dirty="0">
+                          <a:solidFill>
+                            <a:srgbClr val="000000"/>
+                          </a:solidFill>
+                          <a:effectLst/>
+                          <a:highlight>
+                            <a:srgbClr val="00FFFF"/>
+                          </a:highlight>
+                          <a:latin typeface="Arial" panose="020B0604020202020204" pitchFamily="34" charset="0"/>
+                        </a:rPr>
+                        <a:t>SDA</a:t>
+                      </a:r>
+                      <a:r>
+                        <a:rPr lang="en-US" sz="1400" b="0" i="0" u="none" strike="noStrike" dirty="0">
+                          <a:solidFill>
+                            <a:srgbClr val="000000"/>
+                          </a:solidFill>
+                          <a:effectLst/>
+                          <a:latin typeface="Arial" panose="020B0604020202020204" pitchFamily="34" charset="0"/>
+                        </a:rPr>
+                        <a:t> (I2C)</a:t>
+                      </a:r>
+                      <a:endParaRPr lang="en-US" sz="2000" dirty="0">
+                        <a:solidFill>
+                          <a:srgbClr val="000000"/>
+                        </a:solidFill>
+                        <a:effectLst/>
+                      </a:endParaRPr>
+                    </a:p>
+                  </a:txBody>
+                  <a:tcPr marL="42318" marR="42318" marT="42318" marB="42318">
+                    <a:lnL w="9525" cap="flat" cmpd="sng" algn="ctr">
+                      <a:solidFill>
+                        <a:srgbClr val="1B212C"/>
+                      </a:solidFill>
+                      <a:prstDash val="solid"/>
+                      <a:round/>
+                      <a:headEnd type="none" w="med" len="med"/>
+                      <a:tailEnd type="none" w="med" len="med"/>
+                    </a:lnL>
+                    <a:lnR w="9525" cap="flat" cmpd="sng" algn="ctr">
+                      <a:solidFill>
+                        <a:srgbClr val="1B212C"/>
+                      </a:solidFill>
+                      <a:prstDash val="solid"/>
+                      <a:round/>
+                      <a:headEnd type="none" w="med" len="med"/>
+                      <a:tailEnd type="none" w="med" len="med"/>
+                    </a:lnR>
+                    <a:lnT w="9525" cap="flat" cmpd="sng" algn="ctr">
+                      <a:solidFill>
+                        <a:srgbClr val="1B212C"/>
+                      </a:solidFill>
+                      <a:prstDash val="solid"/>
+                      <a:round/>
+                      <a:headEnd type="none" w="med" len="med"/>
+                      <a:tailEnd type="none" w="med" len="med"/>
+                    </a:lnT>
+                    <a:lnB w="9525" cap="flat" cmpd="sng" algn="ctr">
+                      <a:solidFill>
+                        <a:srgbClr val="1B212C"/>
+                      </a:solidFill>
+                      <a:prstDash val="solid"/>
+                      <a:round/>
+                      <a:headEnd type="none" w="med" len="med"/>
+                      <a:tailEnd type="none" w="med" len="med"/>
+                    </a:lnB>
+                  </a:tcPr>
+                </a:tc>
+                <a:extLst>
+                  <a:ext uri="{0D108BD9-81ED-4DB2-BD59-A6C34878D82A}">
+                    <a16:rowId xmlns:a16="http://schemas.microsoft.com/office/drawing/2014/main" val="3134143035"/>
+                  </a:ext>
+                </a:extLst>
+              </a:tr>
+              <a:tr h="294809">
+                <a:tc>
+                  <a:txBody>
+                    <a:bodyPr/>
+                    <a:lstStyle/>
+                    <a:p>
+                      <a:pPr rtl="0" fontAlgn="t">
+                        <a:spcBef>
+                          <a:spcPts val="0"/>
+                        </a:spcBef>
+                        <a:spcAft>
+                          <a:spcPts val="0"/>
+                        </a:spcAft>
+                      </a:pPr>
+                      <a:r>
+                        <a:rPr lang="en-US" sz="1400" b="1" i="0" u="none" strike="noStrike">
+                          <a:solidFill>
+                            <a:srgbClr val="000000"/>
+                          </a:solidFill>
+                          <a:effectLst/>
+                          <a:latin typeface="Arial" panose="020B0604020202020204" pitchFamily="34" charset="0"/>
+                        </a:rPr>
+                        <a:t>D3</a:t>
+                      </a:r>
+                      <a:endParaRPr lang="en-US" sz="2000">
+                        <a:solidFill>
+                          <a:srgbClr val="000000"/>
+                        </a:solidFill>
+                        <a:effectLst/>
+                      </a:endParaRPr>
+                    </a:p>
+                  </a:txBody>
+                  <a:tcPr marL="42318" marR="42318" marT="42318" marB="42318">
+                    <a:lnL w="12700" cap="flat" cmpd="sng" algn="ctr">
+                      <a:solidFill>
+                        <a:srgbClr val="000000"/>
+                      </a:solidFill>
+                      <a:prstDash val="solid"/>
+                      <a:round/>
+                      <a:headEnd type="none" w="med" len="med"/>
+                      <a:tailEnd type="none" w="med" len="med"/>
+                    </a:lnL>
+                    <a:lnR w="9525" cap="flat" cmpd="sng" algn="ctr">
+                      <a:solidFill>
+                        <a:srgbClr val="000000"/>
+                      </a:solidFill>
+                      <a:prstDash val="solid"/>
+                      <a:round/>
+                      <a:headEnd type="none" w="med" len="med"/>
+                      <a:tailEnd type="none" w="med" len="med"/>
+                    </a:lnR>
+                    <a:lnT w="9525" cap="flat" cmpd="sng" algn="ctr">
+                      <a:solidFill>
+                        <a:srgbClr val="000000"/>
+                      </a:solidFill>
+                      <a:prstDash val="solid"/>
+                      <a:round/>
+                      <a:headEnd type="none" w="med" len="med"/>
+                      <a:tailEnd type="none" w="med" len="med"/>
+                    </a:lnT>
+                    <a:lnB w="9525" cap="flat" cmpd="sng" algn="ctr">
+                      <a:solidFill>
+                        <a:srgbClr val="000000"/>
+                      </a:solidFill>
+                      <a:prstDash val="solid"/>
+                      <a:round/>
+                      <a:headEnd type="none" w="med" len="med"/>
+                      <a:tailEnd type="none" w="med" len="med"/>
+                    </a:lnB>
+                  </a:tcPr>
+                </a:tc>
+                <a:tc>
+                  <a:txBody>
+                    <a:bodyPr/>
+                    <a:lstStyle/>
+                    <a:p>
+                      <a:pPr rtl="0" fontAlgn="t">
+                        <a:spcBef>
+                          <a:spcPts val="0"/>
+                        </a:spcBef>
+                        <a:spcAft>
+                          <a:spcPts val="0"/>
+                        </a:spcAft>
+                      </a:pPr>
+                      <a:r>
+                        <a:rPr lang="en-US" sz="1400" b="1" i="0" u="none" strike="noStrike">
+                          <a:solidFill>
+                            <a:srgbClr val="000000"/>
+                          </a:solidFill>
+                          <a:effectLst/>
+                          <a:latin typeface="Arial" panose="020B0604020202020204" pitchFamily="34" charset="0"/>
+                        </a:rPr>
+                        <a:t>GPIO0</a:t>
+                      </a:r>
+                      <a:endParaRPr lang="en-US" sz="2000">
+                        <a:solidFill>
+                          <a:srgbClr val="000000"/>
+                        </a:solidFill>
+                        <a:effectLst/>
+                      </a:endParaRPr>
+                    </a:p>
+                  </a:txBody>
+                  <a:tcPr marL="42318" marR="42318" marT="42318" marB="42318">
+                    <a:lnL w="9525" cap="flat" cmpd="sng" algn="ctr">
+                      <a:solidFill>
+                        <a:srgbClr val="000000"/>
+                      </a:solidFill>
+                      <a:prstDash val="solid"/>
+                      <a:round/>
+                      <a:headEnd type="none" w="med" len="med"/>
+                      <a:tailEnd type="none" w="med" len="med"/>
+                    </a:lnL>
+                    <a:lnR w="9525" cap="flat" cmpd="sng" algn="ctr">
+                      <a:solidFill>
+                        <a:srgbClr val="000000"/>
+                      </a:solidFill>
+                      <a:prstDash val="solid"/>
+                      <a:round/>
+                      <a:headEnd type="none" w="med" len="med"/>
+                      <a:tailEnd type="none" w="med" len="med"/>
+                    </a:lnR>
+                    <a:lnT w="9525" cap="flat" cmpd="sng" algn="ctr">
+                      <a:solidFill>
+                        <a:srgbClr val="000000"/>
+                      </a:solidFill>
+                      <a:prstDash val="solid"/>
+                      <a:round/>
+                      <a:headEnd type="none" w="med" len="med"/>
+                      <a:tailEnd type="none" w="med" len="med"/>
+                    </a:lnT>
+                    <a:lnB w="9525" cap="flat" cmpd="sng" algn="ctr">
+                      <a:solidFill>
+                        <a:srgbClr val="000000"/>
+                      </a:solidFill>
+                      <a:prstDash val="solid"/>
+                      <a:round/>
+                      <a:headEnd type="none" w="med" len="med"/>
+                      <a:tailEnd type="none" w="med" len="med"/>
+                    </a:lnB>
+                  </a:tcPr>
+                </a:tc>
+                <a:tc>
+                  <a:txBody>
+                    <a:bodyPr/>
+                    <a:lstStyle/>
+                    <a:p>
+                      <a:pPr rtl="0" fontAlgn="t">
+                        <a:spcBef>
+                          <a:spcPts val="0"/>
+                        </a:spcBef>
+                        <a:spcAft>
+                          <a:spcPts val="0"/>
+                        </a:spcAft>
+                      </a:pPr>
+                      <a:r>
+                        <a:rPr lang="en-US" sz="1400" b="0" i="0" u="none" strike="noStrike">
+                          <a:solidFill>
+                            <a:srgbClr val="000000"/>
+                          </a:solidFill>
+                          <a:effectLst/>
+                          <a:latin typeface="Arial" panose="020B0604020202020204" pitchFamily="34" charset="0"/>
+                        </a:rPr>
+                        <a:t>pulled up</a:t>
+                      </a:r>
+                      <a:endParaRPr lang="en-US" sz="2000">
+                        <a:solidFill>
+                          <a:srgbClr val="000000"/>
+                        </a:solidFill>
+                        <a:effectLst/>
+                      </a:endParaRPr>
+                    </a:p>
+                  </a:txBody>
+                  <a:tcPr marL="42318" marR="42318" marT="42318" marB="42318">
+                    <a:lnL w="9525" cap="flat" cmpd="sng" algn="ctr">
+                      <a:solidFill>
+                        <a:srgbClr val="000000"/>
+                      </a:solidFill>
+                      <a:prstDash val="solid"/>
+                      <a:round/>
+                      <a:headEnd type="none" w="med" len="med"/>
+                      <a:tailEnd type="none" w="med" len="med"/>
+                    </a:lnL>
+                    <a:lnR w="9525" cap="flat" cmpd="sng" algn="ctr">
+                      <a:solidFill>
+                        <a:srgbClr val="000000"/>
+                      </a:solidFill>
+                      <a:prstDash val="solid"/>
+                      <a:round/>
+                      <a:headEnd type="none" w="med" len="med"/>
+                      <a:tailEnd type="none" w="med" len="med"/>
+                    </a:lnR>
+                    <a:lnT w="9525" cap="flat" cmpd="sng" algn="ctr">
+                      <a:solidFill>
+                        <a:srgbClr val="000000"/>
+                      </a:solidFill>
+                      <a:prstDash val="solid"/>
+                      <a:round/>
+                      <a:headEnd type="none" w="med" len="med"/>
+                      <a:tailEnd type="none" w="med" len="med"/>
+                    </a:lnT>
+                    <a:lnB w="9525" cap="flat" cmpd="sng" algn="ctr">
+                      <a:solidFill>
+                        <a:srgbClr val="000000"/>
+                      </a:solidFill>
+                      <a:prstDash val="solid"/>
+                      <a:round/>
+                      <a:headEnd type="none" w="med" len="med"/>
+                      <a:tailEnd type="none" w="med" len="med"/>
+                    </a:lnB>
+                  </a:tcPr>
+                </a:tc>
+                <a:tc>
+                  <a:txBody>
+                    <a:bodyPr/>
+                    <a:lstStyle/>
+                    <a:p>
+                      <a:pPr rtl="0" fontAlgn="t">
+                        <a:spcBef>
+                          <a:spcPts val="0"/>
+                        </a:spcBef>
+                        <a:spcAft>
+                          <a:spcPts val="0"/>
+                        </a:spcAft>
+                      </a:pPr>
+                      <a:r>
+                        <a:rPr lang="en-US" sz="1400" b="0" i="0" u="none" strike="noStrike" dirty="0">
+                          <a:solidFill>
+                            <a:srgbClr val="000000"/>
+                          </a:solidFill>
+                          <a:effectLst/>
+                          <a:highlight>
+                            <a:srgbClr val="00FF00"/>
+                          </a:highlight>
+                          <a:latin typeface="Arial" panose="020B0604020202020204" pitchFamily="34" charset="0"/>
+                        </a:rPr>
+                        <a:t>OK</a:t>
+                      </a:r>
+                      <a:endParaRPr lang="en-US" sz="2000" dirty="0">
+                        <a:solidFill>
+                          <a:srgbClr val="000000"/>
+                        </a:solidFill>
+                        <a:effectLst/>
+                        <a:highlight>
+                          <a:srgbClr val="00FF00"/>
+                        </a:highlight>
+                      </a:endParaRPr>
+                    </a:p>
+                  </a:txBody>
+                  <a:tcPr marL="42318" marR="42318" marT="42318" marB="42318">
+                    <a:lnL w="9525" cap="flat" cmpd="sng" algn="ctr">
+                      <a:solidFill>
+                        <a:srgbClr val="000000"/>
+                      </a:solidFill>
+                      <a:prstDash val="solid"/>
+                      <a:round/>
+                      <a:headEnd type="none" w="med" len="med"/>
+                      <a:tailEnd type="none" w="med" len="med"/>
+                    </a:lnL>
+                    <a:lnR w="9525" cap="flat" cmpd="sng" algn="ctr">
+                      <a:solidFill>
+                        <a:srgbClr val="000000"/>
+                      </a:solidFill>
+                      <a:prstDash val="solid"/>
+                      <a:round/>
+                      <a:headEnd type="none" w="med" len="med"/>
+                      <a:tailEnd type="none" w="med" len="med"/>
+                    </a:lnR>
+                    <a:lnT w="9525" cap="flat" cmpd="sng" algn="ctr">
+                      <a:solidFill>
+                        <a:srgbClr val="000000"/>
+                      </a:solidFill>
+                      <a:prstDash val="solid"/>
+                      <a:round/>
+                      <a:headEnd type="none" w="med" len="med"/>
+                      <a:tailEnd type="none" w="med" len="med"/>
+                    </a:lnT>
+                    <a:lnB w="9525" cap="flat" cmpd="sng" algn="ctr">
+                      <a:solidFill>
+                        <a:srgbClr val="000000"/>
+                      </a:solidFill>
+                      <a:prstDash val="solid"/>
+                      <a:round/>
+                      <a:headEnd type="none" w="med" len="med"/>
+                      <a:tailEnd type="none" w="med" len="med"/>
+                    </a:lnB>
+                  </a:tcPr>
+                </a:tc>
+                <a:tc>
+                  <a:txBody>
+                    <a:bodyPr/>
+                    <a:lstStyle/>
+                    <a:p>
+                      <a:pPr rtl="0" fontAlgn="t">
+                        <a:spcBef>
+                          <a:spcPts val="0"/>
+                        </a:spcBef>
+                        <a:spcAft>
+                          <a:spcPts val="0"/>
+                        </a:spcAft>
+                      </a:pPr>
+                      <a:r>
+                        <a:rPr lang="en-US" sz="1400" b="0" i="0" u="none" strike="noStrike">
+                          <a:solidFill>
+                            <a:srgbClr val="000000"/>
+                          </a:solidFill>
+                          <a:effectLst/>
+                          <a:latin typeface="Arial" panose="020B0604020202020204" pitchFamily="34" charset="0"/>
+                        </a:rPr>
+                        <a:t>connected to FLASH button, boot fails if pulled LOW</a:t>
+                      </a:r>
+                      <a:endParaRPr lang="en-US" sz="2000">
+                        <a:solidFill>
+                          <a:srgbClr val="000000"/>
+                        </a:solidFill>
+                        <a:effectLst/>
+                      </a:endParaRPr>
+                    </a:p>
+                  </a:txBody>
+                  <a:tcPr marL="42318" marR="42318" marT="42318" marB="42318">
+                    <a:lnL w="9525" cap="flat" cmpd="sng" algn="ctr">
+                      <a:solidFill>
+                        <a:srgbClr val="000000"/>
+                      </a:solidFill>
+                      <a:prstDash val="solid"/>
+                      <a:round/>
+                      <a:headEnd type="none" w="med" len="med"/>
+                      <a:tailEnd type="none" w="med" len="med"/>
+                    </a:lnL>
+                    <a:lnR w="9525" cap="flat" cmpd="sng" algn="ctr">
+                      <a:solidFill>
+                        <a:srgbClr val="000000"/>
+                      </a:solidFill>
+                      <a:prstDash val="solid"/>
+                      <a:round/>
+                      <a:headEnd type="none" w="med" len="med"/>
+                      <a:tailEnd type="none" w="med" len="med"/>
+                    </a:lnR>
+                    <a:lnT w="9525" cap="flat" cmpd="sng" algn="ctr">
+                      <a:solidFill>
+                        <a:srgbClr val="1B212C"/>
+                      </a:solidFill>
+                      <a:prstDash val="solid"/>
+                      <a:round/>
+                      <a:headEnd type="none" w="med" len="med"/>
+                      <a:tailEnd type="none" w="med" len="med"/>
+                    </a:lnT>
+                    <a:lnB w="9525" cap="flat" cmpd="sng" algn="ctr">
+                      <a:solidFill>
+                        <a:srgbClr val="000000"/>
+                      </a:solidFill>
+                      <a:prstDash val="solid"/>
+                      <a:round/>
+                      <a:headEnd type="none" w="med" len="med"/>
+                      <a:tailEnd type="none" w="med" len="med"/>
+                    </a:lnB>
+                  </a:tcPr>
+                </a:tc>
+                <a:extLst>
+                  <a:ext uri="{0D108BD9-81ED-4DB2-BD59-A6C34878D82A}">
+                    <a16:rowId xmlns:a16="http://schemas.microsoft.com/office/drawing/2014/main" val="4003221727"/>
+                  </a:ext>
+                </a:extLst>
+              </a:tr>
+              <a:tr h="630492">
+                <a:tc>
+                  <a:txBody>
+                    <a:bodyPr/>
+                    <a:lstStyle/>
+                    <a:p>
+                      <a:pPr rtl="0" fontAlgn="t">
+                        <a:spcBef>
+                          <a:spcPts val="0"/>
+                        </a:spcBef>
+                        <a:spcAft>
+                          <a:spcPts val="0"/>
+                        </a:spcAft>
+                      </a:pPr>
+                      <a:r>
+                        <a:rPr lang="en-US" sz="1400" b="1" i="0" u="none" strike="noStrike">
+                          <a:solidFill>
+                            <a:srgbClr val="000000"/>
+                          </a:solidFill>
+                          <a:effectLst/>
+                          <a:latin typeface="Arial" panose="020B0604020202020204" pitchFamily="34" charset="0"/>
+                        </a:rPr>
+                        <a:t>D4</a:t>
+                      </a:r>
+                      <a:endParaRPr lang="en-US" sz="2000">
+                        <a:solidFill>
+                          <a:srgbClr val="000000"/>
+                        </a:solidFill>
+                        <a:effectLst/>
+                      </a:endParaRPr>
+                    </a:p>
+                  </a:txBody>
+                  <a:tcPr marL="42318" marR="42318" marT="42318" marB="42318">
+                    <a:lnL w="12700" cap="flat" cmpd="sng" algn="ctr">
+                      <a:solidFill>
+                        <a:srgbClr val="000000"/>
+                      </a:solidFill>
+                      <a:prstDash val="solid"/>
+                      <a:round/>
+                      <a:headEnd type="none" w="med" len="med"/>
+                      <a:tailEnd type="none" w="med" len="med"/>
+                    </a:lnL>
+                    <a:lnR w="9525" cap="flat" cmpd="sng" algn="ctr">
+                      <a:solidFill>
+                        <a:srgbClr val="000000"/>
+                      </a:solidFill>
+                      <a:prstDash val="solid"/>
+                      <a:round/>
+                      <a:headEnd type="none" w="med" len="med"/>
+                      <a:tailEnd type="none" w="med" len="med"/>
+                    </a:lnR>
+                    <a:lnT w="9525" cap="flat" cmpd="sng" algn="ctr">
+                      <a:solidFill>
+                        <a:srgbClr val="000000"/>
+                      </a:solidFill>
+                      <a:prstDash val="solid"/>
+                      <a:round/>
+                      <a:headEnd type="none" w="med" len="med"/>
+                      <a:tailEnd type="none" w="med" len="med"/>
+                    </a:lnT>
+                    <a:lnB w="9525" cap="flat" cmpd="sng" algn="ctr">
+                      <a:solidFill>
+                        <a:srgbClr val="000000"/>
+                      </a:solidFill>
+                      <a:prstDash val="solid"/>
+                      <a:round/>
+                      <a:headEnd type="none" w="med" len="med"/>
+                      <a:tailEnd type="none" w="med" len="med"/>
+                    </a:lnB>
+                  </a:tcPr>
+                </a:tc>
+                <a:tc>
+                  <a:txBody>
+                    <a:bodyPr/>
+                    <a:lstStyle/>
+                    <a:p>
+                      <a:pPr rtl="0" fontAlgn="t">
+                        <a:spcBef>
+                          <a:spcPts val="0"/>
+                        </a:spcBef>
+                        <a:spcAft>
+                          <a:spcPts val="0"/>
+                        </a:spcAft>
+                      </a:pPr>
+                      <a:r>
+                        <a:rPr lang="en-US" sz="1400" b="1" i="0" u="none" strike="noStrike">
+                          <a:solidFill>
+                            <a:srgbClr val="000000"/>
+                          </a:solidFill>
+                          <a:effectLst/>
+                          <a:latin typeface="Arial" panose="020B0604020202020204" pitchFamily="34" charset="0"/>
+                        </a:rPr>
+                        <a:t>GPIO2</a:t>
+                      </a:r>
+                      <a:endParaRPr lang="en-US" sz="2000">
+                        <a:solidFill>
+                          <a:srgbClr val="000000"/>
+                        </a:solidFill>
+                        <a:effectLst/>
+                      </a:endParaRPr>
+                    </a:p>
+                  </a:txBody>
+                  <a:tcPr marL="42318" marR="42318" marT="42318" marB="42318">
+                    <a:lnL w="9525" cap="flat" cmpd="sng" algn="ctr">
+                      <a:solidFill>
+                        <a:srgbClr val="000000"/>
+                      </a:solidFill>
+                      <a:prstDash val="solid"/>
+                      <a:round/>
+                      <a:headEnd type="none" w="med" len="med"/>
+                      <a:tailEnd type="none" w="med" len="med"/>
+                    </a:lnL>
+                    <a:lnR w="9525" cap="flat" cmpd="sng" algn="ctr">
+                      <a:solidFill>
+                        <a:srgbClr val="000000"/>
+                      </a:solidFill>
+                      <a:prstDash val="solid"/>
+                      <a:round/>
+                      <a:headEnd type="none" w="med" len="med"/>
+                      <a:tailEnd type="none" w="med" len="med"/>
+                    </a:lnR>
+                    <a:lnT w="9525" cap="flat" cmpd="sng" algn="ctr">
+                      <a:solidFill>
+                        <a:srgbClr val="000000"/>
+                      </a:solidFill>
+                      <a:prstDash val="solid"/>
+                      <a:round/>
+                      <a:headEnd type="none" w="med" len="med"/>
+                      <a:tailEnd type="none" w="med" len="med"/>
+                    </a:lnT>
+                    <a:lnB w="9525" cap="flat" cmpd="sng" algn="ctr">
+                      <a:solidFill>
+                        <a:srgbClr val="000000"/>
+                      </a:solidFill>
+                      <a:prstDash val="solid"/>
+                      <a:round/>
+                      <a:headEnd type="none" w="med" len="med"/>
+                      <a:tailEnd type="none" w="med" len="med"/>
+                    </a:lnB>
+                  </a:tcPr>
+                </a:tc>
+                <a:tc>
+                  <a:txBody>
+                    <a:bodyPr/>
+                    <a:lstStyle/>
+                    <a:p>
+                      <a:pPr rtl="0" fontAlgn="t">
+                        <a:spcBef>
+                          <a:spcPts val="0"/>
+                        </a:spcBef>
+                        <a:spcAft>
+                          <a:spcPts val="0"/>
+                        </a:spcAft>
+                      </a:pPr>
+                      <a:r>
+                        <a:rPr lang="en-US" sz="1400" b="0" i="0" u="none" strike="noStrike">
+                          <a:solidFill>
+                            <a:srgbClr val="000000"/>
+                          </a:solidFill>
+                          <a:effectLst/>
+                          <a:latin typeface="Arial" panose="020B0604020202020204" pitchFamily="34" charset="0"/>
+                        </a:rPr>
+                        <a:t>pulled up</a:t>
+                      </a:r>
+                      <a:endParaRPr lang="en-US" sz="2000">
+                        <a:solidFill>
+                          <a:srgbClr val="000000"/>
+                        </a:solidFill>
+                        <a:effectLst/>
+                      </a:endParaRPr>
+                    </a:p>
+                  </a:txBody>
+                  <a:tcPr marL="42318" marR="42318" marT="42318" marB="42318">
+                    <a:lnL w="9525" cap="flat" cmpd="sng" algn="ctr">
+                      <a:solidFill>
+                        <a:srgbClr val="000000"/>
+                      </a:solidFill>
+                      <a:prstDash val="solid"/>
+                      <a:round/>
+                      <a:headEnd type="none" w="med" len="med"/>
+                      <a:tailEnd type="none" w="med" len="med"/>
+                    </a:lnL>
+                    <a:lnR w="9525" cap="flat" cmpd="sng" algn="ctr">
+                      <a:solidFill>
+                        <a:srgbClr val="000000"/>
+                      </a:solidFill>
+                      <a:prstDash val="solid"/>
+                      <a:round/>
+                      <a:headEnd type="none" w="med" len="med"/>
+                      <a:tailEnd type="none" w="med" len="med"/>
+                    </a:lnR>
+                    <a:lnT w="9525" cap="flat" cmpd="sng" algn="ctr">
+                      <a:solidFill>
+                        <a:srgbClr val="000000"/>
+                      </a:solidFill>
+                      <a:prstDash val="solid"/>
+                      <a:round/>
+                      <a:headEnd type="none" w="med" len="med"/>
+                      <a:tailEnd type="none" w="med" len="med"/>
+                    </a:lnT>
+                    <a:lnB w="9525" cap="flat" cmpd="sng" algn="ctr">
+                      <a:solidFill>
+                        <a:srgbClr val="000000"/>
+                      </a:solidFill>
+                      <a:prstDash val="solid"/>
+                      <a:round/>
+                      <a:headEnd type="none" w="med" len="med"/>
+                      <a:tailEnd type="none" w="med" len="med"/>
+                    </a:lnB>
+                  </a:tcPr>
+                </a:tc>
+                <a:tc>
+                  <a:txBody>
+                    <a:bodyPr/>
+                    <a:lstStyle/>
+                    <a:p>
+                      <a:pPr rtl="0" fontAlgn="t">
+                        <a:spcBef>
+                          <a:spcPts val="0"/>
+                        </a:spcBef>
+                        <a:spcAft>
+                          <a:spcPts val="0"/>
+                        </a:spcAft>
+                      </a:pPr>
+                      <a:r>
+                        <a:rPr lang="en-US" sz="1400" b="0" i="0" u="none" strike="noStrike" dirty="0">
+                          <a:solidFill>
+                            <a:srgbClr val="000000"/>
+                          </a:solidFill>
+                          <a:effectLst/>
+                          <a:highlight>
+                            <a:srgbClr val="00FF00"/>
+                          </a:highlight>
+                          <a:latin typeface="Arial" panose="020B0604020202020204" pitchFamily="34" charset="0"/>
+                        </a:rPr>
+                        <a:t>OK</a:t>
+                      </a:r>
+                      <a:endParaRPr lang="en-US" sz="2000" dirty="0">
+                        <a:solidFill>
+                          <a:srgbClr val="000000"/>
+                        </a:solidFill>
+                        <a:effectLst/>
+                        <a:highlight>
+                          <a:srgbClr val="00FF00"/>
+                        </a:highlight>
+                      </a:endParaRPr>
+                    </a:p>
+                  </a:txBody>
+                  <a:tcPr marL="42318" marR="42318" marT="42318" marB="42318">
+                    <a:lnL w="9525" cap="flat" cmpd="sng" algn="ctr">
+                      <a:solidFill>
+                        <a:srgbClr val="000000"/>
+                      </a:solidFill>
+                      <a:prstDash val="solid"/>
+                      <a:round/>
+                      <a:headEnd type="none" w="med" len="med"/>
+                      <a:tailEnd type="none" w="med" len="med"/>
+                    </a:lnL>
+                    <a:lnR w="9525" cap="flat" cmpd="sng" algn="ctr">
+                      <a:solidFill>
+                        <a:srgbClr val="000000"/>
+                      </a:solidFill>
+                      <a:prstDash val="solid"/>
+                      <a:round/>
+                      <a:headEnd type="none" w="med" len="med"/>
+                      <a:tailEnd type="none" w="med" len="med"/>
+                    </a:lnR>
+                    <a:lnT w="9525" cap="flat" cmpd="sng" algn="ctr">
+                      <a:solidFill>
+                        <a:srgbClr val="000000"/>
+                      </a:solidFill>
+                      <a:prstDash val="solid"/>
+                      <a:round/>
+                      <a:headEnd type="none" w="med" len="med"/>
+                      <a:tailEnd type="none" w="med" len="med"/>
+                    </a:lnT>
+                    <a:lnB w="9525" cap="flat" cmpd="sng" algn="ctr">
+                      <a:solidFill>
+                        <a:srgbClr val="000000"/>
+                      </a:solidFill>
+                      <a:prstDash val="solid"/>
+                      <a:round/>
+                      <a:headEnd type="none" w="med" len="med"/>
+                      <a:tailEnd type="none" w="med" len="med"/>
+                    </a:lnB>
+                  </a:tcPr>
+                </a:tc>
+                <a:tc>
+                  <a:txBody>
+                    <a:bodyPr/>
+                    <a:lstStyle/>
+                    <a:p>
+                      <a:pPr rtl="0" fontAlgn="t">
+                        <a:spcBef>
+                          <a:spcPts val="0"/>
+                        </a:spcBef>
+                        <a:spcAft>
+                          <a:spcPts val="0"/>
+                        </a:spcAft>
+                      </a:pPr>
+                      <a:r>
+                        <a:rPr lang="en-US" sz="1400" b="0" i="0" u="none" strike="noStrike" dirty="0">
+                          <a:solidFill>
+                            <a:srgbClr val="000000"/>
+                          </a:solidFill>
+                          <a:effectLst/>
+                          <a:highlight>
+                            <a:srgbClr val="FFFF00"/>
+                          </a:highlight>
+                          <a:latin typeface="Arial" panose="020B0604020202020204" pitchFamily="34" charset="0"/>
+                        </a:rPr>
+                        <a:t>HIGH at boot</a:t>
+                      </a:r>
+                      <a:endParaRPr lang="en-US" sz="2000" dirty="0">
+                        <a:solidFill>
+                          <a:srgbClr val="000000"/>
+                        </a:solidFill>
+                        <a:effectLst/>
+                        <a:highlight>
+                          <a:srgbClr val="FFFF00"/>
+                        </a:highlight>
+                      </a:endParaRPr>
+                    </a:p>
+                    <a:p>
+                      <a:pPr rtl="0" fontAlgn="t">
+                        <a:spcBef>
+                          <a:spcPts val="0"/>
+                        </a:spcBef>
+                        <a:spcAft>
+                          <a:spcPts val="0"/>
+                        </a:spcAft>
+                      </a:pPr>
+                      <a:r>
+                        <a:rPr lang="en-US" sz="1400" b="0" i="0" u="none" strike="noStrike" dirty="0">
+                          <a:solidFill>
+                            <a:srgbClr val="000000"/>
+                          </a:solidFill>
+                          <a:effectLst/>
+                          <a:latin typeface="Arial" panose="020B0604020202020204" pitchFamily="34" charset="0"/>
+                        </a:rPr>
+                        <a:t>connected to on-board LED, boot fails if pulled LOW</a:t>
+                      </a:r>
+                      <a:endParaRPr lang="en-US" sz="2000" dirty="0">
+                        <a:solidFill>
+                          <a:srgbClr val="000000"/>
+                        </a:solidFill>
+                        <a:effectLst/>
+                      </a:endParaRPr>
+                    </a:p>
+                  </a:txBody>
+                  <a:tcPr marL="42318" marR="42318" marT="42318" marB="42318">
+                    <a:lnL w="9525" cap="flat" cmpd="sng" algn="ctr">
+                      <a:solidFill>
+                        <a:srgbClr val="000000"/>
+                      </a:solidFill>
+                      <a:prstDash val="solid"/>
+                      <a:round/>
+                      <a:headEnd type="none" w="med" len="med"/>
+                      <a:tailEnd type="none" w="med" len="med"/>
+                    </a:lnL>
+                    <a:lnR w="9525" cap="flat" cmpd="sng" algn="ctr">
+                      <a:solidFill>
+                        <a:srgbClr val="000000"/>
+                      </a:solidFill>
+                      <a:prstDash val="solid"/>
+                      <a:round/>
+                      <a:headEnd type="none" w="med" len="med"/>
+                      <a:tailEnd type="none" w="med" len="med"/>
+                    </a:lnR>
+                    <a:lnT w="9525" cap="flat" cmpd="sng" algn="ctr">
+                      <a:solidFill>
+                        <a:srgbClr val="000000"/>
+                      </a:solidFill>
+                      <a:prstDash val="solid"/>
+                      <a:round/>
+                      <a:headEnd type="none" w="med" len="med"/>
+                      <a:tailEnd type="none" w="med" len="med"/>
+                    </a:lnT>
+                    <a:lnB w="9525" cap="flat" cmpd="sng" algn="ctr">
+                      <a:solidFill>
+                        <a:srgbClr val="000000"/>
+                      </a:solidFill>
+                      <a:prstDash val="solid"/>
+                      <a:round/>
+                      <a:headEnd type="none" w="med" len="med"/>
+                      <a:tailEnd type="none" w="med" len="med"/>
+                    </a:lnB>
+                  </a:tcPr>
+                </a:tc>
+                <a:extLst>
+                  <a:ext uri="{0D108BD9-81ED-4DB2-BD59-A6C34878D82A}">
+                    <a16:rowId xmlns:a16="http://schemas.microsoft.com/office/drawing/2014/main" val="2534856204"/>
+                  </a:ext>
+                </a:extLst>
+              </a:tr>
+              <a:tr h="298074">
+                <a:tc>
+                  <a:txBody>
+                    <a:bodyPr/>
+                    <a:lstStyle/>
+                    <a:p>
+                      <a:pPr rtl="0" fontAlgn="t">
+                        <a:spcBef>
+                          <a:spcPts val="0"/>
+                        </a:spcBef>
+                        <a:spcAft>
+                          <a:spcPts val="0"/>
+                        </a:spcAft>
+                      </a:pPr>
+                      <a:r>
+                        <a:rPr lang="en-US" sz="1400" b="1" i="0" u="none" strike="noStrike">
+                          <a:solidFill>
+                            <a:srgbClr val="000000"/>
+                          </a:solidFill>
+                          <a:effectLst/>
+                          <a:latin typeface="Arial" panose="020B0604020202020204" pitchFamily="34" charset="0"/>
+                        </a:rPr>
+                        <a:t>D5</a:t>
+                      </a:r>
+                      <a:endParaRPr lang="en-US" sz="2000">
+                        <a:solidFill>
+                          <a:srgbClr val="000000"/>
+                        </a:solidFill>
+                        <a:effectLst/>
+                      </a:endParaRPr>
+                    </a:p>
+                  </a:txBody>
+                  <a:tcPr marL="42318" marR="42318" marT="42318" marB="42318">
+                    <a:lnL w="12700" cap="flat" cmpd="sng" algn="ctr">
+                      <a:solidFill>
+                        <a:srgbClr val="000000"/>
+                      </a:solidFill>
+                      <a:prstDash val="solid"/>
+                      <a:round/>
+                      <a:headEnd type="none" w="med" len="med"/>
+                      <a:tailEnd type="none" w="med" len="med"/>
+                    </a:lnL>
+                    <a:lnR w="9525" cap="flat" cmpd="sng" algn="ctr">
+                      <a:solidFill>
+                        <a:srgbClr val="000000"/>
+                      </a:solidFill>
+                      <a:prstDash val="solid"/>
+                      <a:round/>
+                      <a:headEnd type="none" w="med" len="med"/>
+                      <a:tailEnd type="none" w="med" len="med"/>
+                    </a:lnR>
+                    <a:lnT w="9525" cap="flat" cmpd="sng" algn="ctr">
+                      <a:solidFill>
+                        <a:srgbClr val="000000"/>
+                      </a:solidFill>
+                      <a:prstDash val="solid"/>
+                      <a:round/>
+                      <a:headEnd type="none" w="med" len="med"/>
+                      <a:tailEnd type="none" w="med" len="med"/>
+                    </a:lnT>
+                    <a:lnB w="9525" cap="flat" cmpd="sng" algn="ctr">
+                      <a:solidFill>
+                        <a:srgbClr val="000000"/>
+                      </a:solidFill>
+                      <a:prstDash val="solid"/>
+                      <a:round/>
+                      <a:headEnd type="none" w="med" len="med"/>
+                      <a:tailEnd type="none" w="med" len="med"/>
+                    </a:lnB>
+                  </a:tcPr>
+                </a:tc>
+                <a:tc>
+                  <a:txBody>
+                    <a:bodyPr/>
+                    <a:lstStyle/>
+                    <a:p>
+                      <a:pPr rtl="0" fontAlgn="t">
+                        <a:spcBef>
+                          <a:spcPts val="0"/>
+                        </a:spcBef>
+                        <a:spcAft>
+                          <a:spcPts val="0"/>
+                        </a:spcAft>
+                      </a:pPr>
+                      <a:r>
+                        <a:rPr lang="en-US" sz="1400" b="1" i="0" u="none" strike="noStrike">
+                          <a:solidFill>
+                            <a:srgbClr val="000000"/>
+                          </a:solidFill>
+                          <a:effectLst/>
+                          <a:latin typeface="Arial" panose="020B0604020202020204" pitchFamily="34" charset="0"/>
+                        </a:rPr>
+                        <a:t>GPIO14</a:t>
+                      </a:r>
+                      <a:endParaRPr lang="en-US" sz="2000">
+                        <a:solidFill>
+                          <a:srgbClr val="000000"/>
+                        </a:solidFill>
+                        <a:effectLst/>
+                      </a:endParaRPr>
+                    </a:p>
+                  </a:txBody>
+                  <a:tcPr marL="42318" marR="42318" marT="42318" marB="42318">
+                    <a:lnL w="9525" cap="flat" cmpd="sng" algn="ctr">
+                      <a:solidFill>
+                        <a:srgbClr val="000000"/>
+                      </a:solidFill>
+                      <a:prstDash val="solid"/>
+                      <a:round/>
+                      <a:headEnd type="none" w="med" len="med"/>
+                      <a:tailEnd type="none" w="med" len="med"/>
+                    </a:lnL>
+                    <a:lnR w="9525" cap="flat" cmpd="sng" algn="ctr">
+                      <a:solidFill>
+                        <a:srgbClr val="000000"/>
+                      </a:solidFill>
+                      <a:prstDash val="solid"/>
+                      <a:round/>
+                      <a:headEnd type="none" w="med" len="med"/>
+                      <a:tailEnd type="none" w="med" len="med"/>
+                    </a:lnR>
+                    <a:lnT w="9525" cap="flat" cmpd="sng" algn="ctr">
+                      <a:solidFill>
+                        <a:srgbClr val="000000"/>
+                      </a:solidFill>
+                      <a:prstDash val="solid"/>
+                      <a:round/>
+                      <a:headEnd type="none" w="med" len="med"/>
+                      <a:tailEnd type="none" w="med" len="med"/>
+                    </a:lnT>
+                    <a:lnB w="9525" cap="flat" cmpd="sng" algn="ctr">
+                      <a:solidFill>
+                        <a:srgbClr val="000000"/>
+                      </a:solidFill>
+                      <a:prstDash val="solid"/>
+                      <a:round/>
+                      <a:headEnd type="none" w="med" len="med"/>
+                      <a:tailEnd type="none" w="med" len="med"/>
+                    </a:lnB>
+                  </a:tcPr>
+                </a:tc>
+                <a:tc>
+                  <a:txBody>
+                    <a:bodyPr/>
+                    <a:lstStyle/>
+                    <a:p>
+                      <a:pPr rtl="0" fontAlgn="t">
+                        <a:spcBef>
+                          <a:spcPts val="0"/>
+                        </a:spcBef>
+                        <a:spcAft>
+                          <a:spcPts val="0"/>
+                        </a:spcAft>
+                      </a:pPr>
+                      <a:r>
+                        <a:rPr lang="en-US" sz="1400" b="0" i="0" u="none" strike="noStrike" dirty="0">
+                          <a:solidFill>
+                            <a:srgbClr val="000000"/>
+                          </a:solidFill>
+                          <a:effectLst/>
+                          <a:highlight>
+                            <a:srgbClr val="00FF00"/>
+                          </a:highlight>
+                          <a:latin typeface="Arial" panose="020B0604020202020204" pitchFamily="34" charset="0"/>
+                        </a:rPr>
+                        <a:t>OK</a:t>
+                      </a:r>
+                      <a:endParaRPr lang="en-US" sz="2000" dirty="0">
+                        <a:solidFill>
+                          <a:srgbClr val="000000"/>
+                        </a:solidFill>
+                        <a:effectLst/>
+                        <a:highlight>
+                          <a:srgbClr val="00FF00"/>
+                        </a:highlight>
+                      </a:endParaRPr>
+                    </a:p>
+                  </a:txBody>
+                  <a:tcPr marL="42318" marR="42318" marT="42318" marB="42318">
+                    <a:lnL w="9525" cap="flat" cmpd="sng" algn="ctr">
+                      <a:solidFill>
+                        <a:srgbClr val="000000"/>
+                      </a:solidFill>
+                      <a:prstDash val="solid"/>
+                      <a:round/>
+                      <a:headEnd type="none" w="med" len="med"/>
+                      <a:tailEnd type="none" w="med" len="med"/>
+                    </a:lnL>
+                    <a:lnR w="9525" cap="flat" cmpd="sng" algn="ctr">
+                      <a:solidFill>
+                        <a:srgbClr val="000000"/>
+                      </a:solidFill>
+                      <a:prstDash val="solid"/>
+                      <a:round/>
+                      <a:headEnd type="none" w="med" len="med"/>
+                      <a:tailEnd type="none" w="med" len="med"/>
+                    </a:lnR>
+                    <a:lnT w="9525" cap="flat" cmpd="sng" algn="ctr">
+                      <a:solidFill>
+                        <a:srgbClr val="000000"/>
+                      </a:solidFill>
+                      <a:prstDash val="solid"/>
+                      <a:round/>
+                      <a:headEnd type="none" w="med" len="med"/>
+                      <a:tailEnd type="none" w="med" len="med"/>
+                    </a:lnT>
+                    <a:lnB w="9525" cap="flat" cmpd="sng" algn="ctr">
+                      <a:solidFill>
+                        <a:srgbClr val="000000"/>
+                      </a:solidFill>
+                      <a:prstDash val="solid"/>
+                      <a:round/>
+                      <a:headEnd type="none" w="med" len="med"/>
+                      <a:tailEnd type="none" w="med" len="med"/>
+                    </a:lnB>
+                  </a:tcPr>
+                </a:tc>
+                <a:tc>
+                  <a:txBody>
+                    <a:bodyPr/>
+                    <a:lstStyle/>
+                    <a:p>
+                      <a:pPr rtl="0" fontAlgn="t">
+                        <a:spcBef>
+                          <a:spcPts val="0"/>
+                        </a:spcBef>
+                        <a:spcAft>
+                          <a:spcPts val="0"/>
+                        </a:spcAft>
+                      </a:pPr>
+                      <a:r>
+                        <a:rPr lang="en-US" sz="1400" b="0" i="0" u="none" strike="noStrike" dirty="0">
+                          <a:solidFill>
+                            <a:srgbClr val="000000"/>
+                          </a:solidFill>
+                          <a:effectLst/>
+                          <a:highlight>
+                            <a:srgbClr val="00FF00"/>
+                          </a:highlight>
+                          <a:latin typeface="Arial" panose="020B0604020202020204" pitchFamily="34" charset="0"/>
+                        </a:rPr>
+                        <a:t>OK</a:t>
+                      </a:r>
+                      <a:endParaRPr lang="en-US" sz="2000" dirty="0">
+                        <a:solidFill>
+                          <a:srgbClr val="000000"/>
+                        </a:solidFill>
+                        <a:effectLst/>
+                        <a:highlight>
+                          <a:srgbClr val="00FF00"/>
+                        </a:highlight>
+                      </a:endParaRPr>
+                    </a:p>
+                  </a:txBody>
+                  <a:tcPr marL="42318" marR="42318" marT="42318" marB="42318">
+                    <a:lnL w="9525" cap="flat" cmpd="sng" algn="ctr">
+                      <a:solidFill>
+                        <a:srgbClr val="000000"/>
+                      </a:solidFill>
+                      <a:prstDash val="solid"/>
+                      <a:round/>
+                      <a:headEnd type="none" w="med" len="med"/>
+                      <a:tailEnd type="none" w="med" len="med"/>
+                    </a:lnL>
+                    <a:lnR w="9525" cap="flat" cmpd="sng" algn="ctr">
+                      <a:solidFill>
+                        <a:srgbClr val="000000"/>
+                      </a:solidFill>
+                      <a:prstDash val="solid"/>
+                      <a:round/>
+                      <a:headEnd type="none" w="med" len="med"/>
+                      <a:tailEnd type="none" w="med" len="med"/>
+                    </a:lnR>
+                    <a:lnT w="9525" cap="flat" cmpd="sng" algn="ctr">
+                      <a:solidFill>
+                        <a:srgbClr val="000000"/>
+                      </a:solidFill>
+                      <a:prstDash val="solid"/>
+                      <a:round/>
+                      <a:headEnd type="none" w="med" len="med"/>
+                      <a:tailEnd type="none" w="med" len="med"/>
+                    </a:lnT>
+                    <a:lnB w="9525" cap="flat" cmpd="sng" algn="ctr">
+                      <a:solidFill>
+                        <a:srgbClr val="000000"/>
+                      </a:solidFill>
+                      <a:prstDash val="solid"/>
+                      <a:round/>
+                      <a:headEnd type="none" w="med" len="med"/>
+                      <a:tailEnd type="none" w="med" len="med"/>
+                    </a:lnB>
+                  </a:tcPr>
+                </a:tc>
+                <a:tc>
+                  <a:txBody>
+                    <a:bodyPr/>
+                    <a:lstStyle/>
+                    <a:p>
+                      <a:pPr rtl="0" fontAlgn="t">
+                        <a:spcBef>
+                          <a:spcPts val="0"/>
+                        </a:spcBef>
+                        <a:spcAft>
+                          <a:spcPts val="0"/>
+                        </a:spcAft>
+                      </a:pPr>
+                      <a:r>
+                        <a:rPr lang="en-US" sz="1400" b="0" i="0" u="none" strike="noStrike" dirty="0">
+                          <a:solidFill>
+                            <a:srgbClr val="000000"/>
+                          </a:solidFill>
+                          <a:effectLst/>
+                          <a:highlight>
+                            <a:srgbClr val="00FFFF"/>
+                          </a:highlight>
+                          <a:latin typeface="Arial" panose="020B0604020202020204" pitchFamily="34" charset="0"/>
+                        </a:rPr>
+                        <a:t>SPI</a:t>
+                      </a:r>
+                      <a:r>
+                        <a:rPr lang="en-US" sz="1400" b="0" i="0" u="none" strike="noStrike" dirty="0">
+                          <a:solidFill>
+                            <a:srgbClr val="000000"/>
+                          </a:solidFill>
+                          <a:effectLst/>
+                          <a:latin typeface="Arial" panose="020B0604020202020204" pitchFamily="34" charset="0"/>
+                        </a:rPr>
+                        <a:t> (SCLK)</a:t>
+                      </a:r>
+                      <a:endParaRPr lang="en-US" sz="2000" dirty="0">
+                        <a:solidFill>
+                          <a:srgbClr val="000000"/>
+                        </a:solidFill>
+                        <a:effectLst/>
+                      </a:endParaRPr>
+                    </a:p>
+                  </a:txBody>
+                  <a:tcPr marL="42318" marR="42318" marT="42318" marB="42318">
+                    <a:lnL w="9525" cap="flat" cmpd="sng" algn="ctr">
+                      <a:solidFill>
+                        <a:srgbClr val="000000"/>
+                      </a:solidFill>
+                      <a:prstDash val="solid"/>
+                      <a:round/>
+                      <a:headEnd type="none" w="med" len="med"/>
+                      <a:tailEnd type="none" w="med" len="med"/>
+                    </a:lnL>
+                    <a:lnR w="9525" cap="flat" cmpd="sng" algn="ctr">
+                      <a:solidFill>
+                        <a:srgbClr val="000000"/>
+                      </a:solidFill>
+                      <a:prstDash val="solid"/>
+                      <a:round/>
+                      <a:headEnd type="none" w="med" len="med"/>
+                      <a:tailEnd type="none" w="med" len="med"/>
+                    </a:lnR>
+                    <a:lnT w="9525" cap="flat" cmpd="sng" algn="ctr">
+                      <a:solidFill>
+                        <a:srgbClr val="000000"/>
+                      </a:solidFill>
+                      <a:prstDash val="solid"/>
+                      <a:round/>
+                      <a:headEnd type="none" w="med" len="med"/>
+                      <a:tailEnd type="none" w="med" len="med"/>
+                    </a:lnT>
+                    <a:lnB w="9525" cap="flat" cmpd="sng" algn="ctr">
+                      <a:solidFill>
+                        <a:srgbClr val="000000"/>
+                      </a:solidFill>
+                      <a:prstDash val="solid"/>
+                      <a:round/>
+                      <a:headEnd type="none" w="med" len="med"/>
+                      <a:tailEnd type="none" w="med" len="med"/>
+                    </a:lnB>
+                  </a:tcPr>
+                </a:tc>
+                <a:extLst>
+                  <a:ext uri="{0D108BD9-81ED-4DB2-BD59-A6C34878D82A}">
+                    <a16:rowId xmlns:a16="http://schemas.microsoft.com/office/drawing/2014/main" val="2592937326"/>
+                  </a:ext>
+                </a:extLst>
+              </a:tr>
+              <a:tr h="298074">
+                <a:tc>
+                  <a:txBody>
+                    <a:bodyPr/>
+                    <a:lstStyle/>
+                    <a:p>
+                      <a:pPr rtl="0" fontAlgn="t">
+                        <a:spcBef>
+                          <a:spcPts val="0"/>
+                        </a:spcBef>
+                        <a:spcAft>
+                          <a:spcPts val="0"/>
+                        </a:spcAft>
+                      </a:pPr>
+                      <a:r>
+                        <a:rPr lang="en-US" sz="1400" b="1" i="0" u="none" strike="noStrike">
+                          <a:solidFill>
+                            <a:srgbClr val="000000"/>
+                          </a:solidFill>
+                          <a:effectLst/>
+                          <a:latin typeface="Arial" panose="020B0604020202020204" pitchFamily="34" charset="0"/>
+                        </a:rPr>
+                        <a:t>D6</a:t>
+                      </a:r>
+                      <a:endParaRPr lang="en-US" sz="2000">
+                        <a:solidFill>
+                          <a:srgbClr val="000000"/>
+                        </a:solidFill>
+                        <a:effectLst/>
+                      </a:endParaRPr>
+                    </a:p>
+                  </a:txBody>
+                  <a:tcPr marL="42318" marR="42318" marT="42318" marB="42318">
+                    <a:lnL w="12700" cap="flat" cmpd="sng" algn="ctr">
+                      <a:solidFill>
+                        <a:srgbClr val="000000"/>
+                      </a:solidFill>
+                      <a:prstDash val="solid"/>
+                      <a:round/>
+                      <a:headEnd type="none" w="med" len="med"/>
+                      <a:tailEnd type="none" w="med" len="med"/>
+                    </a:lnL>
+                    <a:lnR w="9525" cap="flat" cmpd="sng" algn="ctr">
+                      <a:solidFill>
+                        <a:srgbClr val="000000"/>
+                      </a:solidFill>
+                      <a:prstDash val="solid"/>
+                      <a:round/>
+                      <a:headEnd type="none" w="med" len="med"/>
+                      <a:tailEnd type="none" w="med" len="med"/>
+                    </a:lnR>
+                    <a:lnT w="9525" cap="flat" cmpd="sng" algn="ctr">
+                      <a:solidFill>
+                        <a:srgbClr val="000000"/>
+                      </a:solidFill>
+                      <a:prstDash val="solid"/>
+                      <a:round/>
+                      <a:headEnd type="none" w="med" len="med"/>
+                      <a:tailEnd type="none" w="med" len="med"/>
+                    </a:lnT>
+                    <a:lnB w="9525" cap="flat" cmpd="sng" algn="ctr">
+                      <a:solidFill>
+                        <a:srgbClr val="000000"/>
+                      </a:solidFill>
+                      <a:prstDash val="solid"/>
+                      <a:round/>
+                      <a:headEnd type="none" w="med" len="med"/>
+                      <a:tailEnd type="none" w="med" len="med"/>
+                    </a:lnB>
+                  </a:tcPr>
+                </a:tc>
+                <a:tc>
+                  <a:txBody>
+                    <a:bodyPr/>
+                    <a:lstStyle/>
+                    <a:p>
+                      <a:pPr rtl="0" fontAlgn="t">
+                        <a:spcBef>
+                          <a:spcPts val="0"/>
+                        </a:spcBef>
+                        <a:spcAft>
+                          <a:spcPts val="0"/>
+                        </a:spcAft>
+                      </a:pPr>
+                      <a:r>
+                        <a:rPr lang="en-US" sz="1400" b="1" i="0" u="none" strike="noStrike">
+                          <a:solidFill>
+                            <a:srgbClr val="000000"/>
+                          </a:solidFill>
+                          <a:effectLst/>
+                          <a:latin typeface="Arial" panose="020B0604020202020204" pitchFamily="34" charset="0"/>
+                        </a:rPr>
+                        <a:t>GPIO12</a:t>
+                      </a:r>
+                      <a:endParaRPr lang="en-US" sz="2000">
+                        <a:solidFill>
+                          <a:srgbClr val="000000"/>
+                        </a:solidFill>
+                        <a:effectLst/>
+                      </a:endParaRPr>
+                    </a:p>
+                  </a:txBody>
+                  <a:tcPr marL="42318" marR="42318" marT="42318" marB="42318">
+                    <a:lnL w="9525" cap="flat" cmpd="sng" algn="ctr">
+                      <a:solidFill>
+                        <a:srgbClr val="000000"/>
+                      </a:solidFill>
+                      <a:prstDash val="solid"/>
+                      <a:round/>
+                      <a:headEnd type="none" w="med" len="med"/>
+                      <a:tailEnd type="none" w="med" len="med"/>
+                    </a:lnL>
+                    <a:lnR w="9525" cap="flat" cmpd="sng" algn="ctr">
+                      <a:solidFill>
+                        <a:srgbClr val="000000"/>
+                      </a:solidFill>
+                      <a:prstDash val="solid"/>
+                      <a:round/>
+                      <a:headEnd type="none" w="med" len="med"/>
+                      <a:tailEnd type="none" w="med" len="med"/>
+                    </a:lnR>
+                    <a:lnT w="9525" cap="flat" cmpd="sng" algn="ctr">
+                      <a:solidFill>
+                        <a:srgbClr val="000000"/>
+                      </a:solidFill>
+                      <a:prstDash val="solid"/>
+                      <a:round/>
+                      <a:headEnd type="none" w="med" len="med"/>
+                      <a:tailEnd type="none" w="med" len="med"/>
+                    </a:lnT>
+                    <a:lnB w="9525" cap="flat" cmpd="sng" algn="ctr">
+                      <a:solidFill>
+                        <a:srgbClr val="000000"/>
+                      </a:solidFill>
+                      <a:prstDash val="solid"/>
+                      <a:round/>
+                      <a:headEnd type="none" w="med" len="med"/>
+                      <a:tailEnd type="none" w="med" len="med"/>
+                    </a:lnB>
+                  </a:tcPr>
+                </a:tc>
+                <a:tc>
+                  <a:txBody>
+                    <a:bodyPr/>
+                    <a:lstStyle/>
+                    <a:p>
+                      <a:pPr rtl="0" fontAlgn="t">
+                        <a:spcBef>
+                          <a:spcPts val="0"/>
+                        </a:spcBef>
+                        <a:spcAft>
+                          <a:spcPts val="0"/>
+                        </a:spcAft>
+                      </a:pPr>
+                      <a:r>
+                        <a:rPr lang="en-US" sz="1400" b="0" i="0" u="none" strike="noStrike" dirty="0">
+                          <a:solidFill>
+                            <a:srgbClr val="000000"/>
+                          </a:solidFill>
+                          <a:effectLst/>
+                          <a:highlight>
+                            <a:srgbClr val="00FF00"/>
+                          </a:highlight>
+                          <a:latin typeface="Arial" panose="020B0604020202020204" pitchFamily="34" charset="0"/>
+                        </a:rPr>
+                        <a:t>OK</a:t>
+                      </a:r>
+                      <a:endParaRPr lang="en-US" sz="2000" dirty="0">
+                        <a:solidFill>
+                          <a:srgbClr val="000000"/>
+                        </a:solidFill>
+                        <a:effectLst/>
+                        <a:highlight>
+                          <a:srgbClr val="00FF00"/>
+                        </a:highlight>
+                      </a:endParaRPr>
+                    </a:p>
+                  </a:txBody>
+                  <a:tcPr marL="42318" marR="42318" marT="42318" marB="42318">
+                    <a:lnL w="9525" cap="flat" cmpd="sng" algn="ctr">
+                      <a:solidFill>
+                        <a:srgbClr val="000000"/>
+                      </a:solidFill>
+                      <a:prstDash val="solid"/>
+                      <a:round/>
+                      <a:headEnd type="none" w="med" len="med"/>
+                      <a:tailEnd type="none" w="med" len="med"/>
+                    </a:lnL>
+                    <a:lnR w="9525" cap="flat" cmpd="sng" algn="ctr">
+                      <a:solidFill>
+                        <a:srgbClr val="000000"/>
+                      </a:solidFill>
+                      <a:prstDash val="solid"/>
+                      <a:round/>
+                      <a:headEnd type="none" w="med" len="med"/>
+                      <a:tailEnd type="none" w="med" len="med"/>
+                    </a:lnR>
+                    <a:lnT w="9525" cap="flat" cmpd="sng" algn="ctr">
+                      <a:solidFill>
+                        <a:srgbClr val="000000"/>
+                      </a:solidFill>
+                      <a:prstDash val="solid"/>
+                      <a:round/>
+                      <a:headEnd type="none" w="med" len="med"/>
+                      <a:tailEnd type="none" w="med" len="med"/>
+                    </a:lnT>
+                    <a:lnB w="9525" cap="flat" cmpd="sng" algn="ctr">
+                      <a:solidFill>
+                        <a:srgbClr val="000000"/>
+                      </a:solidFill>
+                      <a:prstDash val="solid"/>
+                      <a:round/>
+                      <a:headEnd type="none" w="med" len="med"/>
+                      <a:tailEnd type="none" w="med" len="med"/>
+                    </a:lnB>
+                  </a:tcPr>
+                </a:tc>
+                <a:tc>
+                  <a:txBody>
+                    <a:bodyPr/>
+                    <a:lstStyle/>
+                    <a:p>
+                      <a:pPr rtl="0" fontAlgn="t">
+                        <a:spcBef>
+                          <a:spcPts val="0"/>
+                        </a:spcBef>
+                        <a:spcAft>
+                          <a:spcPts val="0"/>
+                        </a:spcAft>
+                      </a:pPr>
+                      <a:r>
+                        <a:rPr lang="en-US" sz="1400" b="0" i="0" u="none" strike="noStrike" dirty="0">
+                          <a:solidFill>
+                            <a:srgbClr val="000000"/>
+                          </a:solidFill>
+                          <a:effectLst/>
+                          <a:highlight>
+                            <a:srgbClr val="00FF00"/>
+                          </a:highlight>
+                          <a:latin typeface="Arial" panose="020B0604020202020204" pitchFamily="34" charset="0"/>
+                        </a:rPr>
+                        <a:t>OK</a:t>
+                      </a:r>
+                      <a:endParaRPr lang="en-US" sz="2000" dirty="0">
+                        <a:solidFill>
+                          <a:srgbClr val="000000"/>
+                        </a:solidFill>
+                        <a:effectLst/>
+                        <a:highlight>
+                          <a:srgbClr val="00FF00"/>
+                        </a:highlight>
+                      </a:endParaRPr>
+                    </a:p>
+                  </a:txBody>
+                  <a:tcPr marL="42318" marR="42318" marT="42318" marB="42318">
+                    <a:lnL w="9525" cap="flat" cmpd="sng" algn="ctr">
+                      <a:solidFill>
+                        <a:srgbClr val="000000"/>
+                      </a:solidFill>
+                      <a:prstDash val="solid"/>
+                      <a:round/>
+                      <a:headEnd type="none" w="med" len="med"/>
+                      <a:tailEnd type="none" w="med" len="med"/>
+                    </a:lnL>
+                    <a:lnR w="9525" cap="flat" cmpd="sng" algn="ctr">
+                      <a:solidFill>
+                        <a:srgbClr val="000000"/>
+                      </a:solidFill>
+                      <a:prstDash val="solid"/>
+                      <a:round/>
+                      <a:headEnd type="none" w="med" len="med"/>
+                      <a:tailEnd type="none" w="med" len="med"/>
+                    </a:lnR>
+                    <a:lnT w="9525" cap="flat" cmpd="sng" algn="ctr">
+                      <a:solidFill>
+                        <a:srgbClr val="000000"/>
+                      </a:solidFill>
+                      <a:prstDash val="solid"/>
+                      <a:round/>
+                      <a:headEnd type="none" w="med" len="med"/>
+                      <a:tailEnd type="none" w="med" len="med"/>
+                    </a:lnT>
+                    <a:lnB w="9525" cap="flat" cmpd="sng" algn="ctr">
+                      <a:solidFill>
+                        <a:srgbClr val="000000"/>
+                      </a:solidFill>
+                      <a:prstDash val="solid"/>
+                      <a:round/>
+                      <a:headEnd type="none" w="med" len="med"/>
+                      <a:tailEnd type="none" w="med" len="med"/>
+                    </a:lnB>
+                  </a:tcPr>
+                </a:tc>
+                <a:tc>
+                  <a:txBody>
+                    <a:bodyPr/>
+                    <a:lstStyle/>
+                    <a:p>
+                      <a:pPr rtl="0" fontAlgn="t">
+                        <a:spcBef>
+                          <a:spcPts val="0"/>
+                        </a:spcBef>
+                        <a:spcAft>
+                          <a:spcPts val="0"/>
+                        </a:spcAft>
+                      </a:pPr>
+                      <a:r>
+                        <a:rPr lang="en-US" sz="1400" b="0" i="0" u="none" strike="noStrike" dirty="0">
+                          <a:solidFill>
+                            <a:srgbClr val="000000"/>
+                          </a:solidFill>
+                          <a:effectLst/>
+                          <a:highlight>
+                            <a:srgbClr val="00FFFF"/>
+                          </a:highlight>
+                          <a:latin typeface="Arial" panose="020B0604020202020204" pitchFamily="34" charset="0"/>
+                        </a:rPr>
+                        <a:t>SPI</a:t>
+                      </a:r>
+                      <a:r>
+                        <a:rPr lang="en-US" sz="1400" b="0" i="0" u="none" strike="noStrike" dirty="0">
+                          <a:solidFill>
+                            <a:srgbClr val="000000"/>
+                          </a:solidFill>
+                          <a:effectLst/>
+                          <a:latin typeface="Arial" panose="020B0604020202020204" pitchFamily="34" charset="0"/>
+                        </a:rPr>
+                        <a:t> (MISO)</a:t>
+                      </a:r>
+                      <a:endParaRPr lang="en-US" sz="2000" dirty="0">
+                        <a:solidFill>
+                          <a:srgbClr val="000000"/>
+                        </a:solidFill>
+                        <a:effectLst/>
+                      </a:endParaRPr>
+                    </a:p>
+                  </a:txBody>
+                  <a:tcPr marL="42318" marR="42318" marT="42318" marB="42318">
+                    <a:lnL w="9525" cap="flat" cmpd="sng" algn="ctr">
+                      <a:solidFill>
+                        <a:srgbClr val="000000"/>
+                      </a:solidFill>
+                      <a:prstDash val="solid"/>
+                      <a:round/>
+                      <a:headEnd type="none" w="med" len="med"/>
+                      <a:tailEnd type="none" w="med" len="med"/>
+                    </a:lnL>
+                    <a:lnR w="9525" cap="flat" cmpd="sng" algn="ctr">
+                      <a:solidFill>
+                        <a:srgbClr val="000000"/>
+                      </a:solidFill>
+                      <a:prstDash val="solid"/>
+                      <a:round/>
+                      <a:headEnd type="none" w="med" len="med"/>
+                      <a:tailEnd type="none" w="med" len="med"/>
+                    </a:lnR>
+                    <a:lnT w="9525" cap="flat" cmpd="sng" algn="ctr">
+                      <a:solidFill>
+                        <a:srgbClr val="000000"/>
+                      </a:solidFill>
+                      <a:prstDash val="solid"/>
+                      <a:round/>
+                      <a:headEnd type="none" w="med" len="med"/>
+                      <a:tailEnd type="none" w="med" len="med"/>
+                    </a:lnT>
+                    <a:lnB w="9525" cap="flat" cmpd="sng" algn="ctr">
+                      <a:solidFill>
+                        <a:srgbClr val="000000"/>
+                      </a:solidFill>
+                      <a:prstDash val="solid"/>
+                      <a:round/>
+                      <a:headEnd type="none" w="med" len="med"/>
+                      <a:tailEnd type="none" w="med" len="med"/>
+                    </a:lnB>
+                  </a:tcPr>
+                </a:tc>
+                <a:extLst>
+                  <a:ext uri="{0D108BD9-81ED-4DB2-BD59-A6C34878D82A}">
+                    <a16:rowId xmlns:a16="http://schemas.microsoft.com/office/drawing/2014/main" val="2642476722"/>
+                  </a:ext>
+                </a:extLst>
+              </a:tr>
+              <a:tr h="298074">
+                <a:tc>
+                  <a:txBody>
+                    <a:bodyPr/>
+                    <a:lstStyle/>
+                    <a:p>
+                      <a:pPr rtl="0" fontAlgn="t">
+                        <a:spcBef>
+                          <a:spcPts val="0"/>
+                        </a:spcBef>
+                        <a:spcAft>
+                          <a:spcPts val="0"/>
+                        </a:spcAft>
+                      </a:pPr>
+                      <a:r>
+                        <a:rPr lang="en-US" sz="1400" b="1" i="0" u="none" strike="noStrike">
+                          <a:solidFill>
+                            <a:srgbClr val="000000"/>
+                          </a:solidFill>
+                          <a:effectLst/>
+                          <a:latin typeface="Arial" panose="020B0604020202020204" pitchFamily="34" charset="0"/>
+                        </a:rPr>
+                        <a:t>D7</a:t>
+                      </a:r>
+                      <a:endParaRPr lang="en-US" sz="2000">
+                        <a:solidFill>
+                          <a:srgbClr val="000000"/>
+                        </a:solidFill>
+                        <a:effectLst/>
+                      </a:endParaRPr>
+                    </a:p>
+                  </a:txBody>
+                  <a:tcPr marL="42318" marR="42318" marT="42318" marB="42318">
+                    <a:lnL w="12700" cap="flat" cmpd="sng" algn="ctr">
+                      <a:solidFill>
+                        <a:srgbClr val="000000"/>
+                      </a:solidFill>
+                      <a:prstDash val="solid"/>
+                      <a:round/>
+                      <a:headEnd type="none" w="med" len="med"/>
+                      <a:tailEnd type="none" w="med" len="med"/>
+                    </a:lnL>
+                    <a:lnR w="9525" cap="flat" cmpd="sng" algn="ctr">
+                      <a:solidFill>
+                        <a:srgbClr val="000000"/>
+                      </a:solidFill>
+                      <a:prstDash val="solid"/>
+                      <a:round/>
+                      <a:headEnd type="none" w="med" len="med"/>
+                      <a:tailEnd type="none" w="med" len="med"/>
+                    </a:lnR>
+                    <a:lnT w="9525" cap="flat" cmpd="sng" algn="ctr">
+                      <a:solidFill>
+                        <a:srgbClr val="000000"/>
+                      </a:solidFill>
+                      <a:prstDash val="solid"/>
+                      <a:round/>
+                      <a:headEnd type="none" w="med" len="med"/>
+                      <a:tailEnd type="none" w="med" len="med"/>
+                    </a:lnT>
+                    <a:lnB w="9525" cap="flat" cmpd="sng" algn="ctr">
+                      <a:solidFill>
+                        <a:srgbClr val="000000"/>
+                      </a:solidFill>
+                      <a:prstDash val="solid"/>
+                      <a:round/>
+                      <a:headEnd type="none" w="med" len="med"/>
+                      <a:tailEnd type="none" w="med" len="med"/>
+                    </a:lnB>
+                  </a:tcPr>
+                </a:tc>
+                <a:tc>
+                  <a:txBody>
+                    <a:bodyPr/>
+                    <a:lstStyle/>
+                    <a:p>
+                      <a:pPr rtl="0" fontAlgn="t">
+                        <a:spcBef>
+                          <a:spcPts val="0"/>
+                        </a:spcBef>
+                        <a:spcAft>
+                          <a:spcPts val="0"/>
+                        </a:spcAft>
+                      </a:pPr>
+                      <a:r>
+                        <a:rPr lang="en-US" sz="1400" b="1" i="0" u="none" strike="noStrike">
+                          <a:solidFill>
+                            <a:srgbClr val="000000"/>
+                          </a:solidFill>
+                          <a:effectLst/>
+                          <a:latin typeface="Arial" panose="020B0604020202020204" pitchFamily="34" charset="0"/>
+                        </a:rPr>
+                        <a:t>GPIO13</a:t>
+                      </a:r>
+                      <a:endParaRPr lang="en-US" sz="2000">
+                        <a:solidFill>
+                          <a:srgbClr val="000000"/>
+                        </a:solidFill>
+                        <a:effectLst/>
+                      </a:endParaRPr>
+                    </a:p>
+                  </a:txBody>
+                  <a:tcPr marL="42318" marR="42318" marT="42318" marB="42318">
+                    <a:lnL w="9525" cap="flat" cmpd="sng" algn="ctr">
+                      <a:solidFill>
+                        <a:srgbClr val="000000"/>
+                      </a:solidFill>
+                      <a:prstDash val="solid"/>
+                      <a:round/>
+                      <a:headEnd type="none" w="med" len="med"/>
+                      <a:tailEnd type="none" w="med" len="med"/>
+                    </a:lnL>
+                    <a:lnR w="9525" cap="flat" cmpd="sng" algn="ctr">
+                      <a:solidFill>
+                        <a:srgbClr val="000000"/>
+                      </a:solidFill>
+                      <a:prstDash val="solid"/>
+                      <a:round/>
+                      <a:headEnd type="none" w="med" len="med"/>
+                      <a:tailEnd type="none" w="med" len="med"/>
+                    </a:lnR>
+                    <a:lnT w="9525" cap="flat" cmpd="sng" algn="ctr">
+                      <a:solidFill>
+                        <a:srgbClr val="000000"/>
+                      </a:solidFill>
+                      <a:prstDash val="solid"/>
+                      <a:round/>
+                      <a:headEnd type="none" w="med" len="med"/>
+                      <a:tailEnd type="none" w="med" len="med"/>
+                    </a:lnT>
+                    <a:lnB w="9525" cap="flat" cmpd="sng" algn="ctr">
+                      <a:solidFill>
+                        <a:srgbClr val="000000"/>
+                      </a:solidFill>
+                      <a:prstDash val="solid"/>
+                      <a:round/>
+                      <a:headEnd type="none" w="med" len="med"/>
+                      <a:tailEnd type="none" w="med" len="med"/>
+                    </a:lnB>
+                  </a:tcPr>
+                </a:tc>
+                <a:tc>
+                  <a:txBody>
+                    <a:bodyPr/>
+                    <a:lstStyle/>
+                    <a:p>
+                      <a:pPr rtl="0" fontAlgn="t">
+                        <a:spcBef>
+                          <a:spcPts val="0"/>
+                        </a:spcBef>
+                        <a:spcAft>
+                          <a:spcPts val="0"/>
+                        </a:spcAft>
+                      </a:pPr>
+                      <a:r>
+                        <a:rPr lang="en-US" sz="1400" b="0" i="0" u="none" strike="noStrike" dirty="0">
+                          <a:solidFill>
+                            <a:srgbClr val="000000"/>
+                          </a:solidFill>
+                          <a:effectLst/>
+                          <a:highlight>
+                            <a:srgbClr val="00FF00"/>
+                          </a:highlight>
+                          <a:latin typeface="Arial" panose="020B0604020202020204" pitchFamily="34" charset="0"/>
+                        </a:rPr>
+                        <a:t>OK</a:t>
+                      </a:r>
+                      <a:endParaRPr lang="en-US" sz="2000" dirty="0">
+                        <a:solidFill>
+                          <a:srgbClr val="000000"/>
+                        </a:solidFill>
+                        <a:effectLst/>
+                        <a:highlight>
+                          <a:srgbClr val="00FF00"/>
+                        </a:highlight>
+                      </a:endParaRPr>
+                    </a:p>
+                  </a:txBody>
+                  <a:tcPr marL="42318" marR="42318" marT="42318" marB="42318">
+                    <a:lnL w="9525" cap="flat" cmpd="sng" algn="ctr">
+                      <a:solidFill>
+                        <a:srgbClr val="000000"/>
+                      </a:solidFill>
+                      <a:prstDash val="solid"/>
+                      <a:round/>
+                      <a:headEnd type="none" w="med" len="med"/>
+                      <a:tailEnd type="none" w="med" len="med"/>
+                    </a:lnL>
+                    <a:lnR w="9525" cap="flat" cmpd="sng" algn="ctr">
+                      <a:solidFill>
+                        <a:srgbClr val="000000"/>
+                      </a:solidFill>
+                      <a:prstDash val="solid"/>
+                      <a:round/>
+                      <a:headEnd type="none" w="med" len="med"/>
+                      <a:tailEnd type="none" w="med" len="med"/>
+                    </a:lnR>
+                    <a:lnT w="9525" cap="flat" cmpd="sng" algn="ctr">
+                      <a:solidFill>
+                        <a:srgbClr val="000000"/>
+                      </a:solidFill>
+                      <a:prstDash val="solid"/>
+                      <a:round/>
+                      <a:headEnd type="none" w="med" len="med"/>
+                      <a:tailEnd type="none" w="med" len="med"/>
+                    </a:lnT>
+                    <a:lnB w="9525" cap="flat" cmpd="sng" algn="ctr">
+                      <a:solidFill>
+                        <a:srgbClr val="000000"/>
+                      </a:solidFill>
+                      <a:prstDash val="solid"/>
+                      <a:round/>
+                      <a:headEnd type="none" w="med" len="med"/>
+                      <a:tailEnd type="none" w="med" len="med"/>
+                    </a:lnB>
+                  </a:tcPr>
+                </a:tc>
+                <a:tc>
+                  <a:txBody>
+                    <a:bodyPr/>
+                    <a:lstStyle/>
+                    <a:p>
+                      <a:pPr rtl="0" fontAlgn="t">
+                        <a:spcBef>
+                          <a:spcPts val="0"/>
+                        </a:spcBef>
+                        <a:spcAft>
+                          <a:spcPts val="0"/>
+                        </a:spcAft>
+                      </a:pPr>
+                      <a:r>
+                        <a:rPr lang="en-US" sz="1400" b="0" i="0" u="none" strike="noStrike" dirty="0">
+                          <a:solidFill>
+                            <a:srgbClr val="000000"/>
+                          </a:solidFill>
+                          <a:effectLst/>
+                          <a:highlight>
+                            <a:srgbClr val="00FF00"/>
+                          </a:highlight>
+                          <a:latin typeface="Arial" panose="020B0604020202020204" pitchFamily="34" charset="0"/>
+                        </a:rPr>
+                        <a:t>OK</a:t>
+                      </a:r>
+                      <a:endParaRPr lang="en-US" sz="2000" dirty="0">
+                        <a:solidFill>
+                          <a:srgbClr val="000000"/>
+                        </a:solidFill>
+                        <a:effectLst/>
+                        <a:highlight>
+                          <a:srgbClr val="00FF00"/>
+                        </a:highlight>
+                      </a:endParaRPr>
+                    </a:p>
+                  </a:txBody>
+                  <a:tcPr marL="42318" marR="42318" marT="42318" marB="42318">
+                    <a:lnL w="9525" cap="flat" cmpd="sng" algn="ctr">
+                      <a:solidFill>
+                        <a:srgbClr val="000000"/>
+                      </a:solidFill>
+                      <a:prstDash val="solid"/>
+                      <a:round/>
+                      <a:headEnd type="none" w="med" len="med"/>
+                      <a:tailEnd type="none" w="med" len="med"/>
+                    </a:lnL>
+                    <a:lnR w="9525" cap="flat" cmpd="sng" algn="ctr">
+                      <a:solidFill>
+                        <a:srgbClr val="000000"/>
+                      </a:solidFill>
+                      <a:prstDash val="solid"/>
+                      <a:round/>
+                      <a:headEnd type="none" w="med" len="med"/>
+                      <a:tailEnd type="none" w="med" len="med"/>
+                    </a:lnR>
+                    <a:lnT w="9525" cap="flat" cmpd="sng" algn="ctr">
+                      <a:solidFill>
+                        <a:srgbClr val="000000"/>
+                      </a:solidFill>
+                      <a:prstDash val="solid"/>
+                      <a:round/>
+                      <a:headEnd type="none" w="med" len="med"/>
+                      <a:tailEnd type="none" w="med" len="med"/>
+                    </a:lnT>
+                    <a:lnB w="9525" cap="flat" cmpd="sng" algn="ctr">
+                      <a:solidFill>
+                        <a:srgbClr val="000000"/>
+                      </a:solidFill>
+                      <a:prstDash val="solid"/>
+                      <a:round/>
+                      <a:headEnd type="none" w="med" len="med"/>
+                      <a:tailEnd type="none" w="med" len="med"/>
+                    </a:lnB>
+                  </a:tcPr>
+                </a:tc>
+                <a:tc>
+                  <a:txBody>
+                    <a:bodyPr/>
+                    <a:lstStyle/>
+                    <a:p>
+                      <a:pPr rtl="0" fontAlgn="t">
+                        <a:spcBef>
+                          <a:spcPts val="0"/>
+                        </a:spcBef>
+                        <a:spcAft>
+                          <a:spcPts val="0"/>
+                        </a:spcAft>
+                      </a:pPr>
+                      <a:r>
+                        <a:rPr lang="en-US" sz="1400" b="0" i="0" u="none" strike="noStrike" dirty="0">
+                          <a:solidFill>
+                            <a:srgbClr val="000000"/>
+                          </a:solidFill>
+                          <a:effectLst/>
+                          <a:highlight>
+                            <a:srgbClr val="00FFFF"/>
+                          </a:highlight>
+                          <a:latin typeface="Arial" panose="020B0604020202020204" pitchFamily="34" charset="0"/>
+                        </a:rPr>
+                        <a:t>SPI</a:t>
+                      </a:r>
+                      <a:r>
+                        <a:rPr lang="en-US" sz="1400" b="0" i="0" u="none" strike="noStrike" dirty="0">
+                          <a:solidFill>
+                            <a:srgbClr val="000000"/>
+                          </a:solidFill>
+                          <a:effectLst/>
+                          <a:latin typeface="Arial" panose="020B0604020202020204" pitchFamily="34" charset="0"/>
+                        </a:rPr>
+                        <a:t> (MOSI)</a:t>
+                      </a:r>
+                      <a:endParaRPr lang="en-US" sz="2000" dirty="0">
+                        <a:solidFill>
+                          <a:srgbClr val="000000"/>
+                        </a:solidFill>
+                        <a:effectLst/>
+                      </a:endParaRPr>
+                    </a:p>
+                  </a:txBody>
+                  <a:tcPr marL="42318" marR="42318" marT="42318" marB="42318">
+                    <a:lnL w="9525" cap="flat" cmpd="sng" algn="ctr">
+                      <a:solidFill>
+                        <a:srgbClr val="000000"/>
+                      </a:solidFill>
+                      <a:prstDash val="solid"/>
+                      <a:round/>
+                      <a:headEnd type="none" w="med" len="med"/>
+                      <a:tailEnd type="none" w="med" len="med"/>
+                    </a:lnL>
+                    <a:lnR w="9525" cap="flat" cmpd="sng" algn="ctr">
+                      <a:solidFill>
+                        <a:srgbClr val="000000"/>
+                      </a:solidFill>
+                      <a:prstDash val="solid"/>
+                      <a:round/>
+                      <a:headEnd type="none" w="med" len="med"/>
+                      <a:tailEnd type="none" w="med" len="med"/>
+                    </a:lnR>
+                    <a:lnT w="9525" cap="flat" cmpd="sng" algn="ctr">
+                      <a:solidFill>
+                        <a:srgbClr val="000000"/>
+                      </a:solidFill>
+                      <a:prstDash val="solid"/>
+                      <a:round/>
+                      <a:headEnd type="none" w="med" len="med"/>
+                      <a:tailEnd type="none" w="med" len="med"/>
+                    </a:lnT>
+                    <a:lnB w="9525" cap="flat" cmpd="sng" algn="ctr">
+                      <a:solidFill>
+                        <a:srgbClr val="000000"/>
+                      </a:solidFill>
+                      <a:prstDash val="solid"/>
+                      <a:round/>
+                      <a:headEnd type="none" w="med" len="med"/>
+                      <a:tailEnd type="none" w="med" len="med"/>
+                    </a:lnB>
+                  </a:tcPr>
+                </a:tc>
+                <a:extLst>
+                  <a:ext uri="{0D108BD9-81ED-4DB2-BD59-A6C34878D82A}">
+                    <a16:rowId xmlns:a16="http://schemas.microsoft.com/office/drawing/2014/main" val="1297983744"/>
+                  </a:ext>
+                </a:extLst>
+              </a:tr>
+              <a:tr h="505888">
+                <a:tc>
+                  <a:txBody>
+                    <a:bodyPr/>
+                    <a:lstStyle/>
+                    <a:p>
+                      <a:pPr rtl="0" fontAlgn="t">
+                        <a:spcBef>
+                          <a:spcPts val="0"/>
+                        </a:spcBef>
+                        <a:spcAft>
+                          <a:spcPts val="0"/>
+                        </a:spcAft>
+                      </a:pPr>
+                      <a:r>
+                        <a:rPr lang="en-US" sz="1400" b="1" i="0" u="none" strike="noStrike">
+                          <a:solidFill>
+                            <a:srgbClr val="000000"/>
+                          </a:solidFill>
+                          <a:effectLst/>
+                          <a:latin typeface="Arial" panose="020B0604020202020204" pitchFamily="34" charset="0"/>
+                        </a:rPr>
+                        <a:t>D8</a:t>
+                      </a:r>
+                      <a:endParaRPr lang="en-US" sz="2000">
+                        <a:solidFill>
+                          <a:srgbClr val="000000"/>
+                        </a:solidFill>
+                        <a:effectLst/>
+                      </a:endParaRPr>
+                    </a:p>
+                  </a:txBody>
+                  <a:tcPr marL="42318" marR="42318" marT="42318" marB="42318">
+                    <a:lnL w="12700" cap="flat" cmpd="sng" algn="ctr">
+                      <a:solidFill>
+                        <a:srgbClr val="000000"/>
+                      </a:solidFill>
+                      <a:prstDash val="solid"/>
+                      <a:round/>
+                      <a:headEnd type="none" w="med" len="med"/>
+                      <a:tailEnd type="none" w="med" len="med"/>
+                    </a:lnL>
+                    <a:lnR w="9525" cap="flat" cmpd="sng" algn="ctr">
+                      <a:solidFill>
+                        <a:srgbClr val="000000"/>
+                      </a:solidFill>
+                      <a:prstDash val="solid"/>
+                      <a:round/>
+                      <a:headEnd type="none" w="med" len="med"/>
+                      <a:tailEnd type="none" w="med" len="med"/>
+                    </a:lnR>
+                    <a:lnT w="9525" cap="flat" cmpd="sng" algn="ctr">
+                      <a:solidFill>
+                        <a:srgbClr val="000000"/>
+                      </a:solidFill>
+                      <a:prstDash val="solid"/>
+                      <a:round/>
+                      <a:headEnd type="none" w="med" len="med"/>
+                      <a:tailEnd type="none" w="med" len="med"/>
+                    </a:lnT>
+                    <a:lnB w="9525" cap="flat" cmpd="sng" algn="ctr">
+                      <a:solidFill>
+                        <a:srgbClr val="000000"/>
+                      </a:solidFill>
+                      <a:prstDash val="solid"/>
+                      <a:round/>
+                      <a:headEnd type="none" w="med" len="med"/>
+                      <a:tailEnd type="none" w="med" len="med"/>
+                    </a:lnB>
+                  </a:tcPr>
+                </a:tc>
+                <a:tc>
+                  <a:txBody>
+                    <a:bodyPr/>
+                    <a:lstStyle/>
+                    <a:p>
+                      <a:pPr rtl="0" fontAlgn="t">
+                        <a:spcBef>
+                          <a:spcPts val="0"/>
+                        </a:spcBef>
+                        <a:spcAft>
+                          <a:spcPts val="0"/>
+                        </a:spcAft>
+                      </a:pPr>
+                      <a:r>
+                        <a:rPr lang="en-US" sz="1400" b="1" i="0" u="none" strike="noStrike">
+                          <a:solidFill>
+                            <a:srgbClr val="000000"/>
+                          </a:solidFill>
+                          <a:effectLst/>
+                          <a:latin typeface="Arial" panose="020B0604020202020204" pitchFamily="34" charset="0"/>
+                        </a:rPr>
+                        <a:t>GPIO15</a:t>
+                      </a:r>
+                      <a:endParaRPr lang="en-US" sz="2000">
+                        <a:solidFill>
+                          <a:srgbClr val="000000"/>
+                        </a:solidFill>
+                        <a:effectLst/>
+                      </a:endParaRPr>
+                    </a:p>
+                  </a:txBody>
+                  <a:tcPr marL="42318" marR="42318" marT="42318" marB="42318">
+                    <a:lnL w="9525" cap="flat" cmpd="sng" algn="ctr">
+                      <a:solidFill>
+                        <a:srgbClr val="000000"/>
+                      </a:solidFill>
+                      <a:prstDash val="solid"/>
+                      <a:round/>
+                      <a:headEnd type="none" w="med" len="med"/>
+                      <a:tailEnd type="none" w="med" len="med"/>
+                    </a:lnL>
+                    <a:lnR w="9525" cap="flat" cmpd="sng" algn="ctr">
+                      <a:solidFill>
+                        <a:srgbClr val="000000"/>
+                      </a:solidFill>
+                      <a:prstDash val="solid"/>
+                      <a:round/>
+                      <a:headEnd type="none" w="med" len="med"/>
+                      <a:tailEnd type="none" w="med" len="med"/>
+                    </a:lnR>
+                    <a:lnT w="9525" cap="flat" cmpd="sng" algn="ctr">
+                      <a:solidFill>
+                        <a:srgbClr val="000000"/>
+                      </a:solidFill>
+                      <a:prstDash val="solid"/>
+                      <a:round/>
+                      <a:headEnd type="none" w="med" len="med"/>
+                      <a:tailEnd type="none" w="med" len="med"/>
+                    </a:lnT>
+                    <a:lnB w="9525" cap="flat" cmpd="sng" algn="ctr">
+                      <a:solidFill>
+                        <a:srgbClr val="000000"/>
+                      </a:solidFill>
+                      <a:prstDash val="solid"/>
+                      <a:round/>
+                      <a:headEnd type="none" w="med" len="med"/>
+                      <a:tailEnd type="none" w="med" len="med"/>
+                    </a:lnB>
+                  </a:tcPr>
+                </a:tc>
+                <a:tc>
+                  <a:txBody>
+                    <a:bodyPr/>
+                    <a:lstStyle/>
+                    <a:p>
+                      <a:pPr rtl="0" fontAlgn="t">
+                        <a:spcBef>
+                          <a:spcPts val="0"/>
+                        </a:spcBef>
+                        <a:spcAft>
+                          <a:spcPts val="0"/>
+                        </a:spcAft>
+                      </a:pPr>
+                      <a:r>
+                        <a:rPr lang="en-US" sz="1400" b="0" i="0" u="none" strike="noStrike" dirty="0">
+                          <a:solidFill>
+                            <a:srgbClr val="000000"/>
+                          </a:solidFill>
+                          <a:effectLst/>
+                          <a:latin typeface="Arial" panose="020B0604020202020204" pitchFamily="34" charset="0"/>
+                        </a:rPr>
+                        <a:t>pulled to GND</a:t>
+                      </a:r>
+                      <a:endParaRPr lang="en-US" sz="2000" dirty="0">
+                        <a:solidFill>
+                          <a:srgbClr val="000000"/>
+                        </a:solidFill>
+                        <a:effectLst/>
+                      </a:endParaRPr>
+                    </a:p>
+                  </a:txBody>
+                  <a:tcPr marL="42318" marR="42318" marT="42318" marB="42318">
+                    <a:lnL w="9525" cap="flat" cmpd="sng" algn="ctr">
+                      <a:solidFill>
+                        <a:srgbClr val="000000"/>
+                      </a:solidFill>
+                      <a:prstDash val="solid"/>
+                      <a:round/>
+                      <a:headEnd type="none" w="med" len="med"/>
+                      <a:tailEnd type="none" w="med" len="med"/>
+                    </a:lnL>
+                    <a:lnR w="9525" cap="flat" cmpd="sng" algn="ctr">
+                      <a:solidFill>
+                        <a:srgbClr val="000000"/>
+                      </a:solidFill>
+                      <a:prstDash val="solid"/>
+                      <a:round/>
+                      <a:headEnd type="none" w="med" len="med"/>
+                      <a:tailEnd type="none" w="med" len="med"/>
+                    </a:lnR>
+                    <a:lnT w="9525" cap="flat" cmpd="sng" algn="ctr">
+                      <a:solidFill>
+                        <a:srgbClr val="000000"/>
+                      </a:solidFill>
+                      <a:prstDash val="solid"/>
+                      <a:round/>
+                      <a:headEnd type="none" w="med" len="med"/>
+                      <a:tailEnd type="none" w="med" len="med"/>
+                    </a:lnT>
+                    <a:lnB w="9525" cap="flat" cmpd="sng" algn="ctr">
+                      <a:solidFill>
+                        <a:srgbClr val="000000"/>
+                      </a:solidFill>
+                      <a:prstDash val="solid"/>
+                      <a:round/>
+                      <a:headEnd type="none" w="med" len="med"/>
+                      <a:tailEnd type="none" w="med" len="med"/>
+                    </a:lnB>
+                  </a:tcPr>
+                </a:tc>
+                <a:tc>
+                  <a:txBody>
+                    <a:bodyPr/>
+                    <a:lstStyle/>
+                    <a:p>
+                      <a:pPr rtl="0" fontAlgn="t">
+                        <a:spcBef>
+                          <a:spcPts val="0"/>
+                        </a:spcBef>
+                        <a:spcAft>
+                          <a:spcPts val="0"/>
+                        </a:spcAft>
+                      </a:pPr>
+                      <a:r>
+                        <a:rPr lang="en-US" sz="1400" b="0" i="0" u="none" strike="noStrike" dirty="0">
+                          <a:solidFill>
+                            <a:srgbClr val="000000"/>
+                          </a:solidFill>
+                          <a:effectLst/>
+                          <a:highlight>
+                            <a:srgbClr val="FFFF00"/>
+                          </a:highlight>
+                          <a:latin typeface="Arial" panose="020B0604020202020204" pitchFamily="34" charset="0"/>
+                        </a:rPr>
+                        <a:t>OK</a:t>
+                      </a:r>
+                      <a:endParaRPr lang="en-US" sz="2000" dirty="0">
+                        <a:solidFill>
+                          <a:srgbClr val="000000"/>
+                        </a:solidFill>
+                        <a:effectLst/>
+                        <a:highlight>
+                          <a:srgbClr val="FFFF00"/>
+                        </a:highlight>
+                      </a:endParaRPr>
+                    </a:p>
+                  </a:txBody>
+                  <a:tcPr marL="42318" marR="42318" marT="42318" marB="42318">
+                    <a:lnL w="9525" cap="flat" cmpd="sng" algn="ctr">
+                      <a:solidFill>
+                        <a:srgbClr val="000000"/>
+                      </a:solidFill>
+                      <a:prstDash val="solid"/>
+                      <a:round/>
+                      <a:headEnd type="none" w="med" len="med"/>
+                      <a:tailEnd type="none" w="med" len="med"/>
+                    </a:lnL>
+                    <a:lnR w="9525" cap="flat" cmpd="sng" algn="ctr">
+                      <a:solidFill>
+                        <a:srgbClr val="000000"/>
+                      </a:solidFill>
+                      <a:prstDash val="solid"/>
+                      <a:round/>
+                      <a:headEnd type="none" w="med" len="med"/>
+                      <a:tailEnd type="none" w="med" len="med"/>
+                    </a:lnR>
+                    <a:lnT w="9525" cap="flat" cmpd="sng" algn="ctr">
+                      <a:solidFill>
+                        <a:srgbClr val="000000"/>
+                      </a:solidFill>
+                      <a:prstDash val="solid"/>
+                      <a:round/>
+                      <a:headEnd type="none" w="med" len="med"/>
+                      <a:tailEnd type="none" w="med" len="med"/>
+                    </a:lnT>
+                    <a:lnB w="9525" cap="flat" cmpd="sng" algn="ctr">
+                      <a:solidFill>
+                        <a:srgbClr val="000000"/>
+                      </a:solidFill>
+                      <a:prstDash val="solid"/>
+                      <a:round/>
+                      <a:headEnd type="none" w="med" len="med"/>
+                      <a:tailEnd type="none" w="med" len="med"/>
+                    </a:lnB>
+                  </a:tcPr>
+                </a:tc>
+                <a:tc>
+                  <a:txBody>
+                    <a:bodyPr/>
+                    <a:lstStyle/>
+                    <a:p>
+                      <a:pPr rtl="0" fontAlgn="t">
+                        <a:spcBef>
+                          <a:spcPts val="0"/>
+                        </a:spcBef>
+                        <a:spcAft>
+                          <a:spcPts val="0"/>
+                        </a:spcAft>
+                      </a:pPr>
+                      <a:r>
+                        <a:rPr lang="en-US" sz="1400" b="0" i="0" u="none" strike="noStrike" dirty="0">
+                          <a:solidFill>
+                            <a:srgbClr val="000000"/>
+                          </a:solidFill>
+                          <a:effectLst/>
+                          <a:highlight>
+                            <a:srgbClr val="00FFFF"/>
+                          </a:highlight>
+                          <a:latin typeface="Arial" panose="020B0604020202020204" pitchFamily="34" charset="0"/>
+                        </a:rPr>
+                        <a:t>SPI</a:t>
+                      </a:r>
+                      <a:r>
+                        <a:rPr lang="en-US" sz="1400" b="0" i="0" u="none" strike="noStrike" dirty="0">
+                          <a:solidFill>
+                            <a:srgbClr val="000000"/>
+                          </a:solidFill>
+                          <a:effectLst/>
+                          <a:latin typeface="Arial" panose="020B0604020202020204" pitchFamily="34" charset="0"/>
+                        </a:rPr>
+                        <a:t> (CS)</a:t>
+                      </a:r>
+                      <a:endParaRPr lang="en-US" sz="2000" dirty="0">
+                        <a:solidFill>
+                          <a:srgbClr val="000000"/>
+                        </a:solidFill>
+                        <a:effectLst/>
+                      </a:endParaRPr>
+                    </a:p>
+                    <a:p>
+                      <a:pPr rtl="0" fontAlgn="t">
+                        <a:spcBef>
+                          <a:spcPts val="0"/>
+                        </a:spcBef>
+                        <a:spcAft>
+                          <a:spcPts val="0"/>
+                        </a:spcAft>
+                      </a:pPr>
+                      <a:r>
+                        <a:rPr lang="en-US" sz="1400" b="0" i="0" u="none" strike="noStrike" dirty="0">
+                          <a:solidFill>
+                            <a:srgbClr val="000000"/>
+                          </a:solidFill>
+                          <a:effectLst/>
+                          <a:latin typeface="Arial" panose="020B0604020202020204" pitchFamily="34" charset="0"/>
+                        </a:rPr>
+                        <a:t>Boot fails if pulled HIGH</a:t>
+                      </a:r>
+                      <a:endParaRPr lang="en-US" sz="2000" dirty="0">
+                        <a:solidFill>
+                          <a:srgbClr val="000000"/>
+                        </a:solidFill>
+                        <a:effectLst/>
+                      </a:endParaRPr>
+                    </a:p>
+                  </a:txBody>
+                  <a:tcPr marL="42318" marR="42318" marT="42318" marB="42318">
+                    <a:lnL w="9525" cap="flat" cmpd="sng" algn="ctr">
+                      <a:solidFill>
+                        <a:srgbClr val="000000"/>
+                      </a:solidFill>
+                      <a:prstDash val="solid"/>
+                      <a:round/>
+                      <a:headEnd type="none" w="med" len="med"/>
+                      <a:tailEnd type="none" w="med" len="med"/>
+                    </a:lnL>
+                    <a:lnR w="9525" cap="flat" cmpd="sng" algn="ctr">
+                      <a:solidFill>
+                        <a:srgbClr val="000000"/>
+                      </a:solidFill>
+                      <a:prstDash val="solid"/>
+                      <a:round/>
+                      <a:headEnd type="none" w="med" len="med"/>
+                      <a:tailEnd type="none" w="med" len="med"/>
+                    </a:lnR>
+                    <a:lnT w="9525" cap="flat" cmpd="sng" algn="ctr">
+                      <a:solidFill>
+                        <a:srgbClr val="000000"/>
+                      </a:solidFill>
+                      <a:prstDash val="solid"/>
+                      <a:round/>
+                      <a:headEnd type="none" w="med" len="med"/>
+                      <a:tailEnd type="none" w="med" len="med"/>
+                    </a:lnT>
+                    <a:lnB w="9525" cap="flat" cmpd="sng" algn="ctr">
+                      <a:solidFill>
+                        <a:srgbClr val="000000"/>
+                      </a:solidFill>
+                      <a:prstDash val="solid"/>
+                      <a:round/>
+                      <a:headEnd type="none" w="med" len="med"/>
+                      <a:tailEnd type="none" w="med" len="med"/>
+                    </a:lnB>
+                  </a:tcPr>
+                </a:tc>
+                <a:extLst>
+                  <a:ext uri="{0D108BD9-81ED-4DB2-BD59-A6C34878D82A}">
+                    <a16:rowId xmlns:a16="http://schemas.microsoft.com/office/drawing/2014/main" val="3410124942"/>
+                  </a:ext>
+                </a:extLst>
+              </a:tr>
+              <a:tr h="298074">
+                <a:tc>
+                  <a:txBody>
+                    <a:bodyPr/>
+                    <a:lstStyle/>
+                    <a:p>
+                      <a:pPr rtl="0" fontAlgn="t">
+                        <a:spcBef>
+                          <a:spcPts val="0"/>
+                        </a:spcBef>
+                        <a:spcAft>
+                          <a:spcPts val="0"/>
+                        </a:spcAft>
+                      </a:pPr>
+                      <a:r>
+                        <a:rPr lang="en-US" sz="1400" b="1" i="0" u="none" strike="noStrike">
+                          <a:solidFill>
+                            <a:srgbClr val="000000"/>
+                          </a:solidFill>
+                          <a:effectLst/>
+                          <a:latin typeface="Arial" panose="020B0604020202020204" pitchFamily="34" charset="0"/>
+                        </a:rPr>
+                        <a:t>RX</a:t>
+                      </a:r>
+                      <a:endParaRPr lang="en-US" sz="2000">
+                        <a:solidFill>
+                          <a:srgbClr val="000000"/>
+                        </a:solidFill>
+                        <a:effectLst/>
+                      </a:endParaRPr>
+                    </a:p>
+                  </a:txBody>
+                  <a:tcPr marL="42318" marR="42318" marT="42318" marB="42318">
+                    <a:lnL w="12700" cap="flat" cmpd="sng" algn="ctr">
+                      <a:solidFill>
+                        <a:srgbClr val="000000"/>
+                      </a:solidFill>
+                      <a:prstDash val="solid"/>
+                      <a:round/>
+                      <a:headEnd type="none" w="med" len="med"/>
+                      <a:tailEnd type="none" w="med" len="med"/>
+                    </a:lnL>
+                    <a:lnR w="9525" cap="flat" cmpd="sng" algn="ctr">
+                      <a:solidFill>
+                        <a:srgbClr val="000000"/>
+                      </a:solidFill>
+                      <a:prstDash val="solid"/>
+                      <a:round/>
+                      <a:headEnd type="none" w="med" len="med"/>
+                      <a:tailEnd type="none" w="med" len="med"/>
+                    </a:lnR>
+                    <a:lnT w="9525" cap="flat" cmpd="sng" algn="ctr">
+                      <a:solidFill>
+                        <a:srgbClr val="000000"/>
+                      </a:solidFill>
+                      <a:prstDash val="solid"/>
+                      <a:round/>
+                      <a:headEnd type="none" w="med" len="med"/>
+                      <a:tailEnd type="none" w="med" len="med"/>
+                    </a:lnT>
+                    <a:lnB w="9525" cap="flat" cmpd="sng" algn="ctr">
+                      <a:solidFill>
+                        <a:srgbClr val="000000"/>
+                      </a:solidFill>
+                      <a:prstDash val="solid"/>
+                      <a:round/>
+                      <a:headEnd type="none" w="med" len="med"/>
+                      <a:tailEnd type="none" w="med" len="med"/>
+                    </a:lnB>
+                  </a:tcPr>
+                </a:tc>
+                <a:tc>
+                  <a:txBody>
+                    <a:bodyPr/>
+                    <a:lstStyle/>
+                    <a:p>
+                      <a:pPr rtl="0" fontAlgn="t">
+                        <a:spcBef>
+                          <a:spcPts val="0"/>
+                        </a:spcBef>
+                        <a:spcAft>
+                          <a:spcPts val="0"/>
+                        </a:spcAft>
+                      </a:pPr>
+                      <a:r>
+                        <a:rPr lang="en-US" sz="1400" b="1" i="0" u="none" strike="noStrike">
+                          <a:solidFill>
+                            <a:srgbClr val="000000"/>
+                          </a:solidFill>
+                          <a:effectLst/>
+                          <a:latin typeface="Arial" panose="020B0604020202020204" pitchFamily="34" charset="0"/>
+                        </a:rPr>
+                        <a:t>GPIO3</a:t>
+                      </a:r>
+                      <a:endParaRPr lang="en-US" sz="2000">
+                        <a:solidFill>
+                          <a:srgbClr val="000000"/>
+                        </a:solidFill>
+                        <a:effectLst/>
+                      </a:endParaRPr>
+                    </a:p>
+                  </a:txBody>
+                  <a:tcPr marL="42318" marR="42318" marT="42318" marB="42318">
+                    <a:lnL w="9525" cap="flat" cmpd="sng" algn="ctr">
+                      <a:solidFill>
+                        <a:srgbClr val="000000"/>
+                      </a:solidFill>
+                      <a:prstDash val="solid"/>
+                      <a:round/>
+                      <a:headEnd type="none" w="med" len="med"/>
+                      <a:tailEnd type="none" w="med" len="med"/>
+                    </a:lnL>
+                    <a:lnR w="9525" cap="flat" cmpd="sng" algn="ctr">
+                      <a:solidFill>
+                        <a:srgbClr val="000000"/>
+                      </a:solidFill>
+                      <a:prstDash val="solid"/>
+                      <a:round/>
+                      <a:headEnd type="none" w="med" len="med"/>
+                      <a:tailEnd type="none" w="med" len="med"/>
+                    </a:lnR>
+                    <a:lnT w="9525" cap="flat" cmpd="sng" algn="ctr">
+                      <a:solidFill>
+                        <a:srgbClr val="000000"/>
+                      </a:solidFill>
+                      <a:prstDash val="solid"/>
+                      <a:round/>
+                      <a:headEnd type="none" w="med" len="med"/>
+                      <a:tailEnd type="none" w="med" len="med"/>
+                    </a:lnT>
+                    <a:lnB w="9525" cap="flat" cmpd="sng" algn="ctr">
+                      <a:solidFill>
+                        <a:srgbClr val="000000"/>
+                      </a:solidFill>
+                      <a:prstDash val="solid"/>
+                      <a:round/>
+                      <a:headEnd type="none" w="med" len="med"/>
+                      <a:tailEnd type="none" w="med" len="med"/>
+                    </a:lnB>
+                  </a:tcPr>
+                </a:tc>
+                <a:tc>
+                  <a:txBody>
+                    <a:bodyPr/>
+                    <a:lstStyle/>
+                    <a:p>
+                      <a:pPr rtl="0" fontAlgn="t">
+                        <a:spcBef>
+                          <a:spcPts val="0"/>
+                        </a:spcBef>
+                        <a:spcAft>
+                          <a:spcPts val="0"/>
+                        </a:spcAft>
+                      </a:pPr>
+                      <a:r>
+                        <a:rPr lang="en-US" sz="1400" b="0" i="0" u="none" strike="noStrike" dirty="0">
+                          <a:solidFill>
+                            <a:srgbClr val="000000"/>
+                          </a:solidFill>
+                          <a:effectLst/>
+                          <a:highlight>
+                            <a:srgbClr val="FFFF00"/>
+                          </a:highlight>
+                          <a:latin typeface="Arial" panose="020B0604020202020204" pitchFamily="34" charset="0"/>
+                        </a:rPr>
+                        <a:t>OK</a:t>
+                      </a:r>
+                      <a:endParaRPr lang="en-US" sz="2000" dirty="0">
+                        <a:solidFill>
+                          <a:srgbClr val="000000"/>
+                        </a:solidFill>
+                        <a:effectLst/>
+                        <a:highlight>
+                          <a:srgbClr val="FFFF00"/>
+                        </a:highlight>
+                      </a:endParaRPr>
+                    </a:p>
+                  </a:txBody>
+                  <a:tcPr marL="42318" marR="42318" marT="42318" marB="42318">
+                    <a:lnL w="9525" cap="flat" cmpd="sng" algn="ctr">
+                      <a:solidFill>
+                        <a:srgbClr val="000000"/>
+                      </a:solidFill>
+                      <a:prstDash val="solid"/>
+                      <a:round/>
+                      <a:headEnd type="none" w="med" len="med"/>
+                      <a:tailEnd type="none" w="med" len="med"/>
+                    </a:lnL>
+                    <a:lnR w="9525" cap="flat" cmpd="sng" algn="ctr">
+                      <a:solidFill>
+                        <a:srgbClr val="000000"/>
+                      </a:solidFill>
+                      <a:prstDash val="solid"/>
+                      <a:round/>
+                      <a:headEnd type="none" w="med" len="med"/>
+                      <a:tailEnd type="none" w="med" len="med"/>
+                    </a:lnR>
+                    <a:lnT w="9525" cap="flat" cmpd="sng" algn="ctr">
+                      <a:solidFill>
+                        <a:srgbClr val="000000"/>
+                      </a:solidFill>
+                      <a:prstDash val="solid"/>
+                      <a:round/>
+                      <a:headEnd type="none" w="med" len="med"/>
+                      <a:tailEnd type="none" w="med" len="med"/>
+                    </a:lnT>
+                    <a:lnB w="9525" cap="flat" cmpd="sng" algn="ctr">
+                      <a:solidFill>
+                        <a:srgbClr val="000000"/>
+                      </a:solidFill>
+                      <a:prstDash val="solid"/>
+                      <a:round/>
+                      <a:headEnd type="none" w="med" len="med"/>
+                      <a:tailEnd type="none" w="med" len="med"/>
+                    </a:lnB>
+                  </a:tcPr>
+                </a:tc>
+                <a:tc>
+                  <a:txBody>
+                    <a:bodyPr/>
+                    <a:lstStyle/>
+                    <a:p>
+                      <a:pPr rtl="0" fontAlgn="t">
+                        <a:spcBef>
+                          <a:spcPts val="0"/>
+                        </a:spcBef>
+                        <a:spcAft>
+                          <a:spcPts val="0"/>
+                        </a:spcAft>
+                      </a:pPr>
+                      <a:r>
+                        <a:rPr lang="en-US" sz="1400" b="0" i="0" u="none" strike="noStrike" dirty="0">
+                          <a:solidFill>
+                            <a:srgbClr val="000000"/>
+                          </a:solidFill>
+                          <a:effectLst/>
+                          <a:highlight>
+                            <a:srgbClr val="FF00FF"/>
+                          </a:highlight>
+                          <a:latin typeface="Arial" panose="020B0604020202020204" pitchFamily="34" charset="0"/>
+                        </a:rPr>
+                        <a:t>RX pin</a:t>
+                      </a:r>
+                      <a:endParaRPr lang="en-US" sz="2000" dirty="0">
+                        <a:solidFill>
+                          <a:srgbClr val="000000"/>
+                        </a:solidFill>
+                        <a:effectLst/>
+                        <a:highlight>
+                          <a:srgbClr val="FF00FF"/>
+                        </a:highlight>
+                      </a:endParaRPr>
+                    </a:p>
+                  </a:txBody>
+                  <a:tcPr marL="42318" marR="42318" marT="42318" marB="42318">
+                    <a:lnL w="9525" cap="flat" cmpd="sng" algn="ctr">
+                      <a:solidFill>
+                        <a:srgbClr val="000000"/>
+                      </a:solidFill>
+                      <a:prstDash val="solid"/>
+                      <a:round/>
+                      <a:headEnd type="none" w="med" len="med"/>
+                      <a:tailEnd type="none" w="med" len="med"/>
+                    </a:lnL>
+                    <a:lnR w="9525" cap="flat" cmpd="sng" algn="ctr">
+                      <a:solidFill>
+                        <a:srgbClr val="000000"/>
+                      </a:solidFill>
+                      <a:prstDash val="solid"/>
+                      <a:round/>
+                      <a:headEnd type="none" w="med" len="med"/>
+                      <a:tailEnd type="none" w="med" len="med"/>
+                    </a:lnR>
+                    <a:lnT w="9525" cap="flat" cmpd="sng" algn="ctr">
+                      <a:solidFill>
+                        <a:srgbClr val="000000"/>
+                      </a:solidFill>
+                      <a:prstDash val="solid"/>
+                      <a:round/>
+                      <a:headEnd type="none" w="med" len="med"/>
+                      <a:tailEnd type="none" w="med" len="med"/>
+                    </a:lnT>
+                    <a:lnB w="9525" cap="flat" cmpd="sng" algn="ctr">
+                      <a:solidFill>
+                        <a:srgbClr val="000000"/>
+                      </a:solidFill>
+                      <a:prstDash val="solid"/>
+                      <a:round/>
+                      <a:headEnd type="none" w="med" len="med"/>
+                      <a:tailEnd type="none" w="med" len="med"/>
+                    </a:lnB>
+                  </a:tcPr>
+                </a:tc>
+                <a:tc>
+                  <a:txBody>
+                    <a:bodyPr/>
+                    <a:lstStyle/>
+                    <a:p>
+                      <a:pPr rtl="0" fontAlgn="t">
+                        <a:spcBef>
+                          <a:spcPts val="0"/>
+                        </a:spcBef>
+                        <a:spcAft>
+                          <a:spcPts val="0"/>
+                        </a:spcAft>
+                      </a:pPr>
+                      <a:r>
+                        <a:rPr lang="en-US" sz="1400" b="0" i="0" u="none" strike="noStrike" dirty="0">
+                          <a:solidFill>
+                            <a:srgbClr val="000000"/>
+                          </a:solidFill>
+                          <a:effectLst/>
+                          <a:highlight>
+                            <a:srgbClr val="FFFF00"/>
+                          </a:highlight>
+                          <a:latin typeface="Arial" panose="020B0604020202020204" pitchFamily="34" charset="0"/>
+                        </a:rPr>
+                        <a:t>HIGH at boot</a:t>
+                      </a:r>
+                      <a:endParaRPr lang="en-US" sz="2000" dirty="0">
+                        <a:solidFill>
+                          <a:srgbClr val="000000"/>
+                        </a:solidFill>
+                        <a:effectLst/>
+                        <a:highlight>
+                          <a:srgbClr val="FFFF00"/>
+                        </a:highlight>
+                      </a:endParaRPr>
+                    </a:p>
+                  </a:txBody>
+                  <a:tcPr marL="42318" marR="42318" marT="42318" marB="42318">
+                    <a:lnL w="9525" cap="flat" cmpd="sng" algn="ctr">
+                      <a:solidFill>
+                        <a:srgbClr val="000000"/>
+                      </a:solidFill>
+                      <a:prstDash val="solid"/>
+                      <a:round/>
+                      <a:headEnd type="none" w="med" len="med"/>
+                      <a:tailEnd type="none" w="med" len="med"/>
+                    </a:lnL>
+                    <a:lnR w="9525" cap="flat" cmpd="sng" algn="ctr">
+                      <a:solidFill>
+                        <a:srgbClr val="000000"/>
+                      </a:solidFill>
+                      <a:prstDash val="solid"/>
+                      <a:round/>
+                      <a:headEnd type="none" w="med" len="med"/>
+                      <a:tailEnd type="none" w="med" len="med"/>
+                    </a:lnR>
+                    <a:lnT w="9525" cap="flat" cmpd="sng" algn="ctr">
+                      <a:solidFill>
+                        <a:srgbClr val="000000"/>
+                      </a:solidFill>
+                      <a:prstDash val="solid"/>
+                      <a:round/>
+                      <a:headEnd type="none" w="med" len="med"/>
+                      <a:tailEnd type="none" w="med" len="med"/>
+                    </a:lnT>
+                    <a:lnB w="9525" cap="flat" cmpd="sng" algn="ctr">
+                      <a:solidFill>
+                        <a:srgbClr val="000000"/>
+                      </a:solidFill>
+                      <a:prstDash val="solid"/>
+                      <a:round/>
+                      <a:headEnd type="none" w="med" len="med"/>
+                      <a:tailEnd type="none" w="med" len="med"/>
+                    </a:lnB>
+                  </a:tcPr>
+                </a:tc>
+                <a:extLst>
+                  <a:ext uri="{0D108BD9-81ED-4DB2-BD59-A6C34878D82A}">
+                    <a16:rowId xmlns:a16="http://schemas.microsoft.com/office/drawing/2014/main" val="1101011387"/>
+                  </a:ext>
+                </a:extLst>
+              </a:tr>
+              <a:tr h="505888">
+                <a:tc>
+                  <a:txBody>
+                    <a:bodyPr/>
+                    <a:lstStyle/>
+                    <a:p>
+                      <a:pPr rtl="0" fontAlgn="t">
+                        <a:spcBef>
+                          <a:spcPts val="0"/>
+                        </a:spcBef>
+                        <a:spcAft>
+                          <a:spcPts val="0"/>
+                        </a:spcAft>
+                      </a:pPr>
+                      <a:r>
+                        <a:rPr lang="en-US" sz="1400" b="1" i="0" u="none" strike="noStrike">
+                          <a:solidFill>
+                            <a:srgbClr val="000000"/>
+                          </a:solidFill>
+                          <a:effectLst/>
+                          <a:latin typeface="Arial" panose="020B0604020202020204" pitchFamily="34" charset="0"/>
+                        </a:rPr>
+                        <a:t>TX</a:t>
+                      </a:r>
+                      <a:endParaRPr lang="en-US" sz="2000">
+                        <a:solidFill>
+                          <a:srgbClr val="000000"/>
+                        </a:solidFill>
+                        <a:effectLst/>
+                      </a:endParaRPr>
+                    </a:p>
+                  </a:txBody>
+                  <a:tcPr marL="42318" marR="42318" marT="42318" marB="42318">
+                    <a:lnL w="12700" cap="flat" cmpd="sng" algn="ctr">
+                      <a:solidFill>
+                        <a:srgbClr val="000000"/>
+                      </a:solidFill>
+                      <a:prstDash val="solid"/>
+                      <a:round/>
+                      <a:headEnd type="none" w="med" len="med"/>
+                      <a:tailEnd type="none" w="med" len="med"/>
+                    </a:lnL>
+                    <a:lnR w="9525" cap="flat" cmpd="sng" algn="ctr">
+                      <a:solidFill>
+                        <a:srgbClr val="000000"/>
+                      </a:solidFill>
+                      <a:prstDash val="solid"/>
+                      <a:round/>
+                      <a:headEnd type="none" w="med" len="med"/>
+                      <a:tailEnd type="none" w="med" len="med"/>
+                    </a:lnR>
+                    <a:lnT w="9525" cap="flat" cmpd="sng" algn="ctr">
+                      <a:solidFill>
+                        <a:srgbClr val="000000"/>
+                      </a:solidFill>
+                      <a:prstDash val="solid"/>
+                      <a:round/>
+                      <a:headEnd type="none" w="med" len="med"/>
+                      <a:tailEnd type="none" w="med" len="med"/>
+                    </a:lnT>
+                    <a:lnB w="9525" cap="flat" cmpd="sng" algn="ctr">
+                      <a:solidFill>
+                        <a:srgbClr val="000000"/>
+                      </a:solidFill>
+                      <a:prstDash val="solid"/>
+                      <a:round/>
+                      <a:headEnd type="none" w="med" len="med"/>
+                      <a:tailEnd type="none" w="med" len="med"/>
+                    </a:lnB>
+                  </a:tcPr>
+                </a:tc>
+                <a:tc>
+                  <a:txBody>
+                    <a:bodyPr/>
+                    <a:lstStyle/>
+                    <a:p>
+                      <a:pPr rtl="0" fontAlgn="t">
+                        <a:spcBef>
+                          <a:spcPts val="0"/>
+                        </a:spcBef>
+                        <a:spcAft>
+                          <a:spcPts val="0"/>
+                        </a:spcAft>
+                      </a:pPr>
+                      <a:r>
+                        <a:rPr lang="en-US" sz="1400" b="1" i="0" u="none" strike="noStrike">
+                          <a:solidFill>
+                            <a:srgbClr val="000000"/>
+                          </a:solidFill>
+                          <a:effectLst/>
+                          <a:latin typeface="Arial" panose="020B0604020202020204" pitchFamily="34" charset="0"/>
+                        </a:rPr>
+                        <a:t>GPIO1</a:t>
+                      </a:r>
+                      <a:endParaRPr lang="en-US" sz="2000">
+                        <a:solidFill>
+                          <a:srgbClr val="000000"/>
+                        </a:solidFill>
+                        <a:effectLst/>
+                      </a:endParaRPr>
+                    </a:p>
+                  </a:txBody>
+                  <a:tcPr marL="42318" marR="42318" marT="42318" marB="42318">
+                    <a:lnL w="9525" cap="flat" cmpd="sng" algn="ctr">
+                      <a:solidFill>
+                        <a:srgbClr val="000000"/>
+                      </a:solidFill>
+                      <a:prstDash val="solid"/>
+                      <a:round/>
+                      <a:headEnd type="none" w="med" len="med"/>
+                      <a:tailEnd type="none" w="med" len="med"/>
+                    </a:lnL>
+                    <a:lnR w="9525" cap="flat" cmpd="sng" algn="ctr">
+                      <a:solidFill>
+                        <a:srgbClr val="000000"/>
+                      </a:solidFill>
+                      <a:prstDash val="solid"/>
+                      <a:round/>
+                      <a:headEnd type="none" w="med" len="med"/>
+                      <a:tailEnd type="none" w="med" len="med"/>
+                    </a:lnR>
+                    <a:lnT w="9525" cap="flat" cmpd="sng" algn="ctr">
+                      <a:solidFill>
+                        <a:srgbClr val="000000"/>
+                      </a:solidFill>
+                      <a:prstDash val="solid"/>
+                      <a:round/>
+                      <a:headEnd type="none" w="med" len="med"/>
+                      <a:tailEnd type="none" w="med" len="med"/>
+                    </a:lnT>
+                    <a:lnB w="9525" cap="flat" cmpd="sng" algn="ctr">
+                      <a:solidFill>
+                        <a:srgbClr val="000000"/>
+                      </a:solidFill>
+                      <a:prstDash val="solid"/>
+                      <a:round/>
+                      <a:headEnd type="none" w="med" len="med"/>
+                      <a:tailEnd type="none" w="med" len="med"/>
+                    </a:lnB>
+                  </a:tcPr>
+                </a:tc>
+                <a:tc>
+                  <a:txBody>
+                    <a:bodyPr/>
+                    <a:lstStyle/>
+                    <a:p>
+                      <a:pPr rtl="0" fontAlgn="t">
+                        <a:spcBef>
+                          <a:spcPts val="0"/>
+                        </a:spcBef>
+                        <a:spcAft>
+                          <a:spcPts val="0"/>
+                        </a:spcAft>
+                      </a:pPr>
+                      <a:r>
+                        <a:rPr lang="en-US" sz="1400" b="0" i="0" u="none" strike="noStrike" dirty="0">
+                          <a:solidFill>
+                            <a:srgbClr val="000000"/>
+                          </a:solidFill>
+                          <a:effectLst/>
+                          <a:highlight>
+                            <a:srgbClr val="FF00FF"/>
+                          </a:highlight>
+                          <a:latin typeface="Arial" panose="020B0604020202020204" pitchFamily="34" charset="0"/>
+                        </a:rPr>
+                        <a:t>TX pin</a:t>
+                      </a:r>
+                      <a:endParaRPr lang="en-US" sz="2000" dirty="0">
+                        <a:solidFill>
+                          <a:srgbClr val="000000"/>
+                        </a:solidFill>
+                        <a:effectLst/>
+                        <a:highlight>
+                          <a:srgbClr val="FF00FF"/>
+                        </a:highlight>
+                      </a:endParaRPr>
+                    </a:p>
+                  </a:txBody>
+                  <a:tcPr marL="42318" marR="42318" marT="42318" marB="42318">
+                    <a:lnL w="9525" cap="flat" cmpd="sng" algn="ctr">
+                      <a:solidFill>
+                        <a:srgbClr val="000000"/>
+                      </a:solidFill>
+                      <a:prstDash val="solid"/>
+                      <a:round/>
+                      <a:headEnd type="none" w="med" len="med"/>
+                      <a:tailEnd type="none" w="med" len="med"/>
+                    </a:lnL>
+                    <a:lnR w="9525" cap="flat" cmpd="sng" algn="ctr">
+                      <a:solidFill>
+                        <a:srgbClr val="000000"/>
+                      </a:solidFill>
+                      <a:prstDash val="solid"/>
+                      <a:round/>
+                      <a:headEnd type="none" w="med" len="med"/>
+                      <a:tailEnd type="none" w="med" len="med"/>
+                    </a:lnR>
+                    <a:lnT w="9525" cap="flat" cmpd="sng" algn="ctr">
+                      <a:solidFill>
+                        <a:srgbClr val="000000"/>
+                      </a:solidFill>
+                      <a:prstDash val="solid"/>
+                      <a:round/>
+                      <a:headEnd type="none" w="med" len="med"/>
+                      <a:tailEnd type="none" w="med" len="med"/>
+                    </a:lnT>
+                    <a:lnB w="9525" cap="flat" cmpd="sng" algn="ctr">
+                      <a:solidFill>
+                        <a:srgbClr val="000000"/>
+                      </a:solidFill>
+                      <a:prstDash val="solid"/>
+                      <a:round/>
+                      <a:headEnd type="none" w="med" len="med"/>
+                      <a:tailEnd type="none" w="med" len="med"/>
+                    </a:lnB>
+                  </a:tcPr>
+                </a:tc>
+                <a:tc>
+                  <a:txBody>
+                    <a:bodyPr/>
+                    <a:lstStyle/>
+                    <a:p>
+                      <a:pPr rtl="0" fontAlgn="t">
+                        <a:spcBef>
+                          <a:spcPts val="0"/>
+                        </a:spcBef>
+                        <a:spcAft>
+                          <a:spcPts val="0"/>
+                        </a:spcAft>
+                      </a:pPr>
+                      <a:r>
+                        <a:rPr lang="en-US" sz="1400" b="0" i="0" u="none" strike="noStrike" dirty="0">
+                          <a:solidFill>
+                            <a:srgbClr val="000000"/>
+                          </a:solidFill>
+                          <a:effectLst/>
+                          <a:highlight>
+                            <a:srgbClr val="FFFF00"/>
+                          </a:highlight>
+                          <a:latin typeface="Arial" panose="020B0604020202020204" pitchFamily="34" charset="0"/>
+                        </a:rPr>
+                        <a:t>OK</a:t>
+                      </a:r>
+                      <a:endParaRPr lang="en-US" sz="2000" dirty="0">
+                        <a:solidFill>
+                          <a:srgbClr val="000000"/>
+                        </a:solidFill>
+                        <a:effectLst/>
+                        <a:highlight>
+                          <a:srgbClr val="FFFF00"/>
+                        </a:highlight>
+                      </a:endParaRPr>
+                    </a:p>
+                  </a:txBody>
+                  <a:tcPr marL="42318" marR="42318" marT="42318" marB="42318">
+                    <a:lnL w="9525" cap="flat" cmpd="sng" algn="ctr">
+                      <a:solidFill>
+                        <a:srgbClr val="000000"/>
+                      </a:solidFill>
+                      <a:prstDash val="solid"/>
+                      <a:round/>
+                      <a:headEnd type="none" w="med" len="med"/>
+                      <a:tailEnd type="none" w="med" len="med"/>
+                    </a:lnL>
+                    <a:lnR w="9525" cap="flat" cmpd="sng" algn="ctr">
+                      <a:solidFill>
+                        <a:srgbClr val="000000"/>
+                      </a:solidFill>
+                      <a:prstDash val="solid"/>
+                      <a:round/>
+                      <a:headEnd type="none" w="med" len="med"/>
+                      <a:tailEnd type="none" w="med" len="med"/>
+                    </a:lnR>
+                    <a:lnT w="9525" cap="flat" cmpd="sng" algn="ctr">
+                      <a:solidFill>
+                        <a:srgbClr val="000000"/>
+                      </a:solidFill>
+                      <a:prstDash val="solid"/>
+                      <a:round/>
+                      <a:headEnd type="none" w="med" len="med"/>
+                      <a:tailEnd type="none" w="med" len="med"/>
+                    </a:lnT>
+                    <a:lnB w="9525" cap="flat" cmpd="sng" algn="ctr">
+                      <a:solidFill>
+                        <a:srgbClr val="000000"/>
+                      </a:solidFill>
+                      <a:prstDash val="solid"/>
+                      <a:round/>
+                      <a:headEnd type="none" w="med" len="med"/>
+                      <a:tailEnd type="none" w="med" len="med"/>
+                    </a:lnB>
+                  </a:tcPr>
+                </a:tc>
+                <a:tc>
+                  <a:txBody>
+                    <a:bodyPr/>
+                    <a:lstStyle/>
+                    <a:p>
+                      <a:pPr rtl="0" fontAlgn="t">
+                        <a:spcBef>
+                          <a:spcPts val="0"/>
+                        </a:spcBef>
+                        <a:spcAft>
+                          <a:spcPts val="0"/>
+                        </a:spcAft>
+                      </a:pPr>
+                      <a:r>
+                        <a:rPr lang="en-US" sz="1400" b="0" i="0" u="none" strike="noStrike" dirty="0">
+                          <a:solidFill>
+                            <a:srgbClr val="000000"/>
+                          </a:solidFill>
+                          <a:effectLst/>
+                          <a:highlight>
+                            <a:srgbClr val="FFFF00"/>
+                          </a:highlight>
+                          <a:latin typeface="Arial" panose="020B0604020202020204" pitchFamily="34" charset="0"/>
+                        </a:rPr>
+                        <a:t>HIGH at boot</a:t>
+                      </a:r>
+                      <a:endParaRPr lang="en-US" sz="2000" dirty="0">
+                        <a:solidFill>
+                          <a:srgbClr val="000000"/>
+                        </a:solidFill>
+                        <a:effectLst/>
+                        <a:highlight>
+                          <a:srgbClr val="FFFF00"/>
+                        </a:highlight>
+                      </a:endParaRPr>
+                    </a:p>
+                    <a:p>
+                      <a:pPr rtl="0" fontAlgn="t">
+                        <a:spcBef>
+                          <a:spcPts val="0"/>
+                        </a:spcBef>
+                        <a:spcAft>
+                          <a:spcPts val="0"/>
+                        </a:spcAft>
+                      </a:pPr>
+                      <a:r>
+                        <a:rPr lang="en-US" sz="1400" b="0" i="0" u="none" strike="noStrike" dirty="0">
+                          <a:solidFill>
+                            <a:srgbClr val="000000"/>
+                          </a:solidFill>
+                          <a:effectLst/>
+                          <a:latin typeface="Arial" panose="020B0604020202020204" pitchFamily="34" charset="0"/>
+                        </a:rPr>
+                        <a:t>debug output at boot, boot fails if pulled LOW</a:t>
+                      </a:r>
+                      <a:endParaRPr lang="en-US" sz="2000" dirty="0">
+                        <a:solidFill>
+                          <a:srgbClr val="000000"/>
+                        </a:solidFill>
+                        <a:effectLst/>
+                      </a:endParaRPr>
+                    </a:p>
+                  </a:txBody>
+                  <a:tcPr marL="42318" marR="42318" marT="42318" marB="42318">
+                    <a:lnL w="9525" cap="flat" cmpd="sng" algn="ctr">
+                      <a:solidFill>
+                        <a:srgbClr val="000000"/>
+                      </a:solidFill>
+                      <a:prstDash val="solid"/>
+                      <a:round/>
+                      <a:headEnd type="none" w="med" len="med"/>
+                      <a:tailEnd type="none" w="med" len="med"/>
+                    </a:lnL>
+                    <a:lnR w="9525" cap="flat" cmpd="sng" algn="ctr">
+                      <a:solidFill>
+                        <a:srgbClr val="000000"/>
+                      </a:solidFill>
+                      <a:prstDash val="solid"/>
+                      <a:round/>
+                      <a:headEnd type="none" w="med" len="med"/>
+                      <a:tailEnd type="none" w="med" len="med"/>
+                    </a:lnR>
+                    <a:lnT w="9525" cap="flat" cmpd="sng" algn="ctr">
+                      <a:solidFill>
+                        <a:srgbClr val="000000"/>
+                      </a:solidFill>
+                      <a:prstDash val="solid"/>
+                      <a:round/>
+                      <a:headEnd type="none" w="med" len="med"/>
+                      <a:tailEnd type="none" w="med" len="med"/>
+                    </a:lnT>
+                    <a:lnB w="9525" cap="flat" cmpd="sng" algn="ctr">
+                      <a:solidFill>
+                        <a:srgbClr val="000000"/>
+                      </a:solidFill>
+                      <a:prstDash val="solid"/>
+                      <a:round/>
+                      <a:headEnd type="none" w="med" len="med"/>
+                      <a:tailEnd type="none" w="med" len="med"/>
+                    </a:lnB>
+                  </a:tcPr>
+                </a:tc>
+                <a:extLst>
+                  <a:ext uri="{0D108BD9-81ED-4DB2-BD59-A6C34878D82A}">
+                    <a16:rowId xmlns:a16="http://schemas.microsoft.com/office/drawing/2014/main" val="1147802415"/>
+                  </a:ext>
+                </a:extLst>
+              </a:tr>
+              <a:tr h="406203">
+                <a:tc>
+                  <a:txBody>
+                    <a:bodyPr/>
+                    <a:lstStyle/>
+                    <a:p>
+                      <a:pPr rtl="0" fontAlgn="t">
+                        <a:spcBef>
+                          <a:spcPts val="0"/>
+                        </a:spcBef>
+                        <a:spcAft>
+                          <a:spcPts val="0"/>
+                        </a:spcAft>
+                      </a:pPr>
+                      <a:r>
+                        <a:rPr lang="en-US" sz="1400" b="1" i="0" u="none" strike="noStrike">
+                          <a:solidFill>
+                            <a:srgbClr val="000000"/>
+                          </a:solidFill>
+                          <a:effectLst/>
+                          <a:latin typeface="Arial" panose="020B0604020202020204" pitchFamily="34" charset="0"/>
+                        </a:rPr>
+                        <a:t>A0</a:t>
+                      </a:r>
+                      <a:endParaRPr lang="en-US" sz="2000">
+                        <a:solidFill>
+                          <a:srgbClr val="000000"/>
+                        </a:solidFill>
+                        <a:effectLst/>
+                      </a:endParaRPr>
+                    </a:p>
+                  </a:txBody>
+                  <a:tcPr marL="42318" marR="42318" marT="42318" marB="42318">
+                    <a:lnL w="12700" cap="flat" cmpd="sng" algn="ctr">
+                      <a:solidFill>
+                        <a:srgbClr val="000000"/>
+                      </a:solidFill>
+                      <a:prstDash val="solid"/>
+                      <a:round/>
+                      <a:headEnd type="none" w="med" len="med"/>
+                      <a:tailEnd type="none" w="med" len="med"/>
+                    </a:lnL>
+                    <a:lnR w="9525" cap="flat" cmpd="sng" algn="ctr">
+                      <a:solidFill>
+                        <a:srgbClr val="000000"/>
+                      </a:solidFill>
+                      <a:prstDash val="solid"/>
+                      <a:round/>
+                      <a:headEnd type="none" w="med" len="med"/>
+                      <a:tailEnd type="none" w="med" len="med"/>
+                    </a:lnR>
+                    <a:lnT w="9525" cap="flat" cmpd="sng" algn="ctr">
+                      <a:solidFill>
+                        <a:srgbClr val="000000"/>
+                      </a:solidFill>
+                      <a:prstDash val="solid"/>
+                      <a:round/>
+                      <a:headEnd type="none" w="med" len="med"/>
+                      <a:tailEnd type="none" w="med" len="med"/>
+                    </a:lnT>
+                    <a:lnB w="9525" cap="flat" cmpd="sng" algn="ctr">
+                      <a:solidFill>
+                        <a:srgbClr val="000000"/>
+                      </a:solidFill>
+                      <a:prstDash val="solid"/>
+                      <a:round/>
+                      <a:headEnd type="none" w="med" len="med"/>
+                      <a:tailEnd type="none" w="med" len="med"/>
+                    </a:lnB>
+                  </a:tcPr>
+                </a:tc>
+                <a:tc>
+                  <a:txBody>
+                    <a:bodyPr/>
+                    <a:lstStyle/>
+                    <a:p>
+                      <a:pPr rtl="0" fontAlgn="t">
+                        <a:spcBef>
+                          <a:spcPts val="0"/>
+                        </a:spcBef>
+                        <a:spcAft>
+                          <a:spcPts val="0"/>
+                        </a:spcAft>
+                      </a:pPr>
+                      <a:r>
+                        <a:rPr lang="en-US" sz="1400" b="1" i="0" u="none" strike="noStrike">
+                          <a:solidFill>
+                            <a:srgbClr val="000000"/>
+                          </a:solidFill>
+                          <a:effectLst/>
+                          <a:latin typeface="Arial" panose="020B0604020202020204" pitchFamily="34" charset="0"/>
+                        </a:rPr>
+                        <a:t>ADC0</a:t>
+                      </a:r>
+                      <a:endParaRPr lang="en-US" sz="2000">
+                        <a:solidFill>
+                          <a:srgbClr val="000000"/>
+                        </a:solidFill>
+                        <a:effectLst/>
+                      </a:endParaRPr>
+                    </a:p>
+                  </a:txBody>
+                  <a:tcPr marL="42318" marR="42318" marT="42318" marB="42318">
+                    <a:lnL w="9525" cap="flat" cmpd="sng" algn="ctr">
+                      <a:solidFill>
+                        <a:srgbClr val="000000"/>
+                      </a:solidFill>
+                      <a:prstDash val="solid"/>
+                      <a:round/>
+                      <a:headEnd type="none" w="med" len="med"/>
+                      <a:tailEnd type="none" w="med" len="med"/>
+                    </a:lnL>
+                    <a:lnR w="9525" cap="flat" cmpd="sng" algn="ctr">
+                      <a:solidFill>
+                        <a:srgbClr val="000000"/>
+                      </a:solidFill>
+                      <a:prstDash val="solid"/>
+                      <a:round/>
+                      <a:headEnd type="none" w="med" len="med"/>
+                      <a:tailEnd type="none" w="med" len="med"/>
+                    </a:lnR>
+                    <a:lnT w="9525" cap="flat" cmpd="sng" algn="ctr">
+                      <a:solidFill>
+                        <a:srgbClr val="000000"/>
+                      </a:solidFill>
+                      <a:prstDash val="solid"/>
+                      <a:round/>
+                      <a:headEnd type="none" w="med" len="med"/>
+                      <a:tailEnd type="none" w="med" len="med"/>
+                    </a:lnT>
+                    <a:lnB w="9525" cap="flat" cmpd="sng" algn="ctr">
+                      <a:solidFill>
+                        <a:srgbClr val="000000"/>
+                      </a:solidFill>
+                      <a:prstDash val="solid"/>
+                      <a:round/>
+                      <a:headEnd type="none" w="med" len="med"/>
+                      <a:tailEnd type="none" w="med" len="med"/>
+                    </a:lnB>
+                  </a:tcPr>
+                </a:tc>
+                <a:tc>
+                  <a:txBody>
+                    <a:bodyPr/>
+                    <a:lstStyle/>
+                    <a:p>
+                      <a:pPr rtl="0" fontAlgn="t">
+                        <a:spcBef>
+                          <a:spcPts val="0"/>
+                        </a:spcBef>
+                        <a:spcAft>
+                          <a:spcPts val="0"/>
+                        </a:spcAft>
+                      </a:pPr>
+                      <a:r>
+                        <a:rPr lang="en-US" sz="1400" b="0" i="0" u="none" strike="noStrike" dirty="0">
+                          <a:solidFill>
+                            <a:srgbClr val="000000"/>
+                          </a:solidFill>
+                          <a:effectLst/>
+                          <a:highlight>
+                            <a:srgbClr val="00FF00"/>
+                          </a:highlight>
+                          <a:latin typeface="Arial" panose="020B0604020202020204" pitchFamily="34" charset="0"/>
+                        </a:rPr>
+                        <a:t>Analog Input</a:t>
+                      </a:r>
+                      <a:endParaRPr lang="en-US" sz="2000" dirty="0">
+                        <a:solidFill>
+                          <a:srgbClr val="000000"/>
+                        </a:solidFill>
+                        <a:effectLst/>
+                        <a:highlight>
+                          <a:srgbClr val="00FF00"/>
+                        </a:highlight>
+                      </a:endParaRPr>
+                    </a:p>
+                  </a:txBody>
+                  <a:tcPr marL="42318" marR="42318" marT="42318" marB="42318">
+                    <a:lnL w="9525" cap="flat" cmpd="sng" algn="ctr">
+                      <a:solidFill>
+                        <a:srgbClr val="000000"/>
+                      </a:solidFill>
+                      <a:prstDash val="solid"/>
+                      <a:round/>
+                      <a:headEnd type="none" w="med" len="med"/>
+                      <a:tailEnd type="none" w="med" len="med"/>
+                    </a:lnL>
+                    <a:lnR w="9525" cap="flat" cmpd="sng" algn="ctr">
+                      <a:solidFill>
+                        <a:srgbClr val="000000"/>
+                      </a:solidFill>
+                      <a:prstDash val="solid"/>
+                      <a:round/>
+                      <a:headEnd type="none" w="med" len="med"/>
+                      <a:tailEnd type="none" w="med" len="med"/>
+                    </a:lnR>
+                    <a:lnT w="9525" cap="flat" cmpd="sng" algn="ctr">
+                      <a:solidFill>
+                        <a:srgbClr val="000000"/>
+                      </a:solidFill>
+                      <a:prstDash val="solid"/>
+                      <a:round/>
+                      <a:headEnd type="none" w="med" len="med"/>
+                      <a:tailEnd type="none" w="med" len="med"/>
+                    </a:lnT>
+                    <a:lnB w="9525" cap="flat" cmpd="sng" algn="ctr">
+                      <a:solidFill>
+                        <a:srgbClr val="000000"/>
+                      </a:solidFill>
+                      <a:prstDash val="solid"/>
+                      <a:round/>
+                      <a:headEnd type="none" w="med" len="med"/>
+                      <a:tailEnd type="none" w="med" len="med"/>
+                    </a:lnB>
+                  </a:tcPr>
+                </a:tc>
+                <a:tc>
+                  <a:txBody>
+                    <a:bodyPr/>
+                    <a:lstStyle/>
+                    <a:p>
+                      <a:pPr marL="38100" marR="38100" rtl="0" fontAlgn="t">
+                        <a:spcBef>
+                          <a:spcPts val="0"/>
+                        </a:spcBef>
+                        <a:spcAft>
+                          <a:spcPts val="0"/>
+                        </a:spcAft>
+                      </a:pPr>
+                      <a:r>
+                        <a:rPr lang="en-US" sz="1400" b="0" i="0" u="none" strike="noStrike" dirty="0">
+                          <a:solidFill>
+                            <a:srgbClr val="000000"/>
+                          </a:solidFill>
+                          <a:effectLst/>
+                          <a:highlight>
+                            <a:srgbClr val="FF00FF"/>
+                          </a:highlight>
+                          <a:latin typeface="Arial" panose="020B0604020202020204" pitchFamily="34" charset="0"/>
+                        </a:rPr>
+                        <a:t>X</a:t>
+                      </a:r>
+                      <a:endParaRPr lang="en-US" sz="2000" dirty="0">
+                        <a:solidFill>
+                          <a:srgbClr val="000000"/>
+                        </a:solidFill>
+                        <a:effectLst/>
+                        <a:highlight>
+                          <a:srgbClr val="FF00FF"/>
+                        </a:highlight>
+                      </a:endParaRPr>
+                    </a:p>
+                  </a:txBody>
+                  <a:tcPr marL="42318" marR="42318" marT="42318" marB="42318">
+                    <a:lnL w="9525" cap="flat" cmpd="sng" algn="ctr">
+                      <a:solidFill>
+                        <a:srgbClr val="000000"/>
+                      </a:solidFill>
+                      <a:prstDash val="solid"/>
+                      <a:round/>
+                      <a:headEnd type="none" w="med" len="med"/>
+                      <a:tailEnd type="none" w="med" len="med"/>
+                    </a:lnL>
+                    <a:lnR w="9525" cap="flat" cmpd="sng" algn="ctr">
+                      <a:solidFill>
+                        <a:srgbClr val="000000"/>
+                      </a:solidFill>
+                      <a:prstDash val="solid"/>
+                      <a:round/>
+                      <a:headEnd type="none" w="med" len="med"/>
+                      <a:tailEnd type="none" w="med" len="med"/>
+                    </a:lnR>
+                    <a:lnT w="9525" cap="flat" cmpd="sng" algn="ctr">
+                      <a:solidFill>
+                        <a:srgbClr val="000000"/>
+                      </a:solidFill>
+                      <a:prstDash val="solid"/>
+                      <a:round/>
+                      <a:headEnd type="none" w="med" len="med"/>
+                      <a:tailEnd type="none" w="med" len="med"/>
+                    </a:lnT>
+                    <a:lnB w="9525" cap="flat" cmpd="sng" algn="ctr">
+                      <a:solidFill>
+                        <a:srgbClr val="000000"/>
+                      </a:solidFill>
+                      <a:prstDash val="solid"/>
+                      <a:round/>
+                      <a:headEnd type="none" w="med" len="med"/>
+                      <a:tailEnd type="none" w="med" len="med"/>
+                    </a:lnB>
+                  </a:tcPr>
+                </a:tc>
+                <a:tc>
+                  <a:txBody>
+                    <a:bodyPr/>
+                    <a:lstStyle/>
+                    <a:p>
+                      <a:pPr fontAlgn="t"/>
+                      <a:r>
+                        <a:rPr lang="ru-RU" sz="2000" dirty="0">
+                          <a:solidFill>
+                            <a:srgbClr val="000000"/>
+                          </a:solidFill>
+                          <a:effectLst/>
+                        </a:rPr>
+                        <a:t> </a:t>
+                      </a:r>
+                    </a:p>
+                  </a:txBody>
+                  <a:tcPr marL="52897" marR="52897" marT="52897" marB="52897">
+                    <a:lnL w="9525" cap="flat" cmpd="sng" algn="ctr">
+                      <a:solidFill>
+                        <a:srgbClr val="000000"/>
+                      </a:solidFill>
+                      <a:prstDash val="solid"/>
+                      <a:round/>
+                      <a:headEnd type="none" w="med" len="med"/>
+                      <a:tailEnd type="none" w="med" len="med"/>
+                    </a:lnL>
+                    <a:lnR w="9525" cap="flat" cmpd="sng" algn="ctr">
+                      <a:solidFill>
+                        <a:srgbClr val="9E9E9E"/>
+                      </a:solidFill>
+                      <a:prstDash val="solid"/>
+                      <a:round/>
+                      <a:headEnd type="none" w="med" len="med"/>
+                      <a:tailEnd type="none" w="med" len="med"/>
+                    </a:lnR>
+                    <a:lnT w="9525" cap="flat" cmpd="sng" algn="ctr">
+                      <a:solidFill>
+                        <a:srgbClr val="000000"/>
+                      </a:solidFill>
+                      <a:prstDash val="solid"/>
+                      <a:round/>
+                      <a:headEnd type="none" w="med" len="med"/>
+                      <a:tailEnd type="none" w="med" len="med"/>
+                    </a:lnT>
+                    <a:lnB w="9525" cap="flat" cmpd="sng" algn="ctr">
+                      <a:solidFill>
+                        <a:srgbClr val="9E9E9E"/>
+                      </a:solidFill>
+                      <a:prstDash val="solid"/>
+                      <a:round/>
+                      <a:headEnd type="none" w="med" len="med"/>
+                      <a:tailEnd type="none" w="med" len="med"/>
+                    </a:lnB>
+                  </a:tcPr>
+                </a:tc>
+                <a:extLst>
+                  <a:ext uri="{0D108BD9-81ED-4DB2-BD59-A6C34878D82A}">
+                    <a16:rowId xmlns:a16="http://schemas.microsoft.com/office/drawing/2014/main" val="2003223535"/>
+                  </a:ext>
+                </a:extLst>
+              </a:tr>
+            </a:tbl>
+          </a:graphicData>
+        </a:graphic>
+      </p:graphicFrame>
+      <p:sp>
+        <p:nvSpPr>
+          <p:cNvPr id="7" name="Rectangle 1">
+            <a:extLst>
+              <a:ext uri="{FF2B5EF4-FFF2-40B4-BE49-F238E27FC236}">
+                <a16:creationId xmlns:a16="http://schemas.microsoft.com/office/drawing/2014/main" id="{BA98F3C6-322A-4DE4-B2F1-FC09349C2E70}"/>
+              </a:ext>
+            </a:extLst>
+          </p:cNvPr>
+          <p:cNvSpPr>
+            <a:spLocks noChangeArrowheads="1"/>
+          </p:cNvSpPr>
+          <p:nvPr/>
+        </p:nvSpPr>
+        <p:spPr bwMode="auto">
+          <a:xfrm>
+            <a:off x="2300288" y="1547813"/>
+            <a:ext cx="9144000" cy="457200"/>
+          </a:xfrm>
+          <a:prstGeom prst="rect">
+            <a:avLst/>
+          </a:prstGeom>
+          <a:noFill/>
+          <a:ln>
+            <a:noFill/>
+          </a:ln>
+          <a:effectLst/>
+          <a:extLst>
+            <a:ext uri="{909E8E84-426E-40DD-AFC4-6F175D3DCCD1}">
+              <a14:hiddenFill xmlns:a14="http://schemas.microsoft.com/office/drawing/2010/main">
+                <a:solidFill>
+                  <a:schemeClr val="accent1"/>
+                </a:solidFill>
+              </a14:hiddenFill>
+            </a:ext>
+            <a:ext uri="{91240B29-F687-4F45-9708-019B960494DF}">
+              <a14:hiddenLine xmlns:a14="http://schemas.microsoft.com/office/drawing/2010/main" w="9525">
+                <a:solidFill>
+                  <a:schemeClr val="tx1"/>
+                </a:solidFill>
+                <a:miter lim="800000"/>
+                <a:headEnd/>
+                <a:tailEnd/>
+              </a14:hiddenLine>
+            </a:ext>
+            <a:ext uri="{AF507438-7753-43E0-B8FC-AC1667EBCBE1}">
+              <a14:hiddenEffects xmlns:a14="http://schemas.microsoft.com/office/drawing/2010/main">
+                <a:effectLst>
+                  <a:outerShdw dist="35921" dir="2700000" algn="ctr" rotWithShape="0">
+                    <a:schemeClr val="bg2"/>
+                  </a:outerShdw>
+                </a:effectLst>
+              </a14:hiddenEffects>
+            </a:ext>
+          </a:extLst>
+        </p:spPr>
+        <p:txBody>
+          <a:bodyPr vert="horz" wrap="none" lIns="91440" tIns="45720" rIns="91440" bIns="45720" numCol="1" anchor="ctr" anchorCtr="0" compatLnSpc="1">
+            <a:prstTxWarp prst="textNoShape">
+              <a:avLst/>
+            </a:prstTxWarp>
+            <a:spAutoFit/>
+          </a:bodyPr>
+          <a:lstStyle/>
+          <a:p>
+            <a:endParaRPr lang="ru-RU"/>
+          </a:p>
+        </p:txBody>
+      </p:sp>
+    </p:spTree>
+    <p:extLst>
+      <p:ext uri="{BB962C8B-B14F-4D97-AF65-F5344CB8AC3E}">
+        <p14:creationId xmlns:p14="http://schemas.microsoft.com/office/powerpoint/2010/main" val="4163363068"/>
+      </p:ext>
+    </p:extLst>
+  </p:cSld>
+  <p:clrMapOvr>
+    <a:masterClrMapping/>
+  </p:clrMapOvr>
+</p:sld>
+</file>
+
+<file path=ppt/slides/slide6.xml><?xml version="1.0" encoding="utf-8"?>
+<p:sld xmlns:a="http://schemas.openxmlformats.org/drawingml/2006/main" xmlns:r="http://schemas.openxmlformats.org/officeDocument/2006/relationships" xmlns:p="http://schemas.openxmlformats.org/presentationml/2006/main">
+  <p:cSld>
+    <p:spTree>
+      <p:nvGrpSpPr>
+        <p:cNvPr id="1" name=""/>
+        <p:cNvGrpSpPr/>
+        <p:nvPr/>
+      </p:nvGrpSpPr>
+      <p:grpSpPr>
+        <a:xfrm>
+          <a:off x="0" y="0"/>
+          <a:ext cx="0" cy="0"/>
+          <a:chOff x="0" y="0"/>
+          <a:chExt cx="0" cy="0"/>
+        </a:xfrm>
+      </p:grpSpPr>
+      <p:sp>
+        <p:nvSpPr>
+          <p:cNvPr id="2" name="Title 1"/>
+          <p:cNvSpPr>
+            <a:spLocks noGrp="1"/>
+          </p:cNvSpPr>
+          <p:nvPr>
+            <p:ph type="title"/>
+          </p:nvPr>
+        </p:nvSpPr>
+        <p:spPr>
+          <a:xfrm>
+            <a:off x="457200" y="683944"/>
+            <a:ext cx="6273934" cy="620483"/>
+          </a:xfrm>
+        </p:spPr>
+        <p:txBody>
+          <a:bodyPr>
+            <a:normAutofit fontScale="90000"/>
+          </a:bodyPr>
+          <a:lstStyle/>
+          <a:p>
+            <a:r>
+              <a:rPr lang="ru-RU" dirty="0"/>
+              <a:t>Дополнительная настройка</a:t>
+            </a:r>
+            <a:endParaRPr lang="en-US" dirty="0"/>
+          </a:p>
+        </p:txBody>
+      </p:sp>
+      <p:pic>
+        <p:nvPicPr>
+          <p:cNvPr id="1026" name="Picture 2">
+            <a:extLst>
+              <a:ext uri="{FF2B5EF4-FFF2-40B4-BE49-F238E27FC236}">
+                <a16:creationId xmlns:a16="http://schemas.microsoft.com/office/drawing/2014/main" id="{CC46C75B-6ACB-4438-8343-ED37A1444F4A}"/>
+              </a:ext>
+            </a:extLst>
+          </p:cNvPr>
+          <p:cNvPicPr>
+            <a:picLocks noChangeAspect="1" noChangeArrowheads="1"/>
+          </p:cNvPicPr>
+          <p:nvPr/>
+        </p:nvPicPr>
+        <p:blipFill>
+          <a:blip r:embed="rId2">
+            <a:extLst>
+              <a:ext uri="{28A0092B-C50C-407E-A947-70E740481C1C}">
+                <a14:useLocalDpi xmlns:a14="http://schemas.microsoft.com/office/drawing/2010/main" val="0"/>
+              </a:ext>
+            </a:extLst>
+          </a:blip>
+          <a:srcRect/>
+          <a:stretch>
+            <a:fillRect/>
+          </a:stretch>
+        </p:blipFill>
+        <p:spPr bwMode="auto">
+          <a:xfrm>
+            <a:off x="1717742" y="1304427"/>
+            <a:ext cx="1601655" cy="2780538"/>
+          </a:xfrm>
+          <a:prstGeom prst="rect">
+            <a:avLst/>
+          </a:prstGeom>
+          <a:noFill/>
+          <a:extLst>
+            <a:ext uri="{909E8E84-426E-40DD-AFC4-6F175D3DCCD1}">
+              <a14:hiddenFill xmlns:a14="http://schemas.microsoft.com/office/drawing/2010/main">
+                <a:solidFill>
+                  <a:srgbClr val="FFFFFF"/>
+                </a:solidFill>
+              </a14:hiddenFill>
+            </a:ext>
+          </a:extLst>
+        </p:spPr>
+      </p:pic>
+      <p:pic>
+        <p:nvPicPr>
+          <p:cNvPr id="1028" name="Picture 4">
+            <a:extLst>
+              <a:ext uri="{FF2B5EF4-FFF2-40B4-BE49-F238E27FC236}">
+                <a16:creationId xmlns:a16="http://schemas.microsoft.com/office/drawing/2014/main" id="{F46EFC09-5DC8-429A-9B3E-D3A3CD6E8FF3}"/>
+              </a:ext>
+            </a:extLst>
+          </p:cNvPr>
+          <p:cNvPicPr>
+            <a:picLocks noChangeAspect="1" noChangeArrowheads="1"/>
+          </p:cNvPicPr>
+          <p:nvPr/>
+        </p:nvPicPr>
+        <p:blipFill>
+          <a:blip r:embed="rId3">
+            <a:extLst>
+              <a:ext uri="{28A0092B-C50C-407E-A947-70E740481C1C}">
+                <a14:useLocalDpi xmlns:a14="http://schemas.microsoft.com/office/drawing/2010/main" val="0"/>
+              </a:ext>
+            </a:extLst>
+          </a:blip>
+          <a:srcRect/>
+          <a:stretch>
+            <a:fillRect/>
+          </a:stretch>
+        </p:blipFill>
+        <p:spPr bwMode="auto">
+          <a:xfrm>
+            <a:off x="4820357" y="1304426"/>
+            <a:ext cx="3307468" cy="2780539"/>
+          </a:xfrm>
+          <a:prstGeom prst="rect">
+            <a:avLst/>
+          </a:prstGeom>
+          <a:noFill/>
+          <a:extLst>
+            <a:ext uri="{909E8E84-426E-40DD-AFC4-6F175D3DCCD1}">
+              <a14:hiddenFill xmlns:a14="http://schemas.microsoft.com/office/drawing/2010/main">
+                <a:solidFill>
+                  <a:srgbClr val="FFFFFF"/>
+                </a:solidFill>
+              </a14:hiddenFill>
+            </a:ext>
+          </a:extLst>
+        </p:spPr>
+      </p:pic>
+      <p:sp>
+        <p:nvSpPr>
+          <p:cNvPr id="11" name="TextBox 10">
+            <a:extLst>
+              <a:ext uri="{FF2B5EF4-FFF2-40B4-BE49-F238E27FC236}">
+                <a16:creationId xmlns:a16="http://schemas.microsoft.com/office/drawing/2014/main" id="{E3B8C058-66FC-4111-8439-FD70DE0B20C7}"/>
+              </a:ext>
+            </a:extLst>
+          </p:cNvPr>
+          <p:cNvSpPr txBox="1"/>
+          <p:nvPr/>
+        </p:nvSpPr>
+        <p:spPr>
+          <a:xfrm>
+            <a:off x="1515053" y="4103958"/>
+            <a:ext cx="7315200" cy="954107"/>
+          </a:xfrm>
+          <a:prstGeom prst="rect">
+            <a:avLst/>
+          </a:prstGeom>
+          <a:noFill/>
+        </p:spPr>
+        <p:txBody>
+          <a:bodyPr wrap="square">
+            <a:spAutoFit/>
+          </a:bodyPr>
+          <a:lstStyle/>
+          <a:p>
+            <a:pPr marL="190500" marR="190500" rtl="0">
+              <a:spcBef>
+                <a:spcPts val="0"/>
+              </a:spcBef>
+              <a:spcAft>
+                <a:spcPts val="0"/>
+              </a:spcAft>
+            </a:pPr>
+            <a:r>
+              <a:rPr lang="en-US" sz="1400" b="0" i="0" u="none" strike="noStrike" dirty="0">
+                <a:solidFill>
+                  <a:srgbClr val="000000"/>
+                </a:solidFill>
+                <a:effectLst/>
+                <a:latin typeface="Courier New" panose="02070309020205020404" pitchFamily="49" charset="0"/>
+              </a:rPr>
+              <a:t>https://dl.espressif.com/dl/package_esp32_index.json, </a:t>
+            </a:r>
+            <a:endParaRPr lang="en-US" sz="1400" b="0" dirty="0">
+              <a:solidFill>
+                <a:srgbClr val="000000"/>
+              </a:solidFill>
+              <a:effectLst/>
+            </a:endParaRPr>
+          </a:p>
+          <a:p>
+            <a:pPr marL="190500" marR="190500" rtl="0">
+              <a:spcBef>
+                <a:spcPts val="0"/>
+              </a:spcBef>
+              <a:spcAft>
+                <a:spcPts val="0"/>
+              </a:spcAft>
+            </a:pPr>
+            <a:r>
+              <a:rPr lang="en-US" sz="1400" b="0" i="0" u="none" strike="noStrike" dirty="0">
+                <a:solidFill>
+                  <a:srgbClr val="000000"/>
+                </a:solidFill>
+                <a:effectLst/>
+                <a:latin typeface="Courier New" panose="02070309020205020404" pitchFamily="49" charset="0"/>
+              </a:rPr>
+              <a:t>http://arduino.esp8266.com/stable/package_esp8266com_index.json</a:t>
+            </a:r>
+            <a:endParaRPr lang="en-US" sz="1400" b="0" dirty="0">
+              <a:solidFill>
+                <a:srgbClr val="000000"/>
+              </a:solidFill>
+              <a:effectLst/>
+            </a:endParaRPr>
+          </a:p>
+          <a:p>
+            <a:br>
+              <a:rPr lang="en-US" sz="1400" b="0" dirty="0">
+                <a:solidFill>
+                  <a:srgbClr val="000000"/>
+                </a:solidFill>
+                <a:effectLst/>
+              </a:rPr>
+            </a:br>
+            <a:endParaRPr lang="ru-RU" sz="1400" dirty="0">
+              <a:solidFill>
+                <a:srgbClr val="000000"/>
+              </a:solidFill>
+            </a:endParaRPr>
+          </a:p>
+        </p:txBody>
+      </p:sp>
+    </p:spTree>
+    <p:extLst>
+      <p:ext uri="{BB962C8B-B14F-4D97-AF65-F5344CB8AC3E}">
+        <p14:creationId xmlns:p14="http://schemas.microsoft.com/office/powerpoint/2010/main" val="1232207914"/>
+      </p:ext>
+    </p:extLst>
+  </p:cSld>
+  <p:clrMapOvr>
+    <a:masterClrMapping/>
+  </p:clrMapOvr>
+</p:sld>
+</file>
+
+<file path=ppt/slides/slide7.xml><?xml version="1.0" encoding="utf-8"?>
+<p:sld xmlns:a="http://schemas.openxmlformats.org/drawingml/2006/main" xmlns:r="http://schemas.openxmlformats.org/officeDocument/2006/relationships" xmlns:p="http://schemas.openxmlformats.org/presentationml/2006/main">
+  <p:cSld>
+    <p:spTree>
+      <p:nvGrpSpPr>
+        <p:cNvPr id="1" name=""/>
+        <p:cNvGrpSpPr/>
+        <p:nvPr/>
+      </p:nvGrpSpPr>
+      <p:grpSpPr>
+        <a:xfrm>
+          <a:off x="0" y="0"/>
+          <a:ext cx="0" cy="0"/>
+          <a:chOff x="0" y="0"/>
+          <a:chExt cx="0" cy="0"/>
+        </a:xfrm>
+      </p:grpSpPr>
       <p:pic>
         <p:nvPicPr>
           <p:cNvPr id="2" name="Picture 2">
@@ -5234,7 +10930,7 @@
 </p:sld>
 </file>
 
-<file path=ppt/slides/slide4.xml><?xml version="1.0" encoding="utf-8"?>
+<file path=ppt/slides/slide8.xml><?xml version="1.0" encoding="utf-8"?>
 <p:sld xmlns:a="http://schemas.openxmlformats.org/drawingml/2006/main" xmlns:r="http://schemas.openxmlformats.org/officeDocument/2006/relationships" xmlns:p="http://schemas.openxmlformats.org/presentationml/2006/main">
   <p:cSld>
     <p:bg>

--- a/Лекция 1.pptx
+++ b/Лекция 1.pptx
@@ -4774,13 +4774,7 @@
               <a:rPr lang="ru-RU" sz="4000" dirty="0"/>
               <a:t>Введение в микроконтроллеры</a:t>
             </a:r>
-            <a:br>
-              <a:rPr lang="en-US" sz="4000" dirty="0"/>
-            </a:br>
-            <a:r>
-              <a:rPr lang="en-US" sz="4000" dirty="0"/>
-              <a:t>ESP8266</a:t>
-            </a:r>
+            <a:endParaRPr lang="en-US" sz="4000" dirty="0"/>
           </a:p>
         </p:txBody>
       </p:sp>
@@ -4802,8 +4796,12 @@
           <a:lstStyle/>
           <a:p>
             <a:r>
+              <a:rPr lang="ru-RU" sz="2000"/>
+              <a:t>Кириленко </a:t>
+            </a:r>
+            <a:r>
               <a:rPr lang="ru-RU" sz="2000" dirty="0"/>
-              <a:t>Подготовил: Кириленко Иван</a:t>
+              <a:t>Иван</a:t>
             </a:r>
             <a:endParaRPr lang="nl-NL" sz="2000" dirty="0"/>
           </a:p>
